--- a/presentation.pptx
+++ b/presentation.pptx
@@ -1,23 +1,123 @@
 
 <file path=ppt/presentation.xml><?xml version="1.0" encoding="utf-8"?>
-<p:presentation xmlns:a="http://schemas.openxmlformats.org/drawingml/2006/main" xmlns:p="http://schemas.openxmlformats.org/presentationml/2006/main" xmlns:r="http://schemas.openxmlformats.org/officeDocument/2006/relationships" xmlns:p14="http://schemas.microsoft.com/office/powerpoint/2010/main" xmlns:p15="http://schemas.microsoft.com/office/powerpoint/2012/main" xmlns:mc="http://schemas.openxmlformats.org/markup-compatibility/2006">
+<p:presentation xmlns:a="http://schemas.openxmlformats.org/drawingml/2006/main" xmlns:r="http://schemas.openxmlformats.org/officeDocument/2006/relationships" xmlns:p="http://schemas.openxmlformats.org/presentationml/2006/main">
   <p:sldMasterIdLst>
-    <p:sldMasterId id="2147483648" r:id="rId2"/>
+    <p:sldMasterId id="2147483648" r:id="rId1"/>
+    <p:sldMasterId id="2147483661" r:id="rId3"/>
   </p:sldMasterIdLst>
   <p:sldIdLst>
-    <p:sldId id="256" r:id="rId3"/>
-    <p:sldId id="257" r:id="rId4"/>
-    <p:sldId id="258" r:id="rId5"/>
-    <p:sldId id="259" r:id="rId6"/>
-    <p:sldId id="260" r:id="rId7"/>
+    <p:sldId id="256" r:id="rId4"/>
+    <p:sldId id="275" r:id="rId5"/>
+    <p:sldId id="272" r:id="rId6"/>
+    <p:sldId id="274" r:id="rId7"/>
+    <p:sldId id="273" r:id="rId8"/>
+    <p:sldId id="257" r:id="rId9"/>
+    <p:sldId id="265" r:id="rId10"/>
+    <p:sldId id="258" r:id="rId11"/>
+    <p:sldId id="261" r:id="rId12"/>
+    <p:sldId id="259" r:id="rId13"/>
+    <p:sldId id="260" r:id="rId14"/>
+    <p:sldId id="263" r:id="rId15"/>
   </p:sldIdLst>
   <p:sldSz cx="10080625" cy="5670550"/>
-  <p:notesSz cx="7559675" cy="10691812"/>
+  <p:notesSz cx="7559675" cy="10691495"/>
+  <p:defaultTextStyle>
+    <a:lvl1pPr marL="0" algn="l" defTabSz="914400" rtl="0" eaLnBrk="1" latinLnBrk="0" hangingPunct="1">
+      <a:defRPr sz="1800" kern="1200">
+        <a:solidFill>
+          <a:schemeClr val="tx1"/>
+        </a:solidFill>
+        <a:latin typeface="+mn-lt"/>
+        <a:ea typeface="+mn-ea"/>
+        <a:cs typeface="+mn-cs"/>
+      </a:defRPr>
+    </a:lvl1pPr>
+    <a:lvl2pPr marL="457200" algn="l" defTabSz="914400" rtl="0" eaLnBrk="1" latinLnBrk="0" hangingPunct="1">
+      <a:defRPr sz="1800" kern="1200">
+        <a:solidFill>
+          <a:schemeClr val="tx1"/>
+        </a:solidFill>
+        <a:latin typeface="+mn-lt"/>
+        <a:ea typeface="+mn-ea"/>
+        <a:cs typeface="+mn-cs"/>
+      </a:defRPr>
+    </a:lvl2pPr>
+    <a:lvl3pPr marL="914400" algn="l" defTabSz="914400" rtl="0" eaLnBrk="1" latinLnBrk="0" hangingPunct="1">
+      <a:defRPr sz="1800" kern="1200">
+        <a:solidFill>
+          <a:schemeClr val="tx1"/>
+        </a:solidFill>
+        <a:latin typeface="+mn-lt"/>
+        <a:ea typeface="+mn-ea"/>
+        <a:cs typeface="+mn-cs"/>
+      </a:defRPr>
+    </a:lvl3pPr>
+    <a:lvl4pPr marL="1371600" algn="l" defTabSz="914400" rtl="0" eaLnBrk="1" latinLnBrk="0" hangingPunct="1">
+      <a:defRPr sz="1800" kern="1200">
+        <a:solidFill>
+          <a:schemeClr val="tx1"/>
+        </a:solidFill>
+        <a:latin typeface="+mn-lt"/>
+        <a:ea typeface="+mn-ea"/>
+        <a:cs typeface="+mn-cs"/>
+      </a:defRPr>
+    </a:lvl4pPr>
+    <a:lvl5pPr marL="1828800" algn="l" defTabSz="914400" rtl="0" eaLnBrk="1" latinLnBrk="0" hangingPunct="1">
+      <a:defRPr sz="1800" kern="1200">
+        <a:solidFill>
+          <a:schemeClr val="tx1"/>
+        </a:solidFill>
+        <a:latin typeface="+mn-lt"/>
+        <a:ea typeface="+mn-ea"/>
+        <a:cs typeface="+mn-cs"/>
+      </a:defRPr>
+    </a:lvl5pPr>
+    <a:lvl6pPr marL="2286000" algn="l" defTabSz="914400" rtl="0" eaLnBrk="1" latinLnBrk="0" hangingPunct="1">
+      <a:defRPr sz="1800" kern="1200">
+        <a:solidFill>
+          <a:schemeClr val="tx1"/>
+        </a:solidFill>
+        <a:latin typeface="+mn-lt"/>
+        <a:ea typeface="+mn-ea"/>
+        <a:cs typeface="+mn-cs"/>
+      </a:defRPr>
+    </a:lvl6pPr>
+    <a:lvl7pPr marL="2743200" algn="l" defTabSz="914400" rtl="0" eaLnBrk="1" latinLnBrk="0" hangingPunct="1">
+      <a:defRPr sz="1800" kern="1200">
+        <a:solidFill>
+          <a:schemeClr val="tx1"/>
+        </a:solidFill>
+        <a:latin typeface="+mn-lt"/>
+        <a:ea typeface="+mn-ea"/>
+        <a:cs typeface="+mn-cs"/>
+      </a:defRPr>
+    </a:lvl7pPr>
+    <a:lvl8pPr marL="3200400" algn="l" defTabSz="914400" rtl="0" eaLnBrk="1" latinLnBrk="0" hangingPunct="1">
+      <a:defRPr sz="1800" kern="1200">
+        <a:solidFill>
+          <a:schemeClr val="tx1"/>
+        </a:solidFill>
+        <a:latin typeface="+mn-lt"/>
+        <a:ea typeface="+mn-ea"/>
+        <a:cs typeface="+mn-cs"/>
+      </a:defRPr>
+    </a:lvl8pPr>
+    <a:lvl9pPr marL="3657600" algn="l" defTabSz="914400" rtl="0" eaLnBrk="1" latinLnBrk="0" hangingPunct="1">
+      <a:defRPr sz="1800" kern="1200">
+        <a:solidFill>
+          <a:schemeClr val="tx1"/>
+        </a:solidFill>
+        <a:latin typeface="+mn-lt"/>
+        <a:ea typeface="+mn-ea"/>
+        <a:cs typeface="+mn-cs"/>
+      </a:defRPr>
+    </a:lvl9pPr>
+  </p:defaultTextStyle>
 </p:presentation>
 </file>
 
 <file path=ppt/slideLayouts/slideLayout1.xml><?xml version="1.0" encoding="utf-8"?>
-<p:sldLayout xmlns:a="http://schemas.openxmlformats.org/drawingml/2006/main" xmlns:p="http://schemas.openxmlformats.org/presentationml/2006/main" xmlns:r="http://schemas.openxmlformats.org/officeDocument/2006/relationships" xmlns:p14="http://schemas.microsoft.com/office/powerpoint/2010/main" xmlns:p15="http://schemas.microsoft.com/office/powerpoint/2012/main" xmlns:mc="http://schemas.openxmlformats.org/markup-compatibility/2006" type="blank" preserve="1">
+<p:sldLayout xmlns:a="http://schemas.openxmlformats.org/drawingml/2006/main" xmlns:r="http://schemas.openxmlformats.org/officeDocument/2006/relationships" xmlns:p="http://schemas.openxmlformats.org/presentationml/2006/main" type="blank" preserve="1">
   <p:cSld name="Blank Slide">
     <p:spTree>
       <p:nvGrpSpPr>
@@ -35,11 +135,14 @@
       </p:grpSpPr>
     </p:spTree>
   </p:cSld>
+  <p:clrMapOvr>
+    <a:masterClrMapping/>
+  </p:clrMapOvr>
 </p:sldLayout>
 </file>
 
 <file path=ppt/slideLayouts/slideLayout10.xml><?xml version="1.0" encoding="utf-8"?>
-<p:sldLayout xmlns:a="http://schemas.openxmlformats.org/drawingml/2006/main" xmlns:p="http://schemas.openxmlformats.org/presentationml/2006/main" xmlns:r="http://schemas.openxmlformats.org/officeDocument/2006/relationships" xmlns:p14="http://schemas.microsoft.com/office/powerpoint/2010/main" xmlns:p15="http://schemas.microsoft.com/office/powerpoint/2012/main" xmlns:mc="http://schemas.openxmlformats.org/markup-compatibility/2006" type="objOverTx" preserve="1">
+<p:sldLayout xmlns:a="http://schemas.openxmlformats.org/drawingml/2006/main" xmlns:r="http://schemas.openxmlformats.org/officeDocument/2006/relationships" xmlns:p="http://schemas.openxmlformats.org/presentationml/2006/main" type="objOverTx" preserve="1">
   <p:cSld name="Title, Content over Content">
     <p:spTree>
       <p:nvGrpSpPr>
@@ -75,13 +178,13 @@
           </a:prstGeom>
         </p:spPr>
         <p:txBody>
-          <a:bodyPr lIns="0" rIns="0" tIns="0" bIns="0" anchor="ctr">
+          <a:bodyPr lIns="0" tIns="0" rIns="0" bIns="0" anchor="ctr">
             <a:noAutofit/>
           </a:bodyPr>
           <a:p>
             <a:pPr algn="ctr"/>
-            <a:endParaRPr b="0" lang="en-US" sz="4400" spc="-1" strike="noStrike">
-              <a:latin typeface="Arial"/>
+            <a:endParaRPr lang="en-US" sz="4400" b="0" strike="noStrike" spc="-1">
+              <a:latin typeface="Arial" panose="020B0604020202020204"/>
             </a:endParaRPr>
           </a:p>
         </p:txBody>
@@ -106,12 +209,12 @@
           </a:prstGeom>
         </p:spPr>
         <p:txBody>
-          <a:bodyPr lIns="0" rIns="0" tIns="0" bIns="0">
+          <a:bodyPr lIns="0" tIns="0" rIns="0" bIns="0">
             <a:normAutofit/>
           </a:bodyPr>
           <a:p>
-            <a:endParaRPr b="0" lang="en-US" sz="3200" spc="-1" strike="noStrike">
-              <a:latin typeface="Arial"/>
+            <a:endParaRPr lang="en-US" sz="3200" b="0" strike="noStrike" spc="-1">
+              <a:latin typeface="Arial" panose="020B0604020202020204"/>
             </a:endParaRPr>
           </a:p>
         </p:txBody>
@@ -136,23 +239,26 @@
           </a:prstGeom>
         </p:spPr>
         <p:txBody>
-          <a:bodyPr lIns="0" rIns="0" tIns="0" bIns="0">
+          <a:bodyPr lIns="0" tIns="0" rIns="0" bIns="0">
             <a:normAutofit/>
           </a:bodyPr>
           <a:p>
-            <a:endParaRPr b="0" lang="en-US" sz="3200" spc="-1" strike="noStrike">
-              <a:latin typeface="Arial"/>
+            <a:endParaRPr lang="en-US" sz="3200" b="0" strike="noStrike" spc="-1">
+              <a:latin typeface="Arial" panose="020B0604020202020204"/>
             </a:endParaRPr>
           </a:p>
         </p:txBody>
       </p:sp>
     </p:spTree>
   </p:cSld>
+  <p:clrMapOvr>
+    <a:masterClrMapping/>
+  </p:clrMapOvr>
 </p:sldLayout>
 </file>
 
 <file path=ppt/slideLayouts/slideLayout11.xml><?xml version="1.0" encoding="utf-8"?>
-<p:sldLayout xmlns:a="http://schemas.openxmlformats.org/drawingml/2006/main" xmlns:p="http://schemas.openxmlformats.org/presentationml/2006/main" xmlns:r="http://schemas.openxmlformats.org/officeDocument/2006/relationships" xmlns:p14="http://schemas.microsoft.com/office/powerpoint/2010/main" xmlns:p15="http://schemas.microsoft.com/office/powerpoint/2012/main" xmlns:mc="http://schemas.openxmlformats.org/markup-compatibility/2006" type="fourObj" preserve="1">
+<p:sldLayout xmlns:a="http://schemas.openxmlformats.org/drawingml/2006/main" xmlns:r="http://schemas.openxmlformats.org/officeDocument/2006/relationships" xmlns:p="http://schemas.openxmlformats.org/presentationml/2006/main" type="fourObj" preserve="1">
   <p:cSld name="Title, 4 Content">
     <p:spTree>
       <p:nvGrpSpPr>
@@ -188,13 +294,13 @@
           </a:prstGeom>
         </p:spPr>
         <p:txBody>
-          <a:bodyPr lIns="0" rIns="0" tIns="0" bIns="0" anchor="ctr">
+          <a:bodyPr lIns="0" tIns="0" rIns="0" bIns="0" anchor="ctr">
             <a:noAutofit/>
           </a:bodyPr>
           <a:p>
             <a:pPr algn="ctr"/>
-            <a:endParaRPr b="0" lang="en-US" sz="4400" spc="-1" strike="noStrike">
-              <a:latin typeface="Arial"/>
+            <a:endParaRPr lang="en-US" sz="4400" b="0" strike="noStrike" spc="-1">
+              <a:latin typeface="Arial" panose="020B0604020202020204"/>
             </a:endParaRPr>
           </a:p>
         </p:txBody>
@@ -219,12 +325,12 @@
           </a:prstGeom>
         </p:spPr>
         <p:txBody>
-          <a:bodyPr lIns="0" rIns="0" tIns="0" bIns="0">
+          <a:bodyPr lIns="0" tIns="0" rIns="0" bIns="0">
             <a:normAutofit/>
           </a:bodyPr>
           <a:p>
-            <a:endParaRPr b="0" lang="en-US" sz="3200" spc="-1" strike="noStrike">
-              <a:latin typeface="Arial"/>
+            <a:endParaRPr lang="en-US" sz="3200" b="0" strike="noStrike" spc="-1">
+              <a:latin typeface="Arial" panose="020B0604020202020204"/>
             </a:endParaRPr>
           </a:p>
         </p:txBody>
@@ -249,12 +355,12 @@
           </a:prstGeom>
         </p:spPr>
         <p:txBody>
-          <a:bodyPr lIns="0" rIns="0" tIns="0" bIns="0">
+          <a:bodyPr lIns="0" tIns="0" rIns="0" bIns="0">
             <a:normAutofit/>
           </a:bodyPr>
           <a:p>
-            <a:endParaRPr b="0" lang="en-US" sz="3200" spc="-1" strike="noStrike">
-              <a:latin typeface="Arial"/>
+            <a:endParaRPr lang="en-US" sz="3200" b="0" strike="noStrike" spc="-1">
+              <a:latin typeface="Arial" panose="020B0604020202020204"/>
             </a:endParaRPr>
           </a:p>
         </p:txBody>
@@ -279,12 +385,12 @@
           </a:prstGeom>
         </p:spPr>
         <p:txBody>
-          <a:bodyPr lIns="0" rIns="0" tIns="0" bIns="0">
+          <a:bodyPr lIns="0" tIns="0" rIns="0" bIns="0">
             <a:normAutofit/>
           </a:bodyPr>
           <a:p>
-            <a:endParaRPr b="0" lang="en-US" sz="3200" spc="-1" strike="noStrike">
-              <a:latin typeface="Arial"/>
+            <a:endParaRPr lang="en-US" sz="3200" b="0" strike="noStrike" spc="-1">
+              <a:latin typeface="Arial" panose="020B0604020202020204"/>
             </a:endParaRPr>
           </a:p>
         </p:txBody>
@@ -309,23 +415,26 @@
           </a:prstGeom>
         </p:spPr>
         <p:txBody>
-          <a:bodyPr lIns="0" rIns="0" tIns="0" bIns="0">
+          <a:bodyPr lIns="0" tIns="0" rIns="0" bIns="0">
             <a:normAutofit/>
           </a:bodyPr>
           <a:p>
-            <a:endParaRPr b="0" lang="en-US" sz="3200" spc="-1" strike="noStrike">
-              <a:latin typeface="Arial"/>
+            <a:endParaRPr lang="en-US" sz="3200" b="0" strike="noStrike" spc="-1">
+              <a:latin typeface="Arial" panose="020B0604020202020204"/>
             </a:endParaRPr>
           </a:p>
         </p:txBody>
       </p:sp>
     </p:spTree>
   </p:cSld>
+  <p:clrMapOvr>
+    <a:masterClrMapping/>
+  </p:clrMapOvr>
 </p:sldLayout>
 </file>
 
 <file path=ppt/slideLayouts/slideLayout12.xml><?xml version="1.0" encoding="utf-8"?>
-<p:sldLayout xmlns:a="http://schemas.openxmlformats.org/drawingml/2006/main" xmlns:p="http://schemas.openxmlformats.org/presentationml/2006/main" xmlns:r="http://schemas.openxmlformats.org/officeDocument/2006/relationships" xmlns:p14="http://schemas.microsoft.com/office/powerpoint/2010/main" xmlns:p15="http://schemas.microsoft.com/office/powerpoint/2012/main" xmlns:mc="http://schemas.openxmlformats.org/markup-compatibility/2006" type="blank" preserve="1">
+<p:sldLayout xmlns:a="http://schemas.openxmlformats.org/drawingml/2006/main" xmlns:r="http://schemas.openxmlformats.org/officeDocument/2006/relationships" xmlns:p="http://schemas.openxmlformats.org/presentationml/2006/main" type="blank" preserve="1">
   <p:cSld name="Title, 6 Content">
     <p:spTree>
       <p:nvGrpSpPr>
@@ -361,13 +470,13 @@
           </a:prstGeom>
         </p:spPr>
         <p:txBody>
-          <a:bodyPr lIns="0" rIns="0" tIns="0" bIns="0" anchor="ctr">
+          <a:bodyPr lIns="0" tIns="0" rIns="0" bIns="0" anchor="ctr">
             <a:noAutofit/>
           </a:bodyPr>
           <a:p>
             <a:pPr algn="ctr"/>
-            <a:endParaRPr b="0" lang="en-US" sz="4400" spc="-1" strike="noStrike">
-              <a:latin typeface="Arial"/>
+            <a:endParaRPr lang="en-US" sz="4400" b="0" strike="noStrike" spc="-1">
+              <a:latin typeface="Arial" panose="020B0604020202020204"/>
             </a:endParaRPr>
           </a:p>
         </p:txBody>
@@ -392,12 +501,12 @@
           </a:prstGeom>
         </p:spPr>
         <p:txBody>
-          <a:bodyPr lIns="0" rIns="0" tIns="0" bIns="0">
+          <a:bodyPr lIns="0" tIns="0" rIns="0" bIns="0">
             <a:normAutofit/>
           </a:bodyPr>
           <a:p>
-            <a:endParaRPr b="0" lang="en-US" sz="3200" spc="-1" strike="noStrike">
-              <a:latin typeface="Arial"/>
+            <a:endParaRPr lang="en-US" sz="3200" b="0" strike="noStrike" spc="-1">
+              <a:latin typeface="Arial" panose="020B0604020202020204"/>
             </a:endParaRPr>
           </a:p>
         </p:txBody>
@@ -422,12 +531,12 @@
           </a:prstGeom>
         </p:spPr>
         <p:txBody>
-          <a:bodyPr lIns="0" rIns="0" tIns="0" bIns="0">
+          <a:bodyPr lIns="0" tIns="0" rIns="0" bIns="0">
             <a:normAutofit/>
           </a:bodyPr>
           <a:p>
-            <a:endParaRPr b="0" lang="en-US" sz="3200" spc="-1" strike="noStrike">
-              <a:latin typeface="Arial"/>
+            <a:endParaRPr lang="en-US" sz="3200" b="0" strike="noStrike" spc="-1">
+              <a:latin typeface="Arial" panose="020B0604020202020204"/>
             </a:endParaRPr>
           </a:p>
         </p:txBody>
@@ -452,12 +561,12 @@
           </a:prstGeom>
         </p:spPr>
         <p:txBody>
-          <a:bodyPr lIns="0" rIns="0" tIns="0" bIns="0">
+          <a:bodyPr lIns="0" tIns="0" rIns="0" bIns="0">
             <a:normAutofit/>
           </a:bodyPr>
           <a:p>
-            <a:endParaRPr b="0" lang="en-US" sz="3200" spc="-1" strike="noStrike">
-              <a:latin typeface="Arial"/>
+            <a:endParaRPr lang="en-US" sz="3200" b="0" strike="noStrike" spc="-1">
+              <a:latin typeface="Arial" panose="020B0604020202020204"/>
             </a:endParaRPr>
           </a:p>
         </p:txBody>
@@ -482,12 +591,12 @@
           </a:prstGeom>
         </p:spPr>
         <p:txBody>
-          <a:bodyPr lIns="0" rIns="0" tIns="0" bIns="0">
+          <a:bodyPr lIns="0" tIns="0" rIns="0" bIns="0">
             <a:normAutofit/>
           </a:bodyPr>
           <a:p>
-            <a:endParaRPr b="0" lang="en-US" sz="3200" spc="-1" strike="noStrike">
-              <a:latin typeface="Arial"/>
+            <a:endParaRPr lang="en-US" sz="3200" b="0" strike="noStrike" spc="-1">
+              <a:latin typeface="Arial" panose="020B0604020202020204"/>
             </a:endParaRPr>
           </a:p>
         </p:txBody>
@@ -512,12 +621,12 @@
           </a:prstGeom>
         </p:spPr>
         <p:txBody>
-          <a:bodyPr lIns="0" rIns="0" tIns="0" bIns="0">
+          <a:bodyPr lIns="0" tIns="0" rIns="0" bIns="0">
             <a:normAutofit/>
           </a:bodyPr>
           <a:p>
-            <a:endParaRPr b="0" lang="en-US" sz="3200" spc="-1" strike="noStrike">
-              <a:latin typeface="Arial"/>
+            <a:endParaRPr lang="en-US" sz="3200" b="0" strike="noStrike" spc="-1">
+              <a:latin typeface="Arial" panose="020B0604020202020204"/>
             </a:endParaRPr>
           </a:p>
         </p:txBody>
@@ -542,23 +651,51 @@
           </a:prstGeom>
         </p:spPr>
         <p:txBody>
-          <a:bodyPr lIns="0" rIns="0" tIns="0" bIns="0">
+          <a:bodyPr lIns="0" tIns="0" rIns="0" bIns="0">
             <a:normAutofit/>
           </a:bodyPr>
           <a:p>
-            <a:endParaRPr b="0" lang="en-US" sz="3200" spc="-1" strike="noStrike">
-              <a:latin typeface="Arial"/>
+            <a:endParaRPr lang="en-US" sz="3200" b="0" strike="noStrike" spc="-1">
+              <a:latin typeface="Arial" panose="020B0604020202020204"/>
             </a:endParaRPr>
           </a:p>
         </p:txBody>
       </p:sp>
     </p:spTree>
   </p:cSld>
+  <p:clrMapOvr>
+    <a:masterClrMapping/>
+  </p:clrMapOvr>
 </p:sldLayout>
 </file>
 
-<file path=ppt/slideLayouts/slideLayout2.xml><?xml version="1.0" encoding="utf-8"?>
-<p:sldLayout xmlns:a="http://schemas.openxmlformats.org/drawingml/2006/main" xmlns:p="http://schemas.openxmlformats.org/presentationml/2006/main" xmlns:r="http://schemas.openxmlformats.org/officeDocument/2006/relationships" xmlns:p14="http://schemas.microsoft.com/office/powerpoint/2010/main" xmlns:p15="http://schemas.microsoft.com/office/powerpoint/2012/main" xmlns:mc="http://schemas.openxmlformats.org/markup-compatibility/2006" type="tx" preserve="1">
+<file path=ppt/slideLayouts/slideLayout13.xml><?xml version="1.0" encoding="utf-8"?>
+<p:sldLayout xmlns:a="http://schemas.openxmlformats.org/drawingml/2006/main" xmlns:r="http://schemas.openxmlformats.org/officeDocument/2006/relationships" xmlns:p="http://schemas.openxmlformats.org/presentationml/2006/main" type="blank" preserve="1">
+  <p:cSld name="Blank Slide">
+    <p:spTree>
+      <p:nvGrpSpPr>
+        <p:cNvPr id="1" name=""/>
+        <p:cNvGrpSpPr/>
+        <p:nvPr/>
+      </p:nvGrpSpPr>
+      <p:grpSpPr>
+        <a:xfrm>
+          <a:off x="0" y="0"/>
+          <a:ext cx="0" cy="0"/>
+          <a:chOff x="0" y="0"/>
+          <a:chExt cx="0" cy="0"/>
+        </a:xfrm>
+      </p:grpSpPr>
+    </p:spTree>
+  </p:cSld>
+  <p:clrMapOvr>
+    <a:masterClrMapping/>
+  </p:clrMapOvr>
+</p:sldLayout>
+</file>
+
+<file path=ppt/slideLayouts/slideLayout14.xml><?xml version="1.0" encoding="utf-8"?>
+<p:sldLayout xmlns:a="http://schemas.openxmlformats.org/drawingml/2006/main" xmlns:r="http://schemas.openxmlformats.org/officeDocument/2006/relationships" xmlns:p="http://schemas.openxmlformats.org/presentationml/2006/main" type="tx" preserve="1">
   <p:cSld name="Title Slide">
     <p:spTree>
       <p:nvGrpSpPr>
@@ -576,7 +713,7 @@
       </p:grpSpPr>
       <p:sp>
         <p:nvSpPr>
-          <p:cNvPr id="1" name="PlaceHolder 1"/>
+          <p:cNvPr id="2" name="PlaceHolder 1"/>
           <p:cNvSpPr>
             <a:spLocks noGrp="1"/>
           </p:cNvSpPr>
@@ -594,20 +731,20 @@
           </a:prstGeom>
         </p:spPr>
         <p:txBody>
-          <a:bodyPr lIns="0" rIns="0" tIns="0" bIns="0" anchor="ctr">
+          <a:bodyPr lIns="0" tIns="0" rIns="0" bIns="0" anchor="ctr">
             <a:noAutofit/>
           </a:bodyPr>
           <a:p>
             <a:pPr algn="ctr"/>
-            <a:endParaRPr b="0" lang="en-US" sz="4400" spc="-1" strike="noStrike">
-              <a:latin typeface="Arial"/>
-            </a:endParaRPr>
-          </a:p>
-        </p:txBody>
-      </p:sp>
-      <p:sp>
-        <p:nvSpPr>
-          <p:cNvPr id="2" name="PlaceHolder 2"/>
+            <a:endParaRPr lang="en-US" sz="4400" b="0" strike="noStrike" spc="-1">
+              <a:latin typeface="Arial" panose="020B0604020202020204"/>
+            </a:endParaRPr>
+          </a:p>
+        </p:txBody>
+      </p:sp>
+      <p:sp>
+        <p:nvSpPr>
+          <p:cNvPr id="3" name="PlaceHolder 2"/>
           <p:cNvSpPr>
             <a:spLocks noGrp="1"/>
           </p:cNvSpPr>
@@ -625,24 +762,27 @@
           </a:prstGeom>
         </p:spPr>
         <p:txBody>
-          <a:bodyPr lIns="0" rIns="0" tIns="0" bIns="0" anchor="ctr">
+          <a:bodyPr lIns="0" tIns="0" rIns="0" bIns="0" anchor="ctr">
             <a:noAutofit/>
           </a:bodyPr>
           <a:p>
             <a:pPr algn="ctr"/>
-            <a:endParaRPr b="0" lang="en-US" sz="3200" spc="-1" strike="noStrike">
-              <a:latin typeface="Arial"/>
+            <a:endParaRPr lang="en-US" sz="3200" b="0" strike="noStrike" spc="-1">
+              <a:latin typeface="Arial" panose="020B0604020202020204"/>
             </a:endParaRPr>
           </a:p>
         </p:txBody>
       </p:sp>
     </p:spTree>
   </p:cSld>
+  <p:clrMapOvr>
+    <a:masterClrMapping/>
+  </p:clrMapOvr>
 </p:sldLayout>
 </file>
 
-<file path=ppt/slideLayouts/slideLayout3.xml><?xml version="1.0" encoding="utf-8"?>
-<p:sldLayout xmlns:a="http://schemas.openxmlformats.org/drawingml/2006/main" xmlns:p="http://schemas.openxmlformats.org/presentationml/2006/main" xmlns:r="http://schemas.openxmlformats.org/officeDocument/2006/relationships" xmlns:p14="http://schemas.microsoft.com/office/powerpoint/2010/main" xmlns:p15="http://schemas.microsoft.com/office/powerpoint/2012/main" xmlns:mc="http://schemas.openxmlformats.org/markup-compatibility/2006" type="obj" preserve="1">
+<file path=ppt/slideLayouts/slideLayout15.xml><?xml version="1.0" encoding="utf-8"?>
+<p:sldLayout xmlns:a="http://schemas.openxmlformats.org/drawingml/2006/main" xmlns:r="http://schemas.openxmlformats.org/officeDocument/2006/relationships" xmlns:p="http://schemas.openxmlformats.org/presentationml/2006/main" type="obj" preserve="1">
   <p:cSld name="Title, Content">
     <p:spTree>
       <p:nvGrpSpPr>
@@ -678,13 +818,13 @@
           </a:prstGeom>
         </p:spPr>
         <p:txBody>
-          <a:bodyPr lIns="0" rIns="0" tIns="0" bIns="0" anchor="ctr">
+          <a:bodyPr lIns="0" tIns="0" rIns="0" bIns="0" anchor="ctr">
             <a:noAutofit/>
           </a:bodyPr>
           <a:p>
             <a:pPr algn="ctr"/>
-            <a:endParaRPr b="0" lang="en-US" sz="4400" spc="-1" strike="noStrike">
-              <a:latin typeface="Arial"/>
+            <a:endParaRPr lang="en-US" sz="4400" b="0" strike="noStrike" spc="-1">
+              <a:latin typeface="Arial" panose="020B0604020202020204"/>
             </a:endParaRPr>
           </a:p>
         </p:txBody>
@@ -709,23 +849,26 @@
           </a:prstGeom>
         </p:spPr>
         <p:txBody>
-          <a:bodyPr lIns="0" rIns="0" tIns="0" bIns="0">
+          <a:bodyPr lIns="0" tIns="0" rIns="0" bIns="0">
             <a:normAutofit/>
           </a:bodyPr>
           <a:p>
-            <a:endParaRPr b="0" lang="en-US" sz="3200" spc="-1" strike="noStrike">
-              <a:latin typeface="Arial"/>
+            <a:endParaRPr lang="en-US" sz="3200" b="0" strike="noStrike" spc="-1">
+              <a:latin typeface="Arial" panose="020B0604020202020204"/>
             </a:endParaRPr>
           </a:p>
         </p:txBody>
       </p:sp>
     </p:spTree>
   </p:cSld>
+  <p:clrMapOvr>
+    <a:masterClrMapping/>
+  </p:clrMapOvr>
 </p:sldLayout>
 </file>
 
-<file path=ppt/slideLayouts/slideLayout4.xml><?xml version="1.0" encoding="utf-8"?>
-<p:sldLayout xmlns:a="http://schemas.openxmlformats.org/drawingml/2006/main" xmlns:p="http://schemas.openxmlformats.org/presentationml/2006/main" xmlns:r="http://schemas.openxmlformats.org/officeDocument/2006/relationships" xmlns:p14="http://schemas.microsoft.com/office/powerpoint/2010/main" xmlns:p15="http://schemas.microsoft.com/office/powerpoint/2012/main" xmlns:mc="http://schemas.openxmlformats.org/markup-compatibility/2006" type="twoObj" preserve="1">
+<file path=ppt/slideLayouts/slideLayout16.xml><?xml version="1.0" encoding="utf-8"?>
+<p:sldLayout xmlns:a="http://schemas.openxmlformats.org/drawingml/2006/main" xmlns:r="http://schemas.openxmlformats.org/officeDocument/2006/relationships" xmlns:p="http://schemas.openxmlformats.org/presentationml/2006/main" type="twoObj" preserve="1">
   <p:cSld name="Title, 2 Content">
     <p:spTree>
       <p:nvGrpSpPr>
@@ -761,13 +904,13 @@
           </a:prstGeom>
         </p:spPr>
         <p:txBody>
-          <a:bodyPr lIns="0" rIns="0" tIns="0" bIns="0" anchor="ctr">
+          <a:bodyPr lIns="0" tIns="0" rIns="0" bIns="0" anchor="ctr">
             <a:noAutofit/>
           </a:bodyPr>
           <a:p>
             <a:pPr algn="ctr"/>
-            <a:endParaRPr b="0" lang="en-US" sz="4400" spc="-1" strike="noStrike">
-              <a:latin typeface="Arial"/>
+            <a:endParaRPr lang="en-US" sz="4400" b="0" strike="noStrike" spc="-1">
+              <a:latin typeface="Arial" panose="020B0604020202020204"/>
             </a:endParaRPr>
           </a:p>
         </p:txBody>
@@ -792,12 +935,12 @@
           </a:prstGeom>
         </p:spPr>
         <p:txBody>
-          <a:bodyPr lIns="0" rIns="0" tIns="0" bIns="0">
+          <a:bodyPr lIns="0" tIns="0" rIns="0" bIns="0">
             <a:normAutofit/>
           </a:bodyPr>
           <a:p>
-            <a:endParaRPr b="0" lang="en-US" sz="3200" spc="-1" strike="noStrike">
-              <a:latin typeface="Arial"/>
+            <a:endParaRPr lang="en-US" sz="3200" b="0" strike="noStrike" spc="-1">
+              <a:latin typeface="Arial" panose="020B0604020202020204"/>
             </a:endParaRPr>
           </a:p>
         </p:txBody>
@@ -822,23 +965,26 @@
           </a:prstGeom>
         </p:spPr>
         <p:txBody>
-          <a:bodyPr lIns="0" rIns="0" tIns="0" bIns="0">
+          <a:bodyPr lIns="0" tIns="0" rIns="0" bIns="0">
             <a:normAutofit/>
           </a:bodyPr>
           <a:p>
-            <a:endParaRPr b="0" lang="en-US" sz="3200" spc="-1" strike="noStrike">
-              <a:latin typeface="Arial"/>
+            <a:endParaRPr lang="en-US" sz="3200" b="0" strike="noStrike" spc="-1">
+              <a:latin typeface="Arial" panose="020B0604020202020204"/>
             </a:endParaRPr>
           </a:p>
         </p:txBody>
       </p:sp>
     </p:spTree>
   </p:cSld>
+  <p:clrMapOvr>
+    <a:masterClrMapping/>
+  </p:clrMapOvr>
 </p:sldLayout>
 </file>
 
-<file path=ppt/slideLayouts/slideLayout5.xml><?xml version="1.0" encoding="utf-8"?>
-<p:sldLayout xmlns:a="http://schemas.openxmlformats.org/drawingml/2006/main" xmlns:p="http://schemas.openxmlformats.org/presentationml/2006/main" xmlns:r="http://schemas.openxmlformats.org/officeDocument/2006/relationships" xmlns:p14="http://schemas.microsoft.com/office/powerpoint/2010/main" xmlns:p15="http://schemas.microsoft.com/office/powerpoint/2012/main" xmlns:mc="http://schemas.openxmlformats.org/markup-compatibility/2006" type="titleOnly" preserve="1">
+<file path=ppt/slideLayouts/slideLayout17.xml><?xml version="1.0" encoding="utf-8"?>
+<p:sldLayout xmlns:a="http://schemas.openxmlformats.org/drawingml/2006/main" xmlns:r="http://schemas.openxmlformats.org/officeDocument/2006/relationships" xmlns:p="http://schemas.openxmlformats.org/presentationml/2006/main" type="titleOnly" preserve="1">
   <p:cSld name="Title Only">
     <p:spTree>
       <p:nvGrpSpPr>
@@ -874,24 +1020,27 @@
           </a:prstGeom>
         </p:spPr>
         <p:txBody>
-          <a:bodyPr lIns="0" rIns="0" tIns="0" bIns="0" anchor="ctr">
+          <a:bodyPr lIns="0" tIns="0" rIns="0" bIns="0" anchor="ctr">
             <a:noAutofit/>
           </a:bodyPr>
           <a:p>
             <a:pPr algn="ctr"/>
-            <a:endParaRPr b="0" lang="en-US" sz="4400" spc="-1" strike="noStrike">
-              <a:latin typeface="Arial"/>
+            <a:endParaRPr lang="en-US" sz="4400" b="0" strike="noStrike" spc="-1">
+              <a:latin typeface="Arial" panose="020B0604020202020204"/>
             </a:endParaRPr>
           </a:p>
         </p:txBody>
       </p:sp>
     </p:spTree>
   </p:cSld>
+  <p:clrMapOvr>
+    <a:masterClrMapping/>
+  </p:clrMapOvr>
 </p:sldLayout>
 </file>
 
-<file path=ppt/slideLayouts/slideLayout6.xml><?xml version="1.0" encoding="utf-8"?>
-<p:sldLayout xmlns:a="http://schemas.openxmlformats.org/drawingml/2006/main" xmlns:p="http://schemas.openxmlformats.org/presentationml/2006/main" xmlns:r="http://schemas.openxmlformats.org/officeDocument/2006/relationships" xmlns:p14="http://schemas.microsoft.com/office/powerpoint/2010/main" xmlns:p15="http://schemas.microsoft.com/office/powerpoint/2012/main" xmlns:mc="http://schemas.openxmlformats.org/markup-compatibility/2006" type="objOnly" preserve="1">
+<file path=ppt/slideLayouts/slideLayout18.xml><?xml version="1.0" encoding="utf-8"?>
+<p:sldLayout xmlns:a="http://schemas.openxmlformats.org/drawingml/2006/main" xmlns:r="http://schemas.openxmlformats.org/officeDocument/2006/relationships" xmlns:p="http://schemas.openxmlformats.org/presentationml/2006/main" type="objOnly" preserve="1">
   <p:cSld name="Centered Text">
     <p:spTree>
       <p:nvGrpSpPr>
@@ -927,24 +1076,27 @@
           </a:prstGeom>
         </p:spPr>
         <p:txBody>
-          <a:bodyPr lIns="0" rIns="0" tIns="0" bIns="0" anchor="ctr">
+          <a:bodyPr lIns="0" tIns="0" rIns="0" bIns="0" anchor="ctr">
             <a:noAutofit/>
           </a:bodyPr>
           <a:p>
             <a:pPr algn="ctr"/>
-            <a:endParaRPr b="0" lang="en-US" sz="3200" spc="-1" strike="noStrike">
-              <a:latin typeface="Arial"/>
+            <a:endParaRPr lang="en-US" sz="3200" b="0" strike="noStrike" spc="-1">
+              <a:latin typeface="Arial" panose="020B0604020202020204"/>
             </a:endParaRPr>
           </a:p>
         </p:txBody>
       </p:sp>
     </p:spTree>
   </p:cSld>
+  <p:clrMapOvr>
+    <a:masterClrMapping/>
+  </p:clrMapOvr>
 </p:sldLayout>
 </file>
 
-<file path=ppt/slideLayouts/slideLayout7.xml><?xml version="1.0" encoding="utf-8"?>
-<p:sldLayout xmlns:a="http://schemas.openxmlformats.org/drawingml/2006/main" xmlns:p="http://schemas.openxmlformats.org/presentationml/2006/main" xmlns:r="http://schemas.openxmlformats.org/officeDocument/2006/relationships" xmlns:p14="http://schemas.microsoft.com/office/powerpoint/2010/main" xmlns:p15="http://schemas.microsoft.com/office/powerpoint/2012/main" xmlns:mc="http://schemas.openxmlformats.org/markup-compatibility/2006" type="twoObjAndObj" preserve="1">
+<file path=ppt/slideLayouts/slideLayout19.xml><?xml version="1.0" encoding="utf-8"?>
+<p:sldLayout xmlns:a="http://schemas.openxmlformats.org/drawingml/2006/main" xmlns:r="http://schemas.openxmlformats.org/officeDocument/2006/relationships" xmlns:p="http://schemas.openxmlformats.org/presentationml/2006/main" type="twoObjAndObj" preserve="1">
   <p:cSld name="Title, 2 Content and Content">
     <p:spTree>
       <p:nvGrpSpPr>
@@ -980,13 +1132,13 @@
           </a:prstGeom>
         </p:spPr>
         <p:txBody>
-          <a:bodyPr lIns="0" rIns="0" tIns="0" bIns="0" anchor="ctr">
+          <a:bodyPr lIns="0" tIns="0" rIns="0" bIns="0" anchor="ctr">
             <a:noAutofit/>
           </a:bodyPr>
           <a:p>
             <a:pPr algn="ctr"/>
-            <a:endParaRPr b="0" lang="en-US" sz="4400" spc="-1" strike="noStrike">
-              <a:latin typeface="Arial"/>
+            <a:endParaRPr lang="en-US" sz="4400" b="0" strike="noStrike" spc="-1">
+              <a:latin typeface="Arial" panose="020B0604020202020204"/>
             </a:endParaRPr>
           </a:p>
         </p:txBody>
@@ -1011,12 +1163,12 @@
           </a:prstGeom>
         </p:spPr>
         <p:txBody>
-          <a:bodyPr lIns="0" rIns="0" tIns="0" bIns="0">
+          <a:bodyPr lIns="0" tIns="0" rIns="0" bIns="0">
             <a:normAutofit/>
           </a:bodyPr>
           <a:p>
-            <a:endParaRPr b="0" lang="en-US" sz="3200" spc="-1" strike="noStrike">
-              <a:latin typeface="Arial"/>
+            <a:endParaRPr lang="en-US" sz="3200" b="0" strike="noStrike" spc="-1">
+              <a:latin typeface="Arial" panose="020B0604020202020204"/>
             </a:endParaRPr>
           </a:p>
         </p:txBody>
@@ -1041,12 +1193,12 @@
           </a:prstGeom>
         </p:spPr>
         <p:txBody>
-          <a:bodyPr lIns="0" rIns="0" tIns="0" bIns="0">
+          <a:bodyPr lIns="0" tIns="0" rIns="0" bIns="0">
             <a:normAutofit/>
           </a:bodyPr>
           <a:p>
-            <a:endParaRPr b="0" lang="en-US" sz="3200" spc="-1" strike="noStrike">
-              <a:latin typeface="Arial"/>
+            <a:endParaRPr lang="en-US" sz="3200" b="0" strike="noStrike" spc="-1">
+              <a:latin typeface="Arial" panose="020B0604020202020204"/>
             </a:endParaRPr>
           </a:p>
         </p:txBody>
@@ -1071,23 +1223,113 @@
           </a:prstGeom>
         </p:spPr>
         <p:txBody>
-          <a:bodyPr lIns="0" rIns="0" tIns="0" bIns="0">
+          <a:bodyPr lIns="0" tIns="0" rIns="0" bIns="0">
             <a:normAutofit/>
           </a:bodyPr>
           <a:p>
-            <a:endParaRPr b="0" lang="en-US" sz="3200" spc="-1" strike="noStrike">
-              <a:latin typeface="Arial"/>
+            <a:endParaRPr lang="en-US" sz="3200" b="0" strike="noStrike" spc="-1">
+              <a:latin typeface="Arial" panose="020B0604020202020204"/>
             </a:endParaRPr>
           </a:p>
         </p:txBody>
       </p:sp>
     </p:spTree>
   </p:cSld>
+  <p:clrMapOvr>
+    <a:masterClrMapping/>
+  </p:clrMapOvr>
 </p:sldLayout>
 </file>
 
-<file path=ppt/slideLayouts/slideLayout8.xml><?xml version="1.0" encoding="utf-8"?>
-<p:sldLayout xmlns:a="http://schemas.openxmlformats.org/drawingml/2006/main" xmlns:p="http://schemas.openxmlformats.org/presentationml/2006/main" xmlns:r="http://schemas.openxmlformats.org/officeDocument/2006/relationships" xmlns:p14="http://schemas.microsoft.com/office/powerpoint/2010/main" xmlns:p15="http://schemas.microsoft.com/office/powerpoint/2012/main" xmlns:mc="http://schemas.openxmlformats.org/markup-compatibility/2006" type="objAndTwoObj" preserve="1">
+<file path=ppt/slideLayouts/slideLayout2.xml><?xml version="1.0" encoding="utf-8"?>
+<p:sldLayout xmlns:a="http://schemas.openxmlformats.org/drawingml/2006/main" xmlns:r="http://schemas.openxmlformats.org/officeDocument/2006/relationships" xmlns:p="http://schemas.openxmlformats.org/presentationml/2006/main" type="tx" preserve="1">
+  <p:cSld name="Title Slide">
+    <p:spTree>
+      <p:nvGrpSpPr>
+        <p:cNvPr id="1" name=""/>
+        <p:cNvGrpSpPr/>
+        <p:nvPr/>
+      </p:nvGrpSpPr>
+      <p:grpSpPr>
+        <a:xfrm>
+          <a:off x="0" y="0"/>
+          <a:ext cx="0" cy="0"/>
+          <a:chOff x="0" y="0"/>
+          <a:chExt cx="0" cy="0"/>
+        </a:xfrm>
+      </p:grpSpPr>
+      <p:sp>
+        <p:nvSpPr>
+          <p:cNvPr id="2" name="PlaceHolder 1"/>
+          <p:cNvSpPr>
+            <a:spLocks noGrp="1"/>
+          </p:cNvSpPr>
+          <p:nvPr>
+            <p:ph type="title"/>
+          </p:nvPr>
+        </p:nvSpPr>
+        <p:spPr>
+          <a:xfrm>
+            <a:off x="504000" y="226080"/>
+            <a:ext cx="9071280" cy="946080"/>
+          </a:xfrm>
+          <a:prstGeom prst="rect">
+            <a:avLst/>
+          </a:prstGeom>
+        </p:spPr>
+        <p:txBody>
+          <a:bodyPr lIns="0" tIns="0" rIns="0" bIns="0" anchor="ctr">
+            <a:noAutofit/>
+          </a:bodyPr>
+          <a:p>
+            <a:pPr algn="ctr"/>
+            <a:endParaRPr lang="en-US" sz="4400" b="0" strike="noStrike" spc="-1">
+              <a:latin typeface="Arial" panose="020B0604020202020204"/>
+            </a:endParaRPr>
+          </a:p>
+        </p:txBody>
+      </p:sp>
+      <p:sp>
+        <p:nvSpPr>
+          <p:cNvPr id="3" name="PlaceHolder 2"/>
+          <p:cNvSpPr>
+            <a:spLocks noGrp="1"/>
+          </p:cNvSpPr>
+          <p:nvPr>
+            <p:ph type="subTitle"/>
+          </p:nvPr>
+        </p:nvSpPr>
+        <p:spPr>
+          <a:xfrm>
+            <a:off x="504000" y="1326600"/>
+            <a:ext cx="9072000" cy="3288600"/>
+          </a:xfrm>
+          <a:prstGeom prst="rect">
+            <a:avLst/>
+          </a:prstGeom>
+        </p:spPr>
+        <p:txBody>
+          <a:bodyPr lIns="0" tIns="0" rIns="0" bIns="0" anchor="ctr">
+            <a:noAutofit/>
+          </a:bodyPr>
+          <a:p>
+            <a:pPr algn="ctr"/>
+            <a:endParaRPr lang="en-US" sz="3200" b="0" strike="noStrike" spc="-1">
+              <a:latin typeface="Arial" panose="020B0604020202020204"/>
+            </a:endParaRPr>
+          </a:p>
+        </p:txBody>
+      </p:sp>
+    </p:spTree>
+  </p:cSld>
+  <p:clrMapOvr>
+    <a:masterClrMapping/>
+  </p:clrMapOvr>
+</p:sldLayout>
+</file>
+
+<file path=ppt/slideLayouts/slideLayout20.xml><?xml version="1.0" encoding="utf-8"?>
+<p:sldLayout xmlns:a="http://schemas.openxmlformats.org/drawingml/2006/main" xmlns:r="http://schemas.openxmlformats.org/officeDocument/2006/relationships" xmlns:p="http://schemas.openxmlformats.org/presentationml/2006/main" type="objAndTwoObj" preserve="1">
   <p:cSld name="Title Content and 2 Content">
     <p:spTree>
       <p:nvGrpSpPr>
@@ -1123,13 +1365,13 @@
           </a:prstGeom>
         </p:spPr>
         <p:txBody>
-          <a:bodyPr lIns="0" rIns="0" tIns="0" bIns="0" anchor="ctr">
+          <a:bodyPr lIns="0" tIns="0" rIns="0" bIns="0" anchor="ctr">
             <a:noAutofit/>
           </a:bodyPr>
           <a:p>
             <a:pPr algn="ctr"/>
-            <a:endParaRPr b="0" lang="en-US" sz="4400" spc="-1" strike="noStrike">
-              <a:latin typeface="Arial"/>
+            <a:endParaRPr lang="en-US" sz="4400" b="0" strike="noStrike" spc="-1">
+              <a:latin typeface="Arial" panose="020B0604020202020204"/>
             </a:endParaRPr>
           </a:p>
         </p:txBody>
@@ -1154,12 +1396,12 @@
           </a:prstGeom>
         </p:spPr>
         <p:txBody>
-          <a:bodyPr lIns="0" rIns="0" tIns="0" bIns="0">
+          <a:bodyPr lIns="0" tIns="0" rIns="0" bIns="0">
             <a:normAutofit/>
           </a:bodyPr>
           <a:p>
-            <a:endParaRPr b="0" lang="en-US" sz="3200" spc="-1" strike="noStrike">
-              <a:latin typeface="Arial"/>
+            <a:endParaRPr lang="en-US" sz="3200" b="0" strike="noStrike" spc="-1">
+              <a:latin typeface="Arial" panose="020B0604020202020204"/>
             </a:endParaRPr>
           </a:p>
         </p:txBody>
@@ -1184,12 +1426,12 @@
           </a:prstGeom>
         </p:spPr>
         <p:txBody>
-          <a:bodyPr lIns="0" rIns="0" tIns="0" bIns="0">
+          <a:bodyPr lIns="0" tIns="0" rIns="0" bIns="0">
             <a:normAutofit/>
           </a:bodyPr>
           <a:p>
-            <a:endParaRPr b="0" lang="en-US" sz="3200" spc="-1" strike="noStrike">
-              <a:latin typeface="Arial"/>
+            <a:endParaRPr lang="en-US" sz="3200" b="0" strike="noStrike" spc="-1">
+              <a:latin typeface="Arial" panose="020B0604020202020204"/>
             </a:endParaRPr>
           </a:p>
         </p:txBody>
@@ -1214,23 +1456,26 @@
           </a:prstGeom>
         </p:spPr>
         <p:txBody>
-          <a:bodyPr lIns="0" rIns="0" tIns="0" bIns="0">
+          <a:bodyPr lIns="0" tIns="0" rIns="0" bIns="0">
             <a:normAutofit/>
           </a:bodyPr>
           <a:p>
-            <a:endParaRPr b="0" lang="en-US" sz="3200" spc="-1" strike="noStrike">
-              <a:latin typeface="Arial"/>
+            <a:endParaRPr lang="en-US" sz="3200" b="0" strike="noStrike" spc="-1">
+              <a:latin typeface="Arial" panose="020B0604020202020204"/>
             </a:endParaRPr>
           </a:p>
         </p:txBody>
       </p:sp>
     </p:spTree>
   </p:cSld>
+  <p:clrMapOvr>
+    <a:masterClrMapping/>
+  </p:clrMapOvr>
 </p:sldLayout>
 </file>
 
-<file path=ppt/slideLayouts/slideLayout9.xml><?xml version="1.0" encoding="utf-8"?>
-<p:sldLayout xmlns:a="http://schemas.openxmlformats.org/drawingml/2006/main" xmlns:p="http://schemas.openxmlformats.org/presentationml/2006/main" xmlns:r="http://schemas.openxmlformats.org/officeDocument/2006/relationships" xmlns:p14="http://schemas.microsoft.com/office/powerpoint/2010/main" xmlns:p15="http://schemas.microsoft.com/office/powerpoint/2012/main" xmlns:mc="http://schemas.openxmlformats.org/markup-compatibility/2006" type="twoObjOverTx" preserve="1">
+<file path=ppt/slideLayouts/slideLayout21.xml><?xml version="1.0" encoding="utf-8"?>
+<p:sldLayout xmlns:a="http://schemas.openxmlformats.org/drawingml/2006/main" xmlns:r="http://schemas.openxmlformats.org/officeDocument/2006/relationships" xmlns:p="http://schemas.openxmlformats.org/presentationml/2006/main" type="twoObjOverTx" preserve="1">
   <p:cSld name="Title, 2 Content over Content">
     <p:spTree>
       <p:nvGrpSpPr>
@@ -1266,13 +1511,13 @@
           </a:prstGeom>
         </p:spPr>
         <p:txBody>
-          <a:bodyPr lIns="0" rIns="0" tIns="0" bIns="0" anchor="ctr">
+          <a:bodyPr lIns="0" tIns="0" rIns="0" bIns="0" anchor="ctr">
             <a:noAutofit/>
           </a:bodyPr>
           <a:p>
             <a:pPr algn="ctr"/>
-            <a:endParaRPr b="0" lang="en-US" sz="4400" spc="-1" strike="noStrike">
-              <a:latin typeface="Arial"/>
+            <a:endParaRPr lang="en-US" sz="4400" b="0" strike="noStrike" spc="-1">
+              <a:latin typeface="Arial" panose="020B0604020202020204"/>
             </a:endParaRPr>
           </a:p>
         </p:txBody>
@@ -1297,12 +1542,12 @@
           </a:prstGeom>
         </p:spPr>
         <p:txBody>
-          <a:bodyPr lIns="0" rIns="0" tIns="0" bIns="0">
+          <a:bodyPr lIns="0" tIns="0" rIns="0" bIns="0">
             <a:normAutofit/>
           </a:bodyPr>
           <a:p>
-            <a:endParaRPr b="0" lang="en-US" sz="3200" spc="-1" strike="noStrike">
-              <a:latin typeface="Arial"/>
+            <a:endParaRPr lang="en-US" sz="3200" b="0" strike="noStrike" spc="-1">
+              <a:latin typeface="Arial" panose="020B0604020202020204"/>
             </a:endParaRPr>
           </a:p>
         </p:txBody>
@@ -1327,12 +1572,12 @@
           </a:prstGeom>
         </p:spPr>
         <p:txBody>
-          <a:bodyPr lIns="0" rIns="0" tIns="0" bIns="0">
+          <a:bodyPr lIns="0" tIns="0" rIns="0" bIns="0">
             <a:normAutofit/>
           </a:bodyPr>
           <a:p>
-            <a:endParaRPr b="0" lang="en-US" sz="3200" spc="-1" strike="noStrike">
-              <a:latin typeface="Arial"/>
+            <a:endParaRPr lang="en-US" sz="3200" b="0" strike="noStrike" spc="-1">
+              <a:latin typeface="Arial" panose="020B0604020202020204"/>
             </a:endParaRPr>
           </a:p>
         </p:txBody>
@@ -1357,23 +1602,1472 @@
           </a:prstGeom>
         </p:spPr>
         <p:txBody>
-          <a:bodyPr lIns="0" rIns="0" tIns="0" bIns="0">
+          <a:bodyPr lIns="0" tIns="0" rIns="0" bIns="0">
             <a:normAutofit/>
           </a:bodyPr>
           <a:p>
-            <a:endParaRPr b="0" lang="en-US" sz="3200" spc="-1" strike="noStrike">
-              <a:latin typeface="Arial"/>
+            <a:endParaRPr lang="en-US" sz="3200" b="0" strike="noStrike" spc="-1">
+              <a:latin typeface="Arial" panose="020B0604020202020204"/>
             </a:endParaRPr>
           </a:p>
         </p:txBody>
       </p:sp>
     </p:spTree>
   </p:cSld>
+  <p:clrMapOvr>
+    <a:masterClrMapping/>
+  </p:clrMapOvr>
+</p:sldLayout>
+</file>
+
+<file path=ppt/slideLayouts/slideLayout22.xml><?xml version="1.0" encoding="utf-8"?>
+<p:sldLayout xmlns:a="http://schemas.openxmlformats.org/drawingml/2006/main" xmlns:r="http://schemas.openxmlformats.org/officeDocument/2006/relationships" xmlns:p="http://schemas.openxmlformats.org/presentationml/2006/main" type="objOverTx" preserve="1">
+  <p:cSld name="Title, Content over Content">
+    <p:spTree>
+      <p:nvGrpSpPr>
+        <p:cNvPr id="1" name=""/>
+        <p:cNvGrpSpPr/>
+        <p:nvPr/>
+      </p:nvGrpSpPr>
+      <p:grpSpPr>
+        <a:xfrm>
+          <a:off x="0" y="0"/>
+          <a:ext cx="0" cy="0"/>
+          <a:chOff x="0" y="0"/>
+          <a:chExt cx="0" cy="0"/>
+        </a:xfrm>
+      </p:grpSpPr>
+      <p:sp>
+        <p:nvSpPr>
+          <p:cNvPr id="22" name="PlaceHolder 1"/>
+          <p:cNvSpPr>
+            <a:spLocks noGrp="1"/>
+          </p:cNvSpPr>
+          <p:nvPr>
+            <p:ph type="title"/>
+          </p:nvPr>
+        </p:nvSpPr>
+        <p:spPr>
+          <a:xfrm>
+            <a:off x="504000" y="226080"/>
+            <a:ext cx="9071280" cy="946080"/>
+          </a:xfrm>
+          <a:prstGeom prst="rect">
+            <a:avLst/>
+          </a:prstGeom>
+        </p:spPr>
+        <p:txBody>
+          <a:bodyPr lIns="0" tIns="0" rIns="0" bIns="0" anchor="ctr">
+            <a:noAutofit/>
+          </a:bodyPr>
+          <a:p>
+            <a:pPr algn="ctr"/>
+            <a:endParaRPr lang="en-US" sz="4400" b="0" strike="noStrike" spc="-1">
+              <a:latin typeface="Arial" panose="020B0604020202020204"/>
+            </a:endParaRPr>
+          </a:p>
+        </p:txBody>
+      </p:sp>
+      <p:sp>
+        <p:nvSpPr>
+          <p:cNvPr id="23" name="PlaceHolder 2"/>
+          <p:cNvSpPr>
+            <a:spLocks noGrp="1"/>
+          </p:cNvSpPr>
+          <p:nvPr>
+            <p:ph type="body"/>
+          </p:nvPr>
+        </p:nvSpPr>
+        <p:spPr>
+          <a:xfrm>
+            <a:off x="504000" y="1326600"/>
+            <a:ext cx="9072000" cy="1568520"/>
+          </a:xfrm>
+          <a:prstGeom prst="rect">
+            <a:avLst/>
+          </a:prstGeom>
+        </p:spPr>
+        <p:txBody>
+          <a:bodyPr lIns="0" tIns="0" rIns="0" bIns="0">
+            <a:normAutofit/>
+          </a:bodyPr>
+          <a:p>
+            <a:endParaRPr lang="en-US" sz="3200" b="0" strike="noStrike" spc="-1">
+              <a:latin typeface="Arial" panose="020B0604020202020204"/>
+            </a:endParaRPr>
+          </a:p>
+        </p:txBody>
+      </p:sp>
+      <p:sp>
+        <p:nvSpPr>
+          <p:cNvPr id="24" name="PlaceHolder 3"/>
+          <p:cNvSpPr>
+            <a:spLocks noGrp="1"/>
+          </p:cNvSpPr>
+          <p:nvPr>
+            <p:ph type="body"/>
+          </p:nvPr>
+        </p:nvSpPr>
+        <p:spPr>
+          <a:xfrm>
+            <a:off x="504000" y="3044520"/>
+            <a:ext cx="9072000" cy="1568520"/>
+          </a:xfrm>
+          <a:prstGeom prst="rect">
+            <a:avLst/>
+          </a:prstGeom>
+        </p:spPr>
+        <p:txBody>
+          <a:bodyPr lIns="0" tIns="0" rIns="0" bIns="0">
+            <a:normAutofit/>
+          </a:bodyPr>
+          <a:p>
+            <a:endParaRPr lang="en-US" sz="3200" b="0" strike="noStrike" spc="-1">
+              <a:latin typeface="Arial" panose="020B0604020202020204"/>
+            </a:endParaRPr>
+          </a:p>
+        </p:txBody>
+      </p:sp>
+    </p:spTree>
+  </p:cSld>
+  <p:clrMapOvr>
+    <a:masterClrMapping/>
+  </p:clrMapOvr>
+</p:sldLayout>
+</file>
+
+<file path=ppt/slideLayouts/slideLayout23.xml><?xml version="1.0" encoding="utf-8"?>
+<p:sldLayout xmlns:a="http://schemas.openxmlformats.org/drawingml/2006/main" xmlns:r="http://schemas.openxmlformats.org/officeDocument/2006/relationships" xmlns:p="http://schemas.openxmlformats.org/presentationml/2006/main" type="fourObj" preserve="1">
+  <p:cSld name="Title, 4 Content">
+    <p:spTree>
+      <p:nvGrpSpPr>
+        <p:cNvPr id="1" name=""/>
+        <p:cNvGrpSpPr/>
+        <p:nvPr/>
+      </p:nvGrpSpPr>
+      <p:grpSpPr>
+        <a:xfrm>
+          <a:off x="0" y="0"/>
+          <a:ext cx="0" cy="0"/>
+          <a:chOff x="0" y="0"/>
+          <a:chExt cx="0" cy="0"/>
+        </a:xfrm>
+      </p:grpSpPr>
+      <p:sp>
+        <p:nvSpPr>
+          <p:cNvPr id="25" name="PlaceHolder 1"/>
+          <p:cNvSpPr>
+            <a:spLocks noGrp="1"/>
+          </p:cNvSpPr>
+          <p:nvPr>
+            <p:ph type="title"/>
+          </p:nvPr>
+        </p:nvSpPr>
+        <p:spPr>
+          <a:xfrm>
+            <a:off x="504000" y="226080"/>
+            <a:ext cx="9071280" cy="946080"/>
+          </a:xfrm>
+          <a:prstGeom prst="rect">
+            <a:avLst/>
+          </a:prstGeom>
+        </p:spPr>
+        <p:txBody>
+          <a:bodyPr lIns="0" tIns="0" rIns="0" bIns="0" anchor="ctr">
+            <a:noAutofit/>
+          </a:bodyPr>
+          <a:p>
+            <a:pPr algn="ctr"/>
+            <a:endParaRPr lang="en-US" sz="4400" b="0" strike="noStrike" spc="-1">
+              <a:latin typeface="Arial" panose="020B0604020202020204"/>
+            </a:endParaRPr>
+          </a:p>
+        </p:txBody>
+      </p:sp>
+      <p:sp>
+        <p:nvSpPr>
+          <p:cNvPr id="26" name="PlaceHolder 2"/>
+          <p:cNvSpPr>
+            <a:spLocks noGrp="1"/>
+          </p:cNvSpPr>
+          <p:nvPr>
+            <p:ph type="body"/>
+          </p:nvPr>
+        </p:nvSpPr>
+        <p:spPr>
+          <a:xfrm>
+            <a:off x="504000" y="1326600"/>
+            <a:ext cx="4426920" cy="1568520"/>
+          </a:xfrm>
+          <a:prstGeom prst="rect">
+            <a:avLst/>
+          </a:prstGeom>
+        </p:spPr>
+        <p:txBody>
+          <a:bodyPr lIns="0" tIns="0" rIns="0" bIns="0">
+            <a:normAutofit/>
+          </a:bodyPr>
+          <a:p>
+            <a:endParaRPr lang="en-US" sz="3200" b="0" strike="noStrike" spc="-1">
+              <a:latin typeface="Arial" panose="020B0604020202020204"/>
+            </a:endParaRPr>
+          </a:p>
+        </p:txBody>
+      </p:sp>
+      <p:sp>
+        <p:nvSpPr>
+          <p:cNvPr id="27" name="PlaceHolder 3"/>
+          <p:cNvSpPr>
+            <a:spLocks noGrp="1"/>
+          </p:cNvSpPr>
+          <p:nvPr>
+            <p:ph type="body"/>
+          </p:nvPr>
+        </p:nvSpPr>
+        <p:spPr>
+          <a:xfrm>
+            <a:off x="5152680" y="1326600"/>
+            <a:ext cx="4426920" cy="1568520"/>
+          </a:xfrm>
+          <a:prstGeom prst="rect">
+            <a:avLst/>
+          </a:prstGeom>
+        </p:spPr>
+        <p:txBody>
+          <a:bodyPr lIns="0" tIns="0" rIns="0" bIns="0">
+            <a:normAutofit/>
+          </a:bodyPr>
+          <a:p>
+            <a:endParaRPr lang="en-US" sz="3200" b="0" strike="noStrike" spc="-1">
+              <a:latin typeface="Arial" panose="020B0604020202020204"/>
+            </a:endParaRPr>
+          </a:p>
+        </p:txBody>
+      </p:sp>
+      <p:sp>
+        <p:nvSpPr>
+          <p:cNvPr id="28" name="PlaceHolder 4"/>
+          <p:cNvSpPr>
+            <a:spLocks noGrp="1"/>
+          </p:cNvSpPr>
+          <p:nvPr>
+            <p:ph type="body"/>
+          </p:nvPr>
+        </p:nvSpPr>
+        <p:spPr>
+          <a:xfrm>
+            <a:off x="504000" y="3044520"/>
+            <a:ext cx="4426920" cy="1568520"/>
+          </a:xfrm>
+          <a:prstGeom prst="rect">
+            <a:avLst/>
+          </a:prstGeom>
+        </p:spPr>
+        <p:txBody>
+          <a:bodyPr lIns="0" tIns="0" rIns="0" bIns="0">
+            <a:normAutofit/>
+          </a:bodyPr>
+          <a:p>
+            <a:endParaRPr lang="en-US" sz="3200" b="0" strike="noStrike" spc="-1">
+              <a:latin typeface="Arial" panose="020B0604020202020204"/>
+            </a:endParaRPr>
+          </a:p>
+        </p:txBody>
+      </p:sp>
+      <p:sp>
+        <p:nvSpPr>
+          <p:cNvPr id="29" name="PlaceHolder 5"/>
+          <p:cNvSpPr>
+            <a:spLocks noGrp="1"/>
+          </p:cNvSpPr>
+          <p:nvPr>
+            <p:ph type="body"/>
+          </p:nvPr>
+        </p:nvSpPr>
+        <p:spPr>
+          <a:xfrm>
+            <a:off x="5152680" y="3044520"/>
+            <a:ext cx="4426920" cy="1568520"/>
+          </a:xfrm>
+          <a:prstGeom prst="rect">
+            <a:avLst/>
+          </a:prstGeom>
+        </p:spPr>
+        <p:txBody>
+          <a:bodyPr lIns="0" tIns="0" rIns="0" bIns="0">
+            <a:normAutofit/>
+          </a:bodyPr>
+          <a:p>
+            <a:endParaRPr lang="en-US" sz="3200" b="0" strike="noStrike" spc="-1">
+              <a:latin typeface="Arial" panose="020B0604020202020204"/>
+            </a:endParaRPr>
+          </a:p>
+        </p:txBody>
+      </p:sp>
+    </p:spTree>
+  </p:cSld>
+  <p:clrMapOvr>
+    <a:masterClrMapping/>
+  </p:clrMapOvr>
+</p:sldLayout>
+</file>
+
+<file path=ppt/slideLayouts/slideLayout24.xml><?xml version="1.0" encoding="utf-8"?>
+<p:sldLayout xmlns:a="http://schemas.openxmlformats.org/drawingml/2006/main" xmlns:r="http://schemas.openxmlformats.org/officeDocument/2006/relationships" xmlns:p="http://schemas.openxmlformats.org/presentationml/2006/main" type="blank" preserve="1">
+  <p:cSld name="Title, 6 Content">
+    <p:spTree>
+      <p:nvGrpSpPr>
+        <p:cNvPr id="1" name=""/>
+        <p:cNvGrpSpPr/>
+        <p:nvPr/>
+      </p:nvGrpSpPr>
+      <p:grpSpPr>
+        <a:xfrm>
+          <a:off x="0" y="0"/>
+          <a:ext cx="0" cy="0"/>
+          <a:chOff x="0" y="0"/>
+          <a:chExt cx="0" cy="0"/>
+        </a:xfrm>
+      </p:grpSpPr>
+      <p:sp>
+        <p:nvSpPr>
+          <p:cNvPr id="30" name="PlaceHolder 1"/>
+          <p:cNvSpPr>
+            <a:spLocks noGrp="1"/>
+          </p:cNvSpPr>
+          <p:nvPr>
+            <p:ph type="title"/>
+          </p:nvPr>
+        </p:nvSpPr>
+        <p:spPr>
+          <a:xfrm>
+            <a:off x="504000" y="226080"/>
+            <a:ext cx="9071280" cy="946080"/>
+          </a:xfrm>
+          <a:prstGeom prst="rect">
+            <a:avLst/>
+          </a:prstGeom>
+        </p:spPr>
+        <p:txBody>
+          <a:bodyPr lIns="0" tIns="0" rIns="0" bIns="0" anchor="ctr">
+            <a:noAutofit/>
+          </a:bodyPr>
+          <a:p>
+            <a:pPr algn="ctr"/>
+            <a:endParaRPr lang="en-US" sz="4400" b="0" strike="noStrike" spc="-1">
+              <a:latin typeface="Arial" panose="020B0604020202020204"/>
+            </a:endParaRPr>
+          </a:p>
+        </p:txBody>
+      </p:sp>
+      <p:sp>
+        <p:nvSpPr>
+          <p:cNvPr id="31" name="PlaceHolder 2"/>
+          <p:cNvSpPr>
+            <a:spLocks noGrp="1"/>
+          </p:cNvSpPr>
+          <p:nvPr>
+            <p:ph type="body"/>
+          </p:nvPr>
+        </p:nvSpPr>
+        <p:spPr>
+          <a:xfrm>
+            <a:off x="504000" y="1326600"/>
+            <a:ext cx="2921040" cy="1568520"/>
+          </a:xfrm>
+          <a:prstGeom prst="rect">
+            <a:avLst/>
+          </a:prstGeom>
+        </p:spPr>
+        <p:txBody>
+          <a:bodyPr lIns="0" tIns="0" rIns="0" bIns="0">
+            <a:normAutofit/>
+          </a:bodyPr>
+          <a:p>
+            <a:endParaRPr lang="en-US" sz="3200" b="0" strike="noStrike" spc="-1">
+              <a:latin typeface="Arial" panose="020B0604020202020204"/>
+            </a:endParaRPr>
+          </a:p>
+        </p:txBody>
+      </p:sp>
+      <p:sp>
+        <p:nvSpPr>
+          <p:cNvPr id="32" name="PlaceHolder 3"/>
+          <p:cNvSpPr>
+            <a:spLocks noGrp="1"/>
+          </p:cNvSpPr>
+          <p:nvPr>
+            <p:ph type="body"/>
+          </p:nvPr>
+        </p:nvSpPr>
+        <p:spPr>
+          <a:xfrm>
+            <a:off x="3571560" y="1326600"/>
+            <a:ext cx="2921040" cy="1568520"/>
+          </a:xfrm>
+          <a:prstGeom prst="rect">
+            <a:avLst/>
+          </a:prstGeom>
+        </p:spPr>
+        <p:txBody>
+          <a:bodyPr lIns="0" tIns="0" rIns="0" bIns="0">
+            <a:normAutofit/>
+          </a:bodyPr>
+          <a:p>
+            <a:endParaRPr lang="en-US" sz="3200" b="0" strike="noStrike" spc="-1">
+              <a:latin typeface="Arial" panose="020B0604020202020204"/>
+            </a:endParaRPr>
+          </a:p>
+        </p:txBody>
+      </p:sp>
+      <p:sp>
+        <p:nvSpPr>
+          <p:cNvPr id="33" name="PlaceHolder 4"/>
+          <p:cNvSpPr>
+            <a:spLocks noGrp="1"/>
+          </p:cNvSpPr>
+          <p:nvPr>
+            <p:ph type="body"/>
+          </p:nvPr>
+        </p:nvSpPr>
+        <p:spPr>
+          <a:xfrm>
+            <a:off x="6639120" y="1326600"/>
+            <a:ext cx="2921040" cy="1568520"/>
+          </a:xfrm>
+          <a:prstGeom prst="rect">
+            <a:avLst/>
+          </a:prstGeom>
+        </p:spPr>
+        <p:txBody>
+          <a:bodyPr lIns="0" tIns="0" rIns="0" bIns="0">
+            <a:normAutofit/>
+          </a:bodyPr>
+          <a:p>
+            <a:endParaRPr lang="en-US" sz="3200" b="0" strike="noStrike" spc="-1">
+              <a:latin typeface="Arial" panose="020B0604020202020204"/>
+            </a:endParaRPr>
+          </a:p>
+        </p:txBody>
+      </p:sp>
+      <p:sp>
+        <p:nvSpPr>
+          <p:cNvPr id="34" name="PlaceHolder 5"/>
+          <p:cNvSpPr>
+            <a:spLocks noGrp="1"/>
+          </p:cNvSpPr>
+          <p:nvPr>
+            <p:ph type="body"/>
+          </p:nvPr>
+        </p:nvSpPr>
+        <p:spPr>
+          <a:xfrm>
+            <a:off x="504000" y="3044520"/>
+            <a:ext cx="2921040" cy="1568520"/>
+          </a:xfrm>
+          <a:prstGeom prst="rect">
+            <a:avLst/>
+          </a:prstGeom>
+        </p:spPr>
+        <p:txBody>
+          <a:bodyPr lIns="0" tIns="0" rIns="0" bIns="0">
+            <a:normAutofit/>
+          </a:bodyPr>
+          <a:p>
+            <a:endParaRPr lang="en-US" sz="3200" b="0" strike="noStrike" spc="-1">
+              <a:latin typeface="Arial" panose="020B0604020202020204"/>
+            </a:endParaRPr>
+          </a:p>
+        </p:txBody>
+      </p:sp>
+      <p:sp>
+        <p:nvSpPr>
+          <p:cNvPr id="35" name="PlaceHolder 6"/>
+          <p:cNvSpPr>
+            <a:spLocks noGrp="1"/>
+          </p:cNvSpPr>
+          <p:nvPr>
+            <p:ph type="body"/>
+          </p:nvPr>
+        </p:nvSpPr>
+        <p:spPr>
+          <a:xfrm>
+            <a:off x="3571560" y="3044520"/>
+            <a:ext cx="2921040" cy="1568520"/>
+          </a:xfrm>
+          <a:prstGeom prst="rect">
+            <a:avLst/>
+          </a:prstGeom>
+        </p:spPr>
+        <p:txBody>
+          <a:bodyPr lIns="0" tIns="0" rIns="0" bIns="0">
+            <a:normAutofit/>
+          </a:bodyPr>
+          <a:p>
+            <a:endParaRPr lang="en-US" sz="3200" b="0" strike="noStrike" spc="-1">
+              <a:latin typeface="Arial" panose="020B0604020202020204"/>
+            </a:endParaRPr>
+          </a:p>
+        </p:txBody>
+      </p:sp>
+      <p:sp>
+        <p:nvSpPr>
+          <p:cNvPr id="36" name="PlaceHolder 7"/>
+          <p:cNvSpPr>
+            <a:spLocks noGrp="1"/>
+          </p:cNvSpPr>
+          <p:nvPr>
+            <p:ph type="body"/>
+          </p:nvPr>
+        </p:nvSpPr>
+        <p:spPr>
+          <a:xfrm>
+            <a:off x="6639120" y="3044520"/>
+            <a:ext cx="2921040" cy="1568520"/>
+          </a:xfrm>
+          <a:prstGeom prst="rect">
+            <a:avLst/>
+          </a:prstGeom>
+        </p:spPr>
+        <p:txBody>
+          <a:bodyPr lIns="0" tIns="0" rIns="0" bIns="0">
+            <a:normAutofit/>
+          </a:bodyPr>
+          <a:p>
+            <a:endParaRPr lang="en-US" sz="3200" b="0" strike="noStrike" spc="-1">
+              <a:latin typeface="Arial" panose="020B0604020202020204"/>
+            </a:endParaRPr>
+          </a:p>
+        </p:txBody>
+      </p:sp>
+    </p:spTree>
+  </p:cSld>
+  <p:clrMapOvr>
+    <a:masterClrMapping/>
+  </p:clrMapOvr>
+</p:sldLayout>
+</file>
+
+<file path=ppt/slideLayouts/slideLayout3.xml><?xml version="1.0" encoding="utf-8"?>
+<p:sldLayout xmlns:a="http://schemas.openxmlformats.org/drawingml/2006/main" xmlns:r="http://schemas.openxmlformats.org/officeDocument/2006/relationships" xmlns:p="http://schemas.openxmlformats.org/presentationml/2006/main" type="obj" preserve="1">
+  <p:cSld name="Title, Content">
+    <p:spTree>
+      <p:nvGrpSpPr>
+        <p:cNvPr id="1" name=""/>
+        <p:cNvGrpSpPr/>
+        <p:nvPr/>
+      </p:nvGrpSpPr>
+      <p:grpSpPr>
+        <a:xfrm>
+          <a:off x="0" y="0"/>
+          <a:ext cx="0" cy="0"/>
+          <a:chOff x="0" y="0"/>
+          <a:chExt cx="0" cy="0"/>
+        </a:xfrm>
+      </p:grpSpPr>
+      <p:sp>
+        <p:nvSpPr>
+          <p:cNvPr id="3" name="PlaceHolder 1"/>
+          <p:cNvSpPr>
+            <a:spLocks noGrp="1"/>
+          </p:cNvSpPr>
+          <p:nvPr>
+            <p:ph type="title"/>
+          </p:nvPr>
+        </p:nvSpPr>
+        <p:spPr>
+          <a:xfrm>
+            <a:off x="504000" y="226080"/>
+            <a:ext cx="9071280" cy="946080"/>
+          </a:xfrm>
+          <a:prstGeom prst="rect">
+            <a:avLst/>
+          </a:prstGeom>
+        </p:spPr>
+        <p:txBody>
+          <a:bodyPr lIns="0" tIns="0" rIns="0" bIns="0" anchor="ctr">
+            <a:noAutofit/>
+          </a:bodyPr>
+          <a:p>
+            <a:pPr algn="ctr"/>
+            <a:endParaRPr lang="en-US" sz="4400" b="0" strike="noStrike" spc="-1">
+              <a:latin typeface="Arial" panose="020B0604020202020204"/>
+            </a:endParaRPr>
+          </a:p>
+        </p:txBody>
+      </p:sp>
+      <p:sp>
+        <p:nvSpPr>
+          <p:cNvPr id="4" name="PlaceHolder 2"/>
+          <p:cNvSpPr>
+            <a:spLocks noGrp="1"/>
+          </p:cNvSpPr>
+          <p:nvPr>
+            <p:ph type="body"/>
+          </p:nvPr>
+        </p:nvSpPr>
+        <p:spPr>
+          <a:xfrm>
+            <a:off x="504000" y="1326600"/>
+            <a:ext cx="9072000" cy="3288600"/>
+          </a:xfrm>
+          <a:prstGeom prst="rect">
+            <a:avLst/>
+          </a:prstGeom>
+        </p:spPr>
+        <p:txBody>
+          <a:bodyPr lIns="0" tIns="0" rIns="0" bIns="0">
+            <a:normAutofit/>
+          </a:bodyPr>
+          <a:p>
+            <a:endParaRPr lang="en-US" sz="3200" b="0" strike="noStrike" spc="-1">
+              <a:latin typeface="Arial" panose="020B0604020202020204"/>
+            </a:endParaRPr>
+          </a:p>
+        </p:txBody>
+      </p:sp>
+    </p:spTree>
+  </p:cSld>
+  <p:clrMapOvr>
+    <a:masterClrMapping/>
+  </p:clrMapOvr>
+</p:sldLayout>
+</file>
+
+<file path=ppt/slideLayouts/slideLayout4.xml><?xml version="1.0" encoding="utf-8"?>
+<p:sldLayout xmlns:a="http://schemas.openxmlformats.org/drawingml/2006/main" xmlns:r="http://schemas.openxmlformats.org/officeDocument/2006/relationships" xmlns:p="http://schemas.openxmlformats.org/presentationml/2006/main" type="twoObj" preserve="1">
+  <p:cSld name="Title, 2 Content">
+    <p:spTree>
+      <p:nvGrpSpPr>
+        <p:cNvPr id="1" name=""/>
+        <p:cNvGrpSpPr/>
+        <p:nvPr/>
+      </p:nvGrpSpPr>
+      <p:grpSpPr>
+        <a:xfrm>
+          <a:off x="0" y="0"/>
+          <a:ext cx="0" cy="0"/>
+          <a:chOff x="0" y="0"/>
+          <a:chExt cx="0" cy="0"/>
+        </a:xfrm>
+      </p:grpSpPr>
+      <p:sp>
+        <p:nvSpPr>
+          <p:cNvPr id="5" name="PlaceHolder 1"/>
+          <p:cNvSpPr>
+            <a:spLocks noGrp="1"/>
+          </p:cNvSpPr>
+          <p:nvPr>
+            <p:ph type="title"/>
+          </p:nvPr>
+        </p:nvSpPr>
+        <p:spPr>
+          <a:xfrm>
+            <a:off x="504000" y="226080"/>
+            <a:ext cx="9071280" cy="946080"/>
+          </a:xfrm>
+          <a:prstGeom prst="rect">
+            <a:avLst/>
+          </a:prstGeom>
+        </p:spPr>
+        <p:txBody>
+          <a:bodyPr lIns="0" tIns="0" rIns="0" bIns="0" anchor="ctr">
+            <a:noAutofit/>
+          </a:bodyPr>
+          <a:p>
+            <a:pPr algn="ctr"/>
+            <a:endParaRPr lang="en-US" sz="4400" b="0" strike="noStrike" spc="-1">
+              <a:latin typeface="Arial" panose="020B0604020202020204"/>
+            </a:endParaRPr>
+          </a:p>
+        </p:txBody>
+      </p:sp>
+      <p:sp>
+        <p:nvSpPr>
+          <p:cNvPr id="6" name="PlaceHolder 2"/>
+          <p:cNvSpPr>
+            <a:spLocks noGrp="1"/>
+          </p:cNvSpPr>
+          <p:nvPr>
+            <p:ph type="body"/>
+          </p:nvPr>
+        </p:nvSpPr>
+        <p:spPr>
+          <a:xfrm>
+            <a:off x="504000" y="1326600"/>
+            <a:ext cx="4426920" cy="3288600"/>
+          </a:xfrm>
+          <a:prstGeom prst="rect">
+            <a:avLst/>
+          </a:prstGeom>
+        </p:spPr>
+        <p:txBody>
+          <a:bodyPr lIns="0" tIns="0" rIns="0" bIns="0">
+            <a:normAutofit/>
+          </a:bodyPr>
+          <a:p>
+            <a:endParaRPr lang="en-US" sz="3200" b="0" strike="noStrike" spc="-1">
+              <a:latin typeface="Arial" panose="020B0604020202020204"/>
+            </a:endParaRPr>
+          </a:p>
+        </p:txBody>
+      </p:sp>
+      <p:sp>
+        <p:nvSpPr>
+          <p:cNvPr id="7" name="PlaceHolder 3"/>
+          <p:cNvSpPr>
+            <a:spLocks noGrp="1"/>
+          </p:cNvSpPr>
+          <p:nvPr>
+            <p:ph type="body"/>
+          </p:nvPr>
+        </p:nvSpPr>
+        <p:spPr>
+          <a:xfrm>
+            <a:off x="5152680" y="1326600"/>
+            <a:ext cx="4426920" cy="3288600"/>
+          </a:xfrm>
+          <a:prstGeom prst="rect">
+            <a:avLst/>
+          </a:prstGeom>
+        </p:spPr>
+        <p:txBody>
+          <a:bodyPr lIns="0" tIns="0" rIns="0" bIns="0">
+            <a:normAutofit/>
+          </a:bodyPr>
+          <a:p>
+            <a:endParaRPr lang="en-US" sz="3200" b="0" strike="noStrike" spc="-1">
+              <a:latin typeface="Arial" panose="020B0604020202020204"/>
+            </a:endParaRPr>
+          </a:p>
+        </p:txBody>
+      </p:sp>
+    </p:spTree>
+  </p:cSld>
+  <p:clrMapOvr>
+    <a:masterClrMapping/>
+  </p:clrMapOvr>
+</p:sldLayout>
+</file>
+
+<file path=ppt/slideLayouts/slideLayout5.xml><?xml version="1.0" encoding="utf-8"?>
+<p:sldLayout xmlns:a="http://schemas.openxmlformats.org/drawingml/2006/main" xmlns:r="http://schemas.openxmlformats.org/officeDocument/2006/relationships" xmlns:p="http://schemas.openxmlformats.org/presentationml/2006/main" type="titleOnly" preserve="1">
+  <p:cSld name="Title Only">
+    <p:spTree>
+      <p:nvGrpSpPr>
+        <p:cNvPr id="1" name=""/>
+        <p:cNvGrpSpPr/>
+        <p:nvPr/>
+      </p:nvGrpSpPr>
+      <p:grpSpPr>
+        <a:xfrm>
+          <a:off x="0" y="0"/>
+          <a:ext cx="0" cy="0"/>
+          <a:chOff x="0" y="0"/>
+          <a:chExt cx="0" cy="0"/>
+        </a:xfrm>
+      </p:grpSpPr>
+      <p:sp>
+        <p:nvSpPr>
+          <p:cNvPr id="8" name="PlaceHolder 1"/>
+          <p:cNvSpPr>
+            <a:spLocks noGrp="1"/>
+          </p:cNvSpPr>
+          <p:nvPr>
+            <p:ph type="title"/>
+          </p:nvPr>
+        </p:nvSpPr>
+        <p:spPr>
+          <a:xfrm>
+            <a:off x="504000" y="226080"/>
+            <a:ext cx="9071280" cy="946080"/>
+          </a:xfrm>
+          <a:prstGeom prst="rect">
+            <a:avLst/>
+          </a:prstGeom>
+        </p:spPr>
+        <p:txBody>
+          <a:bodyPr lIns="0" tIns="0" rIns="0" bIns="0" anchor="ctr">
+            <a:noAutofit/>
+          </a:bodyPr>
+          <a:p>
+            <a:pPr algn="ctr"/>
+            <a:endParaRPr lang="en-US" sz="4400" b="0" strike="noStrike" spc="-1">
+              <a:latin typeface="Arial" panose="020B0604020202020204"/>
+            </a:endParaRPr>
+          </a:p>
+        </p:txBody>
+      </p:sp>
+    </p:spTree>
+  </p:cSld>
+  <p:clrMapOvr>
+    <a:masterClrMapping/>
+  </p:clrMapOvr>
+</p:sldLayout>
+</file>
+
+<file path=ppt/slideLayouts/slideLayout6.xml><?xml version="1.0" encoding="utf-8"?>
+<p:sldLayout xmlns:a="http://schemas.openxmlformats.org/drawingml/2006/main" xmlns:r="http://schemas.openxmlformats.org/officeDocument/2006/relationships" xmlns:p="http://schemas.openxmlformats.org/presentationml/2006/main" type="objOnly" preserve="1">
+  <p:cSld name="Centered Text">
+    <p:spTree>
+      <p:nvGrpSpPr>
+        <p:cNvPr id="1" name=""/>
+        <p:cNvGrpSpPr/>
+        <p:nvPr/>
+      </p:nvGrpSpPr>
+      <p:grpSpPr>
+        <a:xfrm>
+          <a:off x="0" y="0"/>
+          <a:ext cx="0" cy="0"/>
+          <a:chOff x="0" y="0"/>
+          <a:chExt cx="0" cy="0"/>
+        </a:xfrm>
+      </p:grpSpPr>
+      <p:sp>
+        <p:nvSpPr>
+          <p:cNvPr id="9" name="PlaceHolder 1"/>
+          <p:cNvSpPr>
+            <a:spLocks noGrp="1"/>
+          </p:cNvSpPr>
+          <p:nvPr>
+            <p:ph type="subTitle"/>
+          </p:nvPr>
+        </p:nvSpPr>
+        <p:spPr>
+          <a:xfrm>
+            <a:off x="504000" y="226080"/>
+            <a:ext cx="9071280" cy="4386600"/>
+          </a:xfrm>
+          <a:prstGeom prst="rect">
+            <a:avLst/>
+          </a:prstGeom>
+        </p:spPr>
+        <p:txBody>
+          <a:bodyPr lIns="0" tIns="0" rIns="0" bIns="0" anchor="ctr">
+            <a:noAutofit/>
+          </a:bodyPr>
+          <a:p>
+            <a:pPr algn="ctr"/>
+            <a:endParaRPr lang="en-US" sz="3200" b="0" strike="noStrike" spc="-1">
+              <a:latin typeface="Arial" panose="020B0604020202020204"/>
+            </a:endParaRPr>
+          </a:p>
+        </p:txBody>
+      </p:sp>
+    </p:spTree>
+  </p:cSld>
+  <p:clrMapOvr>
+    <a:masterClrMapping/>
+  </p:clrMapOvr>
+</p:sldLayout>
+</file>
+
+<file path=ppt/slideLayouts/slideLayout7.xml><?xml version="1.0" encoding="utf-8"?>
+<p:sldLayout xmlns:a="http://schemas.openxmlformats.org/drawingml/2006/main" xmlns:r="http://schemas.openxmlformats.org/officeDocument/2006/relationships" xmlns:p="http://schemas.openxmlformats.org/presentationml/2006/main" type="twoObjAndObj" preserve="1">
+  <p:cSld name="Title, 2 Content and Content">
+    <p:spTree>
+      <p:nvGrpSpPr>
+        <p:cNvPr id="1" name=""/>
+        <p:cNvGrpSpPr/>
+        <p:nvPr/>
+      </p:nvGrpSpPr>
+      <p:grpSpPr>
+        <a:xfrm>
+          <a:off x="0" y="0"/>
+          <a:ext cx="0" cy="0"/>
+          <a:chOff x="0" y="0"/>
+          <a:chExt cx="0" cy="0"/>
+        </a:xfrm>
+      </p:grpSpPr>
+      <p:sp>
+        <p:nvSpPr>
+          <p:cNvPr id="10" name="PlaceHolder 1"/>
+          <p:cNvSpPr>
+            <a:spLocks noGrp="1"/>
+          </p:cNvSpPr>
+          <p:nvPr>
+            <p:ph type="title"/>
+          </p:nvPr>
+        </p:nvSpPr>
+        <p:spPr>
+          <a:xfrm>
+            <a:off x="504000" y="226080"/>
+            <a:ext cx="9071280" cy="946080"/>
+          </a:xfrm>
+          <a:prstGeom prst="rect">
+            <a:avLst/>
+          </a:prstGeom>
+        </p:spPr>
+        <p:txBody>
+          <a:bodyPr lIns="0" tIns="0" rIns="0" bIns="0" anchor="ctr">
+            <a:noAutofit/>
+          </a:bodyPr>
+          <a:p>
+            <a:pPr algn="ctr"/>
+            <a:endParaRPr lang="en-US" sz="4400" b="0" strike="noStrike" spc="-1">
+              <a:latin typeface="Arial" panose="020B0604020202020204"/>
+            </a:endParaRPr>
+          </a:p>
+        </p:txBody>
+      </p:sp>
+      <p:sp>
+        <p:nvSpPr>
+          <p:cNvPr id="11" name="PlaceHolder 2"/>
+          <p:cNvSpPr>
+            <a:spLocks noGrp="1"/>
+          </p:cNvSpPr>
+          <p:nvPr>
+            <p:ph type="body"/>
+          </p:nvPr>
+        </p:nvSpPr>
+        <p:spPr>
+          <a:xfrm>
+            <a:off x="504000" y="1326600"/>
+            <a:ext cx="4426920" cy="1568520"/>
+          </a:xfrm>
+          <a:prstGeom prst="rect">
+            <a:avLst/>
+          </a:prstGeom>
+        </p:spPr>
+        <p:txBody>
+          <a:bodyPr lIns="0" tIns="0" rIns="0" bIns="0">
+            <a:normAutofit/>
+          </a:bodyPr>
+          <a:p>
+            <a:endParaRPr lang="en-US" sz="3200" b="0" strike="noStrike" spc="-1">
+              <a:latin typeface="Arial" panose="020B0604020202020204"/>
+            </a:endParaRPr>
+          </a:p>
+        </p:txBody>
+      </p:sp>
+      <p:sp>
+        <p:nvSpPr>
+          <p:cNvPr id="12" name="PlaceHolder 3"/>
+          <p:cNvSpPr>
+            <a:spLocks noGrp="1"/>
+          </p:cNvSpPr>
+          <p:nvPr>
+            <p:ph type="body"/>
+          </p:nvPr>
+        </p:nvSpPr>
+        <p:spPr>
+          <a:xfrm>
+            <a:off x="5152680" y="1326600"/>
+            <a:ext cx="4426920" cy="3288600"/>
+          </a:xfrm>
+          <a:prstGeom prst="rect">
+            <a:avLst/>
+          </a:prstGeom>
+        </p:spPr>
+        <p:txBody>
+          <a:bodyPr lIns="0" tIns="0" rIns="0" bIns="0">
+            <a:normAutofit/>
+          </a:bodyPr>
+          <a:p>
+            <a:endParaRPr lang="en-US" sz="3200" b="0" strike="noStrike" spc="-1">
+              <a:latin typeface="Arial" panose="020B0604020202020204"/>
+            </a:endParaRPr>
+          </a:p>
+        </p:txBody>
+      </p:sp>
+      <p:sp>
+        <p:nvSpPr>
+          <p:cNvPr id="13" name="PlaceHolder 4"/>
+          <p:cNvSpPr>
+            <a:spLocks noGrp="1"/>
+          </p:cNvSpPr>
+          <p:nvPr>
+            <p:ph type="body"/>
+          </p:nvPr>
+        </p:nvSpPr>
+        <p:spPr>
+          <a:xfrm>
+            <a:off x="504000" y="3044520"/>
+            <a:ext cx="4426920" cy="1568520"/>
+          </a:xfrm>
+          <a:prstGeom prst="rect">
+            <a:avLst/>
+          </a:prstGeom>
+        </p:spPr>
+        <p:txBody>
+          <a:bodyPr lIns="0" tIns="0" rIns="0" bIns="0">
+            <a:normAutofit/>
+          </a:bodyPr>
+          <a:p>
+            <a:endParaRPr lang="en-US" sz="3200" b="0" strike="noStrike" spc="-1">
+              <a:latin typeface="Arial" panose="020B0604020202020204"/>
+            </a:endParaRPr>
+          </a:p>
+        </p:txBody>
+      </p:sp>
+    </p:spTree>
+  </p:cSld>
+  <p:clrMapOvr>
+    <a:masterClrMapping/>
+  </p:clrMapOvr>
+</p:sldLayout>
+</file>
+
+<file path=ppt/slideLayouts/slideLayout8.xml><?xml version="1.0" encoding="utf-8"?>
+<p:sldLayout xmlns:a="http://schemas.openxmlformats.org/drawingml/2006/main" xmlns:r="http://schemas.openxmlformats.org/officeDocument/2006/relationships" xmlns:p="http://schemas.openxmlformats.org/presentationml/2006/main" type="objAndTwoObj" preserve="1">
+  <p:cSld name="Title Content and 2 Content">
+    <p:spTree>
+      <p:nvGrpSpPr>
+        <p:cNvPr id="1" name=""/>
+        <p:cNvGrpSpPr/>
+        <p:nvPr/>
+      </p:nvGrpSpPr>
+      <p:grpSpPr>
+        <a:xfrm>
+          <a:off x="0" y="0"/>
+          <a:ext cx="0" cy="0"/>
+          <a:chOff x="0" y="0"/>
+          <a:chExt cx="0" cy="0"/>
+        </a:xfrm>
+      </p:grpSpPr>
+      <p:sp>
+        <p:nvSpPr>
+          <p:cNvPr id="14" name="PlaceHolder 1"/>
+          <p:cNvSpPr>
+            <a:spLocks noGrp="1"/>
+          </p:cNvSpPr>
+          <p:nvPr>
+            <p:ph type="title"/>
+          </p:nvPr>
+        </p:nvSpPr>
+        <p:spPr>
+          <a:xfrm>
+            <a:off x="504000" y="226080"/>
+            <a:ext cx="9071280" cy="946080"/>
+          </a:xfrm>
+          <a:prstGeom prst="rect">
+            <a:avLst/>
+          </a:prstGeom>
+        </p:spPr>
+        <p:txBody>
+          <a:bodyPr lIns="0" tIns="0" rIns="0" bIns="0" anchor="ctr">
+            <a:noAutofit/>
+          </a:bodyPr>
+          <a:p>
+            <a:pPr algn="ctr"/>
+            <a:endParaRPr lang="en-US" sz="4400" b="0" strike="noStrike" spc="-1">
+              <a:latin typeface="Arial" panose="020B0604020202020204"/>
+            </a:endParaRPr>
+          </a:p>
+        </p:txBody>
+      </p:sp>
+      <p:sp>
+        <p:nvSpPr>
+          <p:cNvPr id="15" name="PlaceHolder 2"/>
+          <p:cNvSpPr>
+            <a:spLocks noGrp="1"/>
+          </p:cNvSpPr>
+          <p:nvPr>
+            <p:ph type="body"/>
+          </p:nvPr>
+        </p:nvSpPr>
+        <p:spPr>
+          <a:xfrm>
+            <a:off x="504000" y="1326600"/>
+            <a:ext cx="4426920" cy="3288600"/>
+          </a:xfrm>
+          <a:prstGeom prst="rect">
+            <a:avLst/>
+          </a:prstGeom>
+        </p:spPr>
+        <p:txBody>
+          <a:bodyPr lIns="0" tIns="0" rIns="0" bIns="0">
+            <a:normAutofit/>
+          </a:bodyPr>
+          <a:p>
+            <a:endParaRPr lang="en-US" sz="3200" b="0" strike="noStrike" spc="-1">
+              <a:latin typeface="Arial" panose="020B0604020202020204"/>
+            </a:endParaRPr>
+          </a:p>
+        </p:txBody>
+      </p:sp>
+      <p:sp>
+        <p:nvSpPr>
+          <p:cNvPr id="16" name="PlaceHolder 3"/>
+          <p:cNvSpPr>
+            <a:spLocks noGrp="1"/>
+          </p:cNvSpPr>
+          <p:nvPr>
+            <p:ph type="body"/>
+          </p:nvPr>
+        </p:nvSpPr>
+        <p:spPr>
+          <a:xfrm>
+            <a:off x="5152680" y="1326600"/>
+            <a:ext cx="4426920" cy="1568520"/>
+          </a:xfrm>
+          <a:prstGeom prst="rect">
+            <a:avLst/>
+          </a:prstGeom>
+        </p:spPr>
+        <p:txBody>
+          <a:bodyPr lIns="0" tIns="0" rIns="0" bIns="0">
+            <a:normAutofit/>
+          </a:bodyPr>
+          <a:p>
+            <a:endParaRPr lang="en-US" sz="3200" b="0" strike="noStrike" spc="-1">
+              <a:latin typeface="Arial" panose="020B0604020202020204"/>
+            </a:endParaRPr>
+          </a:p>
+        </p:txBody>
+      </p:sp>
+      <p:sp>
+        <p:nvSpPr>
+          <p:cNvPr id="17" name="PlaceHolder 4"/>
+          <p:cNvSpPr>
+            <a:spLocks noGrp="1"/>
+          </p:cNvSpPr>
+          <p:nvPr>
+            <p:ph type="body"/>
+          </p:nvPr>
+        </p:nvSpPr>
+        <p:spPr>
+          <a:xfrm>
+            <a:off x="5152680" y="3044520"/>
+            <a:ext cx="4426920" cy="1568520"/>
+          </a:xfrm>
+          <a:prstGeom prst="rect">
+            <a:avLst/>
+          </a:prstGeom>
+        </p:spPr>
+        <p:txBody>
+          <a:bodyPr lIns="0" tIns="0" rIns="0" bIns="0">
+            <a:normAutofit/>
+          </a:bodyPr>
+          <a:p>
+            <a:endParaRPr lang="en-US" sz="3200" b="0" strike="noStrike" spc="-1">
+              <a:latin typeface="Arial" panose="020B0604020202020204"/>
+            </a:endParaRPr>
+          </a:p>
+        </p:txBody>
+      </p:sp>
+    </p:spTree>
+  </p:cSld>
+  <p:clrMapOvr>
+    <a:masterClrMapping/>
+  </p:clrMapOvr>
+</p:sldLayout>
+</file>
+
+<file path=ppt/slideLayouts/slideLayout9.xml><?xml version="1.0" encoding="utf-8"?>
+<p:sldLayout xmlns:a="http://schemas.openxmlformats.org/drawingml/2006/main" xmlns:r="http://schemas.openxmlformats.org/officeDocument/2006/relationships" xmlns:p="http://schemas.openxmlformats.org/presentationml/2006/main" type="twoObjOverTx" preserve="1">
+  <p:cSld name="Title, 2 Content over Content">
+    <p:spTree>
+      <p:nvGrpSpPr>
+        <p:cNvPr id="1" name=""/>
+        <p:cNvGrpSpPr/>
+        <p:nvPr/>
+      </p:nvGrpSpPr>
+      <p:grpSpPr>
+        <a:xfrm>
+          <a:off x="0" y="0"/>
+          <a:ext cx="0" cy="0"/>
+          <a:chOff x="0" y="0"/>
+          <a:chExt cx="0" cy="0"/>
+        </a:xfrm>
+      </p:grpSpPr>
+      <p:sp>
+        <p:nvSpPr>
+          <p:cNvPr id="18" name="PlaceHolder 1"/>
+          <p:cNvSpPr>
+            <a:spLocks noGrp="1"/>
+          </p:cNvSpPr>
+          <p:nvPr>
+            <p:ph type="title"/>
+          </p:nvPr>
+        </p:nvSpPr>
+        <p:spPr>
+          <a:xfrm>
+            <a:off x="504000" y="226080"/>
+            <a:ext cx="9071280" cy="946080"/>
+          </a:xfrm>
+          <a:prstGeom prst="rect">
+            <a:avLst/>
+          </a:prstGeom>
+        </p:spPr>
+        <p:txBody>
+          <a:bodyPr lIns="0" tIns="0" rIns="0" bIns="0" anchor="ctr">
+            <a:noAutofit/>
+          </a:bodyPr>
+          <a:p>
+            <a:pPr algn="ctr"/>
+            <a:endParaRPr lang="en-US" sz="4400" b="0" strike="noStrike" spc="-1">
+              <a:latin typeface="Arial" panose="020B0604020202020204"/>
+            </a:endParaRPr>
+          </a:p>
+        </p:txBody>
+      </p:sp>
+      <p:sp>
+        <p:nvSpPr>
+          <p:cNvPr id="19" name="PlaceHolder 2"/>
+          <p:cNvSpPr>
+            <a:spLocks noGrp="1"/>
+          </p:cNvSpPr>
+          <p:nvPr>
+            <p:ph type="body"/>
+          </p:nvPr>
+        </p:nvSpPr>
+        <p:spPr>
+          <a:xfrm>
+            <a:off x="504000" y="1326600"/>
+            <a:ext cx="4426920" cy="1568520"/>
+          </a:xfrm>
+          <a:prstGeom prst="rect">
+            <a:avLst/>
+          </a:prstGeom>
+        </p:spPr>
+        <p:txBody>
+          <a:bodyPr lIns="0" tIns="0" rIns="0" bIns="0">
+            <a:normAutofit/>
+          </a:bodyPr>
+          <a:p>
+            <a:endParaRPr lang="en-US" sz="3200" b="0" strike="noStrike" spc="-1">
+              <a:latin typeface="Arial" panose="020B0604020202020204"/>
+            </a:endParaRPr>
+          </a:p>
+        </p:txBody>
+      </p:sp>
+      <p:sp>
+        <p:nvSpPr>
+          <p:cNvPr id="20" name="PlaceHolder 3"/>
+          <p:cNvSpPr>
+            <a:spLocks noGrp="1"/>
+          </p:cNvSpPr>
+          <p:nvPr>
+            <p:ph type="body"/>
+          </p:nvPr>
+        </p:nvSpPr>
+        <p:spPr>
+          <a:xfrm>
+            <a:off x="5152680" y="1326600"/>
+            <a:ext cx="4426920" cy="1568520"/>
+          </a:xfrm>
+          <a:prstGeom prst="rect">
+            <a:avLst/>
+          </a:prstGeom>
+        </p:spPr>
+        <p:txBody>
+          <a:bodyPr lIns="0" tIns="0" rIns="0" bIns="0">
+            <a:normAutofit/>
+          </a:bodyPr>
+          <a:p>
+            <a:endParaRPr lang="en-US" sz="3200" b="0" strike="noStrike" spc="-1">
+              <a:latin typeface="Arial" panose="020B0604020202020204"/>
+            </a:endParaRPr>
+          </a:p>
+        </p:txBody>
+      </p:sp>
+      <p:sp>
+        <p:nvSpPr>
+          <p:cNvPr id="21" name="PlaceHolder 4"/>
+          <p:cNvSpPr>
+            <a:spLocks noGrp="1"/>
+          </p:cNvSpPr>
+          <p:nvPr>
+            <p:ph type="body"/>
+          </p:nvPr>
+        </p:nvSpPr>
+        <p:spPr>
+          <a:xfrm>
+            <a:off x="504000" y="3044520"/>
+            <a:ext cx="9072000" cy="1568520"/>
+          </a:xfrm>
+          <a:prstGeom prst="rect">
+            <a:avLst/>
+          </a:prstGeom>
+        </p:spPr>
+        <p:txBody>
+          <a:bodyPr lIns="0" tIns="0" rIns="0" bIns="0">
+            <a:normAutofit/>
+          </a:bodyPr>
+          <a:p>
+            <a:endParaRPr lang="en-US" sz="3200" b="0" strike="noStrike" spc="-1">
+              <a:latin typeface="Arial" panose="020B0604020202020204"/>
+            </a:endParaRPr>
+          </a:p>
+        </p:txBody>
+      </p:sp>
+    </p:spTree>
+  </p:cSld>
+  <p:clrMapOvr>
+    <a:masterClrMapping/>
+  </p:clrMapOvr>
 </p:sldLayout>
 </file>
 
 <file path=ppt/slideMasters/slideMaster1.xml><?xml version="1.0" encoding="utf-8"?>
-<p:sldMaster xmlns:a="http://schemas.openxmlformats.org/drawingml/2006/main" xmlns:p="http://schemas.openxmlformats.org/presentationml/2006/main" xmlns:r="http://schemas.openxmlformats.org/officeDocument/2006/relationships" xmlns:p14="http://schemas.microsoft.com/office/powerpoint/2010/main" xmlns:p15="http://schemas.microsoft.com/office/powerpoint/2012/main" xmlns:mc="http://schemas.openxmlformats.org/markup-compatibility/2006">
+<p:sldMaster xmlns:a="http://schemas.openxmlformats.org/drawingml/2006/main" xmlns:r="http://schemas.openxmlformats.org/officeDocument/2006/relationships" xmlns:p="http://schemas.openxmlformats.org/presentationml/2006/main">
+  <p:cSld>
+    <p:bg>
+      <p:bgRef idx="1001">
+        <a:schemeClr val="bg1"/>
+      </p:bgRef>
+    </p:bg>
+    <p:spTree>
+      <p:nvGrpSpPr>
+        <p:cNvPr id="1" name=""/>
+        <p:cNvGrpSpPr/>
+        <p:nvPr/>
+      </p:nvGrpSpPr>
+      <p:grpSpPr>
+        <a:xfrm>
+          <a:off x="0" y="0"/>
+          <a:ext cx="0" cy="0"/>
+          <a:chOff x="0" y="0"/>
+          <a:chExt cx="0" cy="0"/>
+        </a:xfrm>
+      </p:grpSpPr>
+      <p:sp>
+        <p:nvSpPr>
+          <p:cNvPr id="0" name="PlaceHolder 1"/>
+          <p:cNvSpPr>
+            <a:spLocks noGrp="1"/>
+          </p:cNvSpPr>
+          <p:nvPr>
+            <p:ph type="title"/>
+          </p:nvPr>
+        </p:nvSpPr>
+        <p:spPr>
+          <a:xfrm>
+            <a:off x="504000" y="226080"/>
+            <a:ext cx="9071280" cy="946080"/>
+          </a:xfrm>
+          <a:prstGeom prst="rect">
+            <a:avLst/>
+          </a:prstGeom>
+        </p:spPr>
+        <p:txBody>
+          <a:bodyPr lIns="0" tIns="0" rIns="0" bIns="0" anchor="ctr">
+            <a:noAutofit/>
+          </a:bodyPr>
+          <a:p>
+            <a:r>
+              <a:rPr lang="en-US" sz="1800" b="0" strike="noStrike" spc="-1">
+                <a:latin typeface="Arial" panose="020B0604020202020204"/>
+              </a:rPr>
+              <a:t>Click to edit the title text format</a:t>
+            </a:r>
+            <a:endParaRPr lang="en-US" sz="1800" b="0" strike="noStrike" spc="-1">
+              <a:latin typeface="Arial" panose="020B0604020202020204"/>
+            </a:endParaRPr>
+          </a:p>
+        </p:txBody>
+      </p:sp>
+    </p:spTree>
+  </p:cSld>
+  <p:clrMap bg1="lt1" tx1="dk1" bg2="lt2" tx2="dk2" accent1="accent1" accent2="accent2" accent3="accent3" accent4="accent4" accent5="accent5" accent6="accent6" hlink="hlink" folHlink="folHlink"/>
+  <p:sldLayoutIdLst>
+    <p:sldLayoutId id="2147483649" r:id="rId1"/>
+    <p:sldLayoutId id="2147483650" r:id="rId2"/>
+    <p:sldLayoutId id="2147483651" r:id="rId3"/>
+    <p:sldLayoutId id="2147483652" r:id="rId4"/>
+    <p:sldLayoutId id="2147483653" r:id="rId5"/>
+    <p:sldLayoutId id="2147483654" r:id="rId6"/>
+    <p:sldLayoutId id="2147483655" r:id="rId7"/>
+    <p:sldLayoutId id="2147483656" r:id="rId8"/>
+    <p:sldLayoutId id="2147483657" r:id="rId9"/>
+    <p:sldLayoutId id="2147483658" r:id="rId10"/>
+    <p:sldLayoutId id="2147483659" r:id="rId11"/>
+    <p:sldLayoutId id="2147483660" r:id="rId12"/>
+  </p:sldLayoutIdLst>
+  <p:txStyles>
+    <p:titleStyle/>
+    <p:bodyStyle/>
+    <p:otherStyle/>
+  </p:txStyles>
+</p:sldMaster>
+</file>
+
+<file path=ppt/slideMasters/slideMaster2.xml><?xml version="1.0" encoding="utf-8"?>
+<p:sldMaster xmlns:a="http://schemas.openxmlformats.org/drawingml/2006/main" xmlns:r="http://schemas.openxmlformats.org/officeDocument/2006/relationships" xmlns:p="http://schemas.openxmlformats.org/presentationml/2006/main">
+  <p:cSld>
+    <p:bg>
+      <p:bgRef idx="1001">
+        <a:schemeClr val="bg1"/>
+      </p:bgRef>
+    </p:bg>
+    <p:spTree>
+      <p:nvGrpSpPr>
+        <p:cNvPr id="1" name=""/>
+        <p:cNvGrpSpPr/>
+        <p:nvPr/>
+      </p:nvGrpSpPr>
+      <p:grpSpPr>
+        <a:xfrm>
+          <a:off x="0" y="0"/>
+          <a:ext cx="0" cy="0"/>
+          <a:chOff x="0" y="0"/>
+          <a:chExt cx="0" cy="0"/>
+        </a:xfrm>
+      </p:grpSpPr>
+      <p:sp>
+        <p:nvSpPr>
+          <p:cNvPr id="0" name="PlaceHolder 1"/>
+          <p:cNvSpPr>
+            <a:spLocks noGrp="1"/>
+          </p:cNvSpPr>
+          <p:nvPr>
+            <p:ph type="title"/>
+          </p:nvPr>
+        </p:nvSpPr>
+        <p:spPr>
+          <a:xfrm>
+            <a:off x="504000" y="226080"/>
+            <a:ext cx="9071280" cy="946080"/>
+          </a:xfrm>
+          <a:prstGeom prst="rect">
+            <a:avLst/>
+          </a:prstGeom>
+        </p:spPr>
+        <p:txBody>
+          <a:bodyPr lIns="0" tIns="0" rIns="0" bIns="0" anchor="ctr">
+            <a:noAutofit/>
+          </a:bodyPr>
+          <a:p>
+            <a:r>
+              <a:rPr lang="en-US" sz="1800" b="0" strike="noStrike" spc="-1">
+                <a:latin typeface="Arial" panose="020B0604020202020204"/>
+              </a:rPr>
+              <a:t>Click to edit the title text format</a:t>
+            </a:r>
+            <a:endParaRPr lang="en-US" sz="1800" b="0" strike="noStrike" spc="-1">
+              <a:latin typeface="Arial" panose="020B0604020202020204"/>
+            </a:endParaRPr>
+          </a:p>
+        </p:txBody>
+      </p:sp>
+    </p:spTree>
+  </p:cSld>
+  <p:clrMap bg1="lt1" tx1="dk1" bg2="lt2" tx2="dk2" accent1="accent1" accent2="accent2" accent3="accent3" accent4="accent4" accent5="accent5" accent6="accent6" hlink="hlink" folHlink="folHlink"/>
+  <p:sldLayoutIdLst>
+    <p:sldLayoutId id="2147483662" r:id="rId1"/>
+    <p:sldLayoutId id="2147483663" r:id="rId2"/>
+    <p:sldLayoutId id="2147483664" r:id="rId3"/>
+    <p:sldLayoutId id="2147483665" r:id="rId4"/>
+    <p:sldLayoutId id="2147483666" r:id="rId5"/>
+    <p:sldLayoutId id="2147483667" r:id="rId6"/>
+    <p:sldLayoutId id="2147483668" r:id="rId7"/>
+    <p:sldLayoutId id="2147483669" r:id="rId8"/>
+    <p:sldLayoutId id="2147483670" r:id="rId9"/>
+    <p:sldLayoutId id="2147483671" r:id="rId10"/>
+    <p:sldLayoutId id="2147483672" r:id="rId11"/>
+    <p:sldLayoutId id="2147483673" r:id="rId12"/>
+  </p:sldLayoutIdLst>
+  <p:txStyles>
+    <p:titleStyle/>
+    <p:bodyStyle/>
+    <p:otherStyle/>
+  </p:txStyles>
+</p:sldMaster>
+</file>
+
+<file path=ppt/slides/slide1.xml><?xml version="1.0" encoding="utf-8"?>
+<p:sld xmlns:a="http://schemas.openxmlformats.org/drawingml/2006/main" xmlns:r="http://schemas.openxmlformats.org/officeDocument/2006/relationships" xmlns:p="http://schemas.openxmlformats.org/presentationml/2006/main">
   <p:cSld>
     <p:spTree>
       <p:nvGrpSpPr>
@@ -1391,62 +3085,325 @@
       </p:grpSpPr>
       <p:sp>
         <p:nvSpPr>
-          <p:cNvPr id="0" name="PlaceHolder 1"/>
-          <p:cNvSpPr>
-            <a:spLocks noGrp="1"/>
-          </p:cNvSpPr>
-          <p:nvPr>
-            <p:ph type="title"/>
-          </p:nvPr>
-        </p:nvSpPr>
-        <p:spPr>
-          <a:xfrm>
-            <a:off x="504000" y="226080"/>
-            <a:ext cx="9071280" cy="946080"/>
-          </a:xfrm>
-          <a:prstGeom prst="rect">
-            <a:avLst/>
-          </a:prstGeom>
-        </p:spPr>
-        <p:txBody>
-          <a:bodyPr lIns="0" rIns="0" tIns="0" bIns="0" anchor="ctr">
+          <p:cNvPr id="37" name="CustomShape 1"/>
+          <p:cNvSpPr/>
+          <p:nvPr/>
+        </p:nvSpPr>
+        <p:spPr>
+          <a:xfrm>
+            <a:off x="504000" y="63360"/>
+            <a:ext cx="9071280" cy="1271520"/>
+          </a:xfrm>
+          <a:prstGeom prst="rect">
+            <a:avLst/>
+          </a:prstGeom>
+          <a:noFill/>
+          <a:ln w="0">
+            <a:noFill/>
+          </a:ln>
+        </p:spPr>
+        <p:style>
+          <a:lnRef idx="0">
+            <a:srgbClr val="FFFFFF"/>
+          </a:lnRef>
+          <a:fillRef idx="0">
+            <a:srgbClr val="FFFFFF"/>
+          </a:fillRef>
+          <a:effectRef idx="0">
+            <a:srgbClr val="FFFFFF"/>
+          </a:effectRef>
+          <a:fontRef idx="minor"/>
+        </p:style>
+      </p:sp>
+      <p:sp>
+        <p:nvSpPr>
+          <p:cNvPr id="38" name="CustomShape 2"/>
+          <p:cNvSpPr/>
+          <p:nvPr/>
+        </p:nvSpPr>
+        <p:spPr>
+          <a:xfrm>
+            <a:off x="504000" y="1326600"/>
+            <a:ext cx="9071280" cy="3287880"/>
+          </a:xfrm>
+          <a:prstGeom prst="rect">
+            <a:avLst/>
+          </a:prstGeom>
+          <a:noFill/>
+          <a:ln w="0">
+            <a:noFill/>
+          </a:ln>
+        </p:spPr>
+        <p:style>
+          <a:lnRef idx="0">
+            <a:srgbClr val="FFFFFF"/>
+          </a:lnRef>
+          <a:fillRef idx="0">
+            <a:srgbClr val="FFFFFF"/>
+          </a:fillRef>
+          <a:effectRef idx="0">
+            <a:srgbClr val="FFFFFF"/>
+          </a:effectRef>
+          <a:fontRef idx="minor"/>
+        </p:style>
+      </p:sp>
+      <p:sp>
+        <p:nvSpPr>
+          <p:cNvPr id="39" name="TextShape 3"/>
+          <p:cNvSpPr txBox="1"/>
+          <p:nvPr/>
+        </p:nvSpPr>
+        <p:spPr>
+          <a:xfrm>
+            <a:off x="685800" y="1215000"/>
+            <a:ext cx="6858000" cy="914400"/>
+          </a:xfrm>
+          <a:prstGeom prst="rect">
+            <a:avLst/>
+          </a:prstGeom>
+          <a:noFill/>
+          <a:ln w="0">
+            <a:noFill/>
+          </a:ln>
+        </p:spPr>
+        <p:txBody>
+          <a:bodyPr lIns="90000" tIns="45000" rIns="90000" bIns="45000">
             <a:noAutofit/>
           </a:bodyPr>
           <a:p>
+            <a:pPr>
+              <a:lnSpc>
+                <a:spcPct val="100000"/>
+              </a:lnSpc>
+            </a:pPr>
             <a:r>
-              <a:rPr b="0" lang="en-US" sz="1800" spc="-1" strike="noStrike">
-                <a:latin typeface="Arial"/>
+              <a:rPr lang="en-US" sz="2400" b="1" strike="noStrike" spc="-1">
+                <a:latin typeface="Optima LT DemiBold" panose="020B0400000000000000"/>
               </a:rPr>
-              <a:t>Click to edit the title text format</a:t>
+              <a:t>Exploring daily load profile clustering </a:t>
             </a:r>
-            <a:endParaRPr b="0" lang="en-US" sz="1800" spc="-1" strike="noStrike">
-              <a:latin typeface="Arial"/>
-            </a:endParaRPr>
-          </a:p>
-        </p:txBody>
-      </p:sp>
+            <a:endParaRPr lang="en-US" sz="2400" b="1" strike="noStrike" spc="-1">
+              <a:latin typeface="Optima LT DemiBold" panose="020B0400000000000000"/>
+            </a:endParaRPr>
+          </a:p>
+          <a:p>
+            <a:pPr>
+              <a:lnSpc>
+                <a:spcPct val="100000"/>
+              </a:lnSpc>
+            </a:pPr>
+            <a:r>
+              <a:rPr lang="en-US" sz="2400" b="1" strike="noStrike" spc="-1">
+                <a:latin typeface="Optima LT DemiBold" panose="020B0400000000000000"/>
+              </a:rPr>
+              <a:t>with Convolutional Autoencoders</a:t>
+            </a:r>
+            <a:endParaRPr lang="en-US" sz="2400" b="1" strike="noStrike" spc="-1">
+              <a:latin typeface="Optima LT DemiBold" panose="020B0400000000000000"/>
+            </a:endParaRPr>
+          </a:p>
+        </p:txBody>
+      </p:sp>
+      <p:sp>
+        <p:nvSpPr>
+          <p:cNvPr id="40" name="TextShape 4"/>
+          <p:cNvSpPr txBox="1"/>
+          <p:nvPr/>
+        </p:nvSpPr>
+        <p:spPr>
+          <a:xfrm>
+            <a:off x="685800" y="3645000"/>
+            <a:ext cx="6858000" cy="541800"/>
+          </a:xfrm>
+          <a:prstGeom prst="rect">
+            <a:avLst/>
+          </a:prstGeom>
+          <a:noFill/>
+          <a:ln w="0">
+            <a:noFill/>
+          </a:ln>
+        </p:spPr>
+        <p:txBody>
+          <a:bodyPr lIns="90000" tIns="45000" rIns="90000" bIns="45000">
+            <a:noAutofit/>
+          </a:bodyPr>
+          <a:p>
+            <a:pPr>
+              <a:lnSpc>
+                <a:spcPct val="100000"/>
+              </a:lnSpc>
+            </a:pPr>
+            <a:r>
+              <a:rPr lang="en-US" sz="1600" b="1" strike="noStrike" spc="-86">
+                <a:latin typeface="Arial" panose="020B0604020202020204"/>
+              </a:rPr>
+              <a:t>Members : Chen Ang</a:t>
+            </a:r>
+            <a:endParaRPr lang="en-US" sz="1600" b="1" strike="noStrike" spc="-86">
+              <a:latin typeface="Arial" panose="020B0604020202020204"/>
+            </a:endParaRPr>
+          </a:p>
+          <a:p>
+            <a:pPr>
+              <a:lnSpc>
+                <a:spcPct val="100000"/>
+              </a:lnSpc>
+            </a:pPr>
+            <a:r>
+              <a:rPr lang="en-US" sz="1600" b="1" strike="noStrike" spc="-86">
+                <a:latin typeface="Arial" panose="020B0604020202020204"/>
+              </a:rPr>
+              <a:t>                     Fu Quanzhi</a:t>
+            </a:r>
+            <a:endParaRPr lang="en-US" sz="1600" b="1" strike="noStrike" spc="-86">
+              <a:latin typeface="Arial" panose="020B0604020202020204"/>
+            </a:endParaRPr>
+          </a:p>
+        </p:txBody>
+      </p:sp>
+      <p:pic>
+        <p:nvPicPr>
+          <p:cNvPr id="41" name="图片 40"/>
+          <p:cNvPicPr/>
+          <p:nvPr/>
+        </p:nvPicPr>
+        <p:blipFill>
+          <a:blip r:embed="rId1"/>
+          <a:stretch>
+            <a:fillRect/>
+          </a:stretch>
+        </p:blipFill>
+        <p:spPr>
+          <a:xfrm>
+            <a:off x="2057400" y="2129400"/>
+            <a:ext cx="685800" cy="507600"/>
+          </a:xfrm>
+          <a:prstGeom prst="rect">
+            <a:avLst/>
+          </a:prstGeom>
+          <a:ln w="0">
+            <a:noFill/>
+          </a:ln>
+        </p:spPr>
+      </p:pic>
+      <p:pic>
+        <p:nvPicPr>
+          <p:cNvPr id="42" name="图片 41"/>
+          <p:cNvPicPr/>
+          <p:nvPr/>
+        </p:nvPicPr>
+        <p:blipFill>
+          <a:blip r:embed="rId2"/>
+          <a:stretch>
+            <a:fillRect/>
+          </a:stretch>
+        </p:blipFill>
+        <p:spPr>
+          <a:xfrm>
+            <a:off x="685800" y="2129400"/>
+            <a:ext cx="685800" cy="514440"/>
+          </a:xfrm>
+          <a:prstGeom prst="rect">
+            <a:avLst/>
+          </a:prstGeom>
+          <a:ln w="0">
+            <a:noFill/>
+          </a:ln>
+        </p:spPr>
+      </p:pic>
+      <p:pic>
+        <p:nvPicPr>
+          <p:cNvPr id="43" name="图片 42"/>
+          <p:cNvPicPr/>
+          <p:nvPr/>
+        </p:nvPicPr>
+        <p:blipFill>
+          <a:blip r:embed="rId3"/>
+          <a:stretch>
+            <a:fillRect/>
+          </a:stretch>
+        </p:blipFill>
+        <p:spPr>
+          <a:xfrm>
+            <a:off x="1371600" y="2129400"/>
+            <a:ext cx="685800" cy="507600"/>
+          </a:xfrm>
+          <a:prstGeom prst="rect">
+            <a:avLst/>
+          </a:prstGeom>
+          <a:ln w="0">
+            <a:noFill/>
+          </a:ln>
+        </p:spPr>
+      </p:pic>
+      <p:pic>
+        <p:nvPicPr>
+          <p:cNvPr id="44" name="图片 43"/>
+          <p:cNvPicPr/>
+          <p:nvPr/>
+        </p:nvPicPr>
+        <p:blipFill>
+          <a:blip r:embed="rId4"/>
+          <a:stretch>
+            <a:fillRect/>
+          </a:stretch>
+        </p:blipFill>
+        <p:spPr>
+          <a:xfrm>
+            <a:off x="3360960" y="2129400"/>
+            <a:ext cx="685800" cy="507600"/>
+          </a:xfrm>
+          <a:prstGeom prst="rect">
+            <a:avLst/>
+          </a:prstGeom>
+          <a:ln w="0">
+            <a:noFill/>
+          </a:ln>
+        </p:spPr>
+      </p:pic>
+      <p:pic>
+        <p:nvPicPr>
+          <p:cNvPr id="45" name="图片 44"/>
+          <p:cNvPicPr/>
+          <p:nvPr/>
+        </p:nvPicPr>
+        <p:blipFill>
+          <a:blip r:embed="rId5"/>
+          <a:stretch>
+            <a:fillRect/>
+          </a:stretch>
+        </p:blipFill>
+        <p:spPr>
+          <a:xfrm>
+            <a:off x="2751480" y="2179800"/>
+            <a:ext cx="609480" cy="457200"/>
+          </a:xfrm>
+          <a:prstGeom prst="rect">
+            <a:avLst/>
+          </a:prstGeom>
+          <a:ln w="0">
+            <a:noFill/>
+          </a:ln>
+        </p:spPr>
+      </p:pic>
     </p:spTree>
   </p:cSld>
-  <p:clrMap bg1="lt1" bg2="lt2" tx1="dk1" tx2="dk2" accent1="accent1" accent2="accent2" accent3="accent3" accent4="accent4" accent5="accent5" accent6="accent6" hlink="hlink" folHlink="folHlink"/>
-  <p:sldLayoutIdLst>
-    <p:sldLayoutId id="2147483649" r:id="rId2"/>
-    <p:sldLayoutId id="2147483650" r:id="rId3"/>
-    <p:sldLayoutId id="2147483651" r:id="rId4"/>
-    <p:sldLayoutId id="2147483652" r:id="rId5"/>
-    <p:sldLayoutId id="2147483653" r:id="rId6"/>
-    <p:sldLayoutId id="2147483654" r:id="rId7"/>
-    <p:sldLayoutId id="2147483655" r:id="rId8"/>
-    <p:sldLayoutId id="2147483656" r:id="rId9"/>
-    <p:sldLayoutId id="2147483657" r:id="rId10"/>
-    <p:sldLayoutId id="2147483658" r:id="rId11"/>
-    <p:sldLayoutId id="2147483659" r:id="rId12"/>
-    <p:sldLayoutId id="2147483660" r:id="rId13"/>
-  </p:sldLayoutIdLst>
-</p:sldMaster>
+  <p:clrMapOvr>
+    <a:masterClrMapping/>
+  </p:clrMapOvr>
+  <mc:AlternateContent xmlns:mc="http://schemas.openxmlformats.org/markup-compatibility/2006">
+    <mc:Choice xmlns:p14="http://schemas.microsoft.com/office/powerpoint/2010/main" Requires="p14">
+      <p:transition spd="slow" p14:dur="2000"/>
+    </mc:Choice>
+    <mc:Fallback>
+      <p:transition spd="slow"/>
+    </mc:Fallback>
+  </mc:AlternateContent>
+</p:sld>
 </file>
 
-<file path=ppt/slides/slide1.xml><?xml version="1.0" encoding="utf-8"?>
-<p:sld xmlns:a="http://schemas.openxmlformats.org/drawingml/2006/main" xmlns:p="http://schemas.openxmlformats.org/presentationml/2006/main" xmlns:r="http://schemas.openxmlformats.org/officeDocument/2006/relationships" xmlns:p14="http://schemas.microsoft.com/office/powerpoint/2010/main" xmlns:p15="http://schemas.microsoft.com/office/powerpoint/2012/main" xmlns:mc="http://schemas.openxmlformats.org/markup-compatibility/2006">
+<file path=ppt/slides/slide10.xml><?xml version="1.0" encoding="utf-8"?>
+<p:sld xmlns:a="http://schemas.openxmlformats.org/drawingml/2006/main" xmlns:r="http://schemas.openxmlformats.org/officeDocument/2006/relationships" xmlns:p="http://schemas.openxmlformats.org/presentationml/2006/main">
   <p:cSld>
     <p:spTree>
       <p:nvGrpSpPr>
@@ -1464,7 +3421,7 @@
       </p:grpSpPr>
       <p:sp>
         <p:nvSpPr>
-          <p:cNvPr id="37" name="CustomShape 1"/>
+          <p:cNvPr id="71" name="CustomShape 1"/>
           <p:cNvSpPr/>
           <p:nvPr/>
         </p:nvSpPr>
@@ -1482,21 +3439,27 @@
           </a:ln>
         </p:spPr>
         <p:style>
-          <a:lnRef idx="0"/>
-          <a:fillRef idx="0"/>
-          <a:effectRef idx="0"/>
+          <a:lnRef idx="0">
+            <a:srgbClr val="FFFFFF"/>
+          </a:lnRef>
+          <a:fillRef idx="0">
+            <a:srgbClr val="FFFFFF"/>
+          </a:fillRef>
+          <a:effectRef idx="0">
+            <a:srgbClr val="FFFFFF"/>
+          </a:effectRef>
           <a:fontRef idx="minor"/>
         </p:style>
       </p:sp>
       <p:sp>
         <p:nvSpPr>
-          <p:cNvPr id="38" name="CustomShape 2"/>
+          <p:cNvPr id="72" name="CustomShape 2"/>
           <p:cNvSpPr/>
           <p:nvPr/>
         </p:nvSpPr>
         <p:spPr>
           <a:xfrm>
-            <a:off x="504000" y="1326600"/>
+            <a:off x="1371600" y="1284120"/>
             <a:ext cx="9071280" cy="3287880"/>
           </a:xfrm>
           <a:prstGeom prst="rect">
@@ -1508,22 +3471,28 @@
           </a:ln>
         </p:spPr>
         <p:style>
-          <a:lnRef idx="0"/>
-          <a:fillRef idx="0"/>
-          <a:effectRef idx="0"/>
+          <a:lnRef idx="0">
+            <a:srgbClr val="FFFFFF"/>
+          </a:lnRef>
+          <a:fillRef idx="0">
+            <a:srgbClr val="FFFFFF"/>
+          </a:fillRef>
+          <a:effectRef idx="0">
+            <a:srgbClr val="FFFFFF"/>
+          </a:effectRef>
           <a:fontRef idx="minor"/>
         </p:style>
       </p:sp>
       <p:sp>
         <p:nvSpPr>
-          <p:cNvPr id="39" name="TextShape 3"/>
+          <p:cNvPr id="73" name="TextShape 3"/>
           <p:cNvSpPr txBox="1"/>
           <p:nvPr/>
         </p:nvSpPr>
         <p:spPr>
           <a:xfrm>
-            <a:off x="685800" y="1215000"/>
-            <a:ext cx="6858000" cy="914400"/>
+            <a:off x="2286000" y="2286000"/>
+            <a:ext cx="5486400" cy="991080"/>
           </a:xfrm>
           <a:prstGeom prst="rect">
             <a:avLst/>
@@ -1534,231 +3503,29 @@
           </a:ln>
         </p:spPr>
         <p:txBody>
-          <a:bodyPr lIns="90000" rIns="90000" tIns="45000" bIns="45000">
+          <a:bodyPr lIns="90000" tIns="45000" rIns="90000" bIns="45000">
             <a:noAutofit/>
           </a:bodyPr>
           <a:p>
-            <a:pPr>
-              <a:lnSpc>
-                <a:spcPct val="100000"/>
-              </a:lnSpc>
-            </a:pPr>
             <a:r>
-              <a:rPr b="1" lang="en-US" sz="2400" spc="-1" strike="noStrike">
-                <a:latin typeface="Optima LT DemiBold"/>
+              <a:rPr lang="en-US" sz="2000" b="0" strike="noStrike" spc="-86">
+                <a:latin typeface="Optima LT Medium" panose="020B0400000000000000"/>
               </a:rPr>
-              <a:t>Exploring daily load clustering </a:t>
+              <a:t>Can autoencoders be used to cluster similar electrical load profiles?</a:t>
             </a:r>
-            <a:endParaRPr b="1" lang="en-US" sz="2400" spc="-1" strike="noStrike">
-              <a:latin typeface="Optima LT DemiBold"/>
-            </a:endParaRPr>
-          </a:p>
-          <a:p>
-            <a:pPr>
-              <a:lnSpc>
-                <a:spcPct val="100000"/>
-              </a:lnSpc>
-            </a:pPr>
-            <a:r>
-              <a:rPr b="1" lang="en-US" sz="2400" spc="-1" strike="noStrike">
-                <a:latin typeface="Optima LT DemiBold"/>
-              </a:rPr>
-              <a:t>with Convolutional Autoencoders</a:t>
-            </a:r>
-            <a:endParaRPr b="1" lang="en-US" sz="2400" spc="-1" strike="noStrike">
-              <a:latin typeface="Optima LT DemiBold"/>
-            </a:endParaRPr>
-          </a:p>
-        </p:txBody>
-      </p:sp>
-      <p:sp>
-        <p:nvSpPr>
-          <p:cNvPr id="40" name="TextShape 4"/>
-          <p:cNvSpPr txBox="1"/>
-          <p:nvPr/>
-        </p:nvSpPr>
-        <p:spPr>
-          <a:xfrm>
-            <a:off x="685800" y="3645000"/>
-            <a:ext cx="6858000" cy="541800"/>
-          </a:xfrm>
-          <a:prstGeom prst="rect">
-            <a:avLst/>
-          </a:prstGeom>
-          <a:noFill/>
-          <a:ln w="0">
-            <a:noFill/>
-          </a:ln>
-        </p:spPr>
-        <p:txBody>
-          <a:bodyPr lIns="90000" rIns="90000" tIns="45000" bIns="45000">
-            <a:noAutofit/>
-          </a:bodyPr>
-          <a:p>
-            <a:pPr>
-              <a:lnSpc>
-                <a:spcPct val="100000"/>
-              </a:lnSpc>
-            </a:pPr>
-            <a:r>
-              <a:rPr b="1" lang="en-US" sz="1600" spc="-86" strike="noStrike">
-                <a:latin typeface="Arial"/>
-              </a:rPr>
-              <a:t>Members : Chen Ang</a:t>
-            </a:r>
-            <a:endParaRPr b="1" lang="en-US" sz="1600" spc="-86" strike="noStrike">
-              <a:latin typeface="Arial"/>
-            </a:endParaRPr>
-          </a:p>
-          <a:p>
-            <a:pPr>
-              <a:lnSpc>
-                <a:spcPct val="100000"/>
-              </a:lnSpc>
-            </a:pPr>
-            <a:r>
-              <a:rPr b="1" lang="en-US" sz="1600" spc="-86" strike="noStrike">
-                <a:latin typeface="Arial"/>
-              </a:rPr>
-              <a:t>	</a:t>
-            </a:r>
-            <a:r>
-              <a:rPr b="1" lang="en-US" sz="1600" spc="-86" strike="noStrike">
-                <a:latin typeface="Arial"/>
-              </a:rPr>
-              <a:t>           </a:t>
-            </a:r>
-            <a:r>
-              <a:rPr b="1" lang="en-US" sz="1600" spc="-86" strike="noStrike">
-                <a:latin typeface="Arial"/>
-              </a:rPr>
-              <a:t>Fu Quanzhi</a:t>
-            </a:r>
-            <a:endParaRPr b="1" lang="en-US" sz="1600" spc="-86" strike="noStrike">
-              <a:latin typeface="Arial"/>
-            </a:endParaRPr>
-          </a:p>
-        </p:txBody>
-      </p:sp>
-      <p:pic>
-        <p:nvPicPr>
-          <p:cNvPr id="41" name="" descr=""/>
-          <p:cNvPicPr/>
-          <p:nvPr/>
-        </p:nvPicPr>
-        <p:blipFill>
-          <a:blip r:embed="rId1"/>
-          <a:stretch/>
-        </p:blipFill>
-        <p:spPr>
-          <a:xfrm>
-            <a:off x="2057400" y="2129400"/>
-            <a:ext cx="685800" cy="507600"/>
-          </a:xfrm>
-          <a:prstGeom prst="rect">
-            <a:avLst/>
-          </a:prstGeom>
-          <a:ln w="0">
-            <a:noFill/>
-          </a:ln>
-        </p:spPr>
-      </p:pic>
-      <p:pic>
-        <p:nvPicPr>
-          <p:cNvPr id="42" name="" descr=""/>
-          <p:cNvPicPr/>
-          <p:nvPr/>
-        </p:nvPicPr>
-        <p:blipFill>
-          <a:blip r:embed="rId2"/>
-          <a:stretch/>
-        </p:blipFill>
-        <p:spPr>
-          <a:xfrm>
-            <a:off x="685800" y="2129400"/>
-            <a:ext cx="685800" cy="514440"/>
-          </a:xfrm>
-          <a:prstGeom prst="rect">
-            <a:avLst/>
-          </a:prstGeom>
-          <a:ln w="0">
-            <a:noFill/>
-          </a:ln>
-        </p:spPr>
-      </p:pic>
-      <p:pic>
-        <p:nvPicPr>
-          <p:cNvPr id="43" name="" descr=""/>
-          <p:cNvPicPr/>
-          <p:nvPr/>
-        </p:nvPicPr>
-        <p:blipFill>
-          <a:blip r:embed="rId3"/>
-          <a:stretch/>
-        </p:blipFill>
-        <p:spPr>
-          <a:xfrm>
-            <a:off x="1371600" y="2129400"/>
-            <a:ext cx="685800" cy="507600"/>
-          </a:xfrm>
-          <a:prstGeom prst="rect">
-            <a:avLst/>
-          </a:prstGeom>
-          <a:ln w="0">
-            <a:noFill/>
-          </a:ln>
-        </p:spPr>
-      </p:pic>
-      <p:pic>
-        <p:nvPicPr>
-          <p:cNvPr id="44" name="" descr=""/>
-          <p:cNvPicPr/>
-          <p:nvPr/>
-        </p:nvPicPr>
-        <p:blipFill>
-          <a:blip r:embed="rId4"/>
-          <a:stretch/>
-        </p:blipFill>
-        <p:spPr>
-          <a:xfrm>
-            <a:off x="3360960" y="2129400"/>
-            <a:ext cx="685800" cy="507600"/>
-          </a:xfrm>
-          <a:prstGeom prst="rect">
-            <a:avLst/>
-          </a:prstGeom>
-          <a:ln w="0">
-            <a:noFill/>
-          </a:ln>
-        </p:spPr>
-      </p:pic>
-      <p:pic>
-        <p:nvPicPr>
-          <p:cNvPr id="45" name="" descr=""/>
-          <p:cNvPicPr/>
-          <p:nvPr/>
-        </p:nvPicPr>
-        <p:blipFill>
-          <a:blip r:embed="rId5"/>
-          <a:stretch/>
-        </p:blipFill>
-        <p:spPr>
-          <a:xfrm>
-            <a:off x="2751480" y="2179800"/>
-            <a:ext cx="609480" cy="457200"/>
-          </a:xfrm>
-          <a:prstGeom prst="rect">
-            <a:avLst/>
-          </a:prstGeom>
-          <a:ln w="0">
-            <a:noFill/>
-          </a:ln>
-        </p:spPr>
-      </p:pic>
+            <a:endParaRPr lang="en-US" sz="2000" b="0" strike="noStrike" spc="-86">
+              <a:latin typeface="Optima LT Medium" panose="020B0400000000000000"/>
+            </a:endParaRPr>
+          </a:p>
+        </p:txBody>
+      </p:sp>
     </p:spTree>
   </p:cSld>
-  <mc:AlternateContent>
-    <mc:Choice Requires="p14">
+  <p:clrMapOvr>
+    <a:masterClrMapping/>
+  </p:clrMapOvr>
+  <mc:AlternateContent xmlns:mc="http://schemas.openxmlformats.org/markup-compatibility/2006">
+    <mc:Choice xmlns:p14="http://schemas.microsoft.com/office/powerpoint/2010/main" Requires="p14">
       <p:transition spd="slow" p14:dur="2000"/>
     </mc:Choice>
     <mc:Fallback>
@@ -1768,8 +3535,8 @@
 </p:sld>
 </file>
 
-<file path=ppt/slides/slide2.xml><?xml version="1.0" encoding="utf-8"?>
-<p:sld xmlns:a="http://schemas.openxmlformats.org/drawingml/2006/main" xmlns:p="http://schemas.openxmlformats.org/presentationml/2006/main" xmlns:r="http://schemas.openxmlformats.org/officeDocument/2006/relationships" xmlns:p14="http://schemas.microsoft.com/office/powerpoint/2010/main" xmlns:p15="http://schemas.microsoft.com/office/powerpoint/2012/main" xmlns:mc="http://schemas.openxmlformats.org/markup-compatibility/2006">
+<file path=ppt/slides/slide11.xml><?xml version="1.0" encoding="utf-8"?>
+<p:sld xmlns:a="http://schemas.openxmlformats.org/drawingml/2006/main" xmlns:r="http://schemas.openxmlformats.org/officeDocument/2006/relationships" xmlns:p="http://schemas.openxmlformats.org/presentationml/2006/main">
   <p:cSld>
     <p:spTree>
       <p:nvGrpSpPr>
@@ -1787,7 +3554,7 @@
       </p:grpSpPr>
       <p:sp>
         <p:nvSpPr>
-          <p:cNvPr id="46" name="CustomShape 1"/>
+          <p:cNvPr id="74" name="CustomShape 1"/>
           <p:cNvSpPr/>
           <p:nvPr/>
         </p:nvSpPr>
@@ -1805,15 +3572,21 @@
           </a:ln>
         </p:spPr>
         <p:style>
-          <a:lnRef idx="0"/>
-          <a:fillRef idx="0"/>
-          <a:effectRef idx="0"/>
+          <a:lnRef idx="0">
+            <a:srgbClr val="FFFFFF"/>
+          </a:lnRef>
+          <a:fillRef idx="0">
+            <a:srgbClr val="FFFFFF"/>
+          </a:fillRef>
+          <a:effectRef idx="0">
+            <a:srgbClr val="FFFFFF"/>
+          </a:effectRef>
           <a:fontRef idx="minor"/>
         </p:style>
       </p:sp>
       <p:sp>
         <p:nvSpPr>
-          <p:cNvPr id="47" name="CustomShape 2"/>
+          <p:cNvPr id="75" name="CustomShape 2"/>
           <p:cNvSpPr/>
           <p:nvPr/>
         </p:nvSpPr>
@@ -1831,15 +3604,21 @@
           </a:ln>
         </p:spPr>
         <p:style>
-          <a:lnRef idx="0"/>
-          <a:fillRef idx="0"/>
-          <a:effectRef idx="0"/>
+          <a:lnRef idx="0">
+            <a:srgbClr val="FFFFFF"/>
+          </a:lnRef>
+          <a:fillRef idx="0">
+            <a:srgbClr val="FFFFFF"/>
+          </a:fillRef>
+          <a:effectRef idx="0">
+            <a:srgbClr val="FFFFFF"/>
+          </a:effectRef>
           <a:fontRef idx="minor"/>
         </p:style>
       </p:sp>
       <p:sp>
         <p:nvSpPr>
-          <p:cNvPr id="48" name="TextShape 3"/>
+          <p:cNvPr id="76" name="TextShape 3"/>
           <p:cNvSpPr txBox="1"/>
           <p:nvPr/>
         </p:nvSpPr>
@@ -1857,7 +3636,7 @@
           </a:ln>
         </p:spPr>
         <p:txBody>
-          <a:bodyPr lIns="90000" rIns="90000" tIns="45000" bIns="45000">
+          <a:bodyPr lIns="90000" tIns="45000" rIns="90000" bIns="45000">
             <a:noAutofit/>
           </a:bodyPr>
           <a:p>
@@ -1867,140 +3646,27 @@
               </a:lnSpc>
             </a:pPr>
             <a:r>
-              <a:rPr b="0" lang="en-US" sz="2400" spc="-1" strike="noStrike">
-                <a:latin typeface="Optima LT DemiBold"/>
+              <a:rPr lang="en-US" sz="2400" b="0" strike="noStrike" spc="-1">
+                <a:latin typeface="Optima LT DemiBold" panose="020B0400000000000000"/>
               </a:rPr>
-              <a:t>Background &amp; Motivation</a:t>
+              <a:t>Data Preprocessing</a:t>
             </a:r>
-            <a:endParaRPr b="0" lang="en-US" sz="2400" spc="-1" strike="noStrike">
-              <a:latin typeface="Optima LT DemiBold"/>
-            </a:endParaRPr>
-          </a:p>
-        </p:txBody>
-      </p:sp>
-      <p:pic>
-        <p:nvPicPr>
-          <p:cNvPr id="49" name="" descr=""/>
-          <p:cNvPicPr/>
-          <p:nvPr/>
-        </p:nvPicPr>
-        <p:blipFill>
-          <a:blip r:embed="rId1"/>
-          <a:stretch/>
-        </p:blipFill>
-        <p:spPr>
-          <a:xfrm>
-            <a:off x="48600" y="1143000"/>
-            <a:ext cx="6629400" cy="3059640"/>
-          </a:xfrm>
-          <a:prstGeom prst="rect">
-            <a:avLst/>
-          </a:prstGeom>
-          <a:ln w="0">
-            <a:noFill/>
-          </a:ln>
-        </p:spPr>
-      </p:pic>
-      <p:sp>
-        <p:nvSpPr>
-          <p:cNvPr id="50" name="CustomShape 4"/>
-          <p:cNvSpPr/>
-          <p:nvPr/>
-        </p:nvSpPr>
-        <p:spPr>
-          <a:xfrm>
-            <a:off x="2360520" y="3121560"/>
-            <a:ext cx="2151720" cy="775800"/>
-          </a:xfrm>
-          <a:prstGeom prst="rect">
-            <a:avLst/>
-          </a:prstGeom>
-          <a:solidFill>
-            <a:srgbClr val="ffffff"/>
-          </a:solidFill>
-          <a:ln w="0">
-            <a:solidFill>
-              <a:srgbClr val="ffffff"/>
-            </a:solidFill>
-          </a:ln>
-        </p:spPr>
-        <p:style>
-          <a:lnRef idx="0"/>
-          <a:fillRef idx="0"/>
-          <a:effectRef idx="0"/>
-          <a:fontRef idx="minor"/>
-        </p:style>
-      </p:sp>
-      <p:sp>
-        <p:nvSpPr>
-          <p:cNvPr id="51" name="CustomShape 5"/>
-          <p:cNvSpPr/>
-          <p:nvPr/>
-        </p:nvSpPr>
-        <p:spPr>
-          <a:xfrm>
-            <a:off x="2782080" y="2915640"/>
-            <a:ext cx="781200" cy="578160"/>
-          </a:xfrm>
-          <a:prstGeom prst="rect">
-            <a:avLst/>
-          </a:prstGeom>
-          <a:solidFill>
-            <a:srgbClr val="ffffff"/>
-          </a:solidFill>
-          <a:ln w="0">
-            <a:solidFill>
-              <a:srgbClr val="ffffff"/>
-            </a:solidFill>
-          </a:ln>
-        </p:spPr>
-        <p:style>
-          <a:lnRef idx="0"/>
-          <a:fillRef idx="0"/>
-          <a:effectRef idx="0"/>
-          <a:fontRef idx="minor"/>
-        </p:style>
-      </p:sp>
-      <p:sp>
-        <p:nvSpPr>
-          <p:cNvPr id="52" name="CustomShape 6"/>
-          <p:cNvSpPr/>
-          <p:nvPr/>
-        </p:nvSpPr>
-        <p:spPr>
-          <a:xfrm>
-            <a:off x="1208880" y="1143000"/>
-            <a:ext cx="4048560" cy="569880"/>
-          </a:xfrm>
-          <a:prstGeom prst="rect">
-            <a:avLst/>
-          </a:prstGeom>
-          <a:solidFill>
-            <a:srgbClr val="ffffff"/>
-          </a:solidFill>
-          <a:ln w="0">
-            <a:solidFill>
-              <a:srgbClr val="ffffff"/>
-            </a:solidFill>
-          </a:ln>
-        </p:spPr>
-        <p:style>
-          <a:lnRef idx="0"/>
-          <a:fillRef idx="0"/>
-          <a:effectRef idx="0"/>
-          <a:fontRef idx="minor"/>
-        </p:style>
-      </p:sp>
-      <p:sp>
-        <p:nvSpPr>
-          <p:cNvPr id="53" name="TextShape 7"/>
+            <a:endParaRPr lang="en-US" sz="2400" b="0" strike="noStrike" spc="-1">
+              <a:latin typeface="Optima LT DemiBold" panose="020B0400000000000000"/>
+            </a:endParaRPr>
+          </a:p>
+        </p:txBody>
+      </p:sp>
+      <p:sp>
+        <p:nvSpPr>
+          <p:cNvPr id="77" name="TextShape 4"/>
           <p:cNvSpPr txBox="1"/>
           <p:nvPr/>
         </p:nvSpPr>
         <p:spPr>
           <a:xfrm>
-            <a:off x="170640" y="4369680"/>
-            <a:ext cx="6448680" cy="430920"/>
+            <a:off x="678180" y="978535"/>
+            <a:ext cx="7245985" cy="991235"/>
           </a:xfrm>
           <a:prstGeom prst="rect">
             <a:avLst/>
@@ -2011,130 +3677,223 @@
           </a:ln>
         </p:spPr>
         <p:txBody>
-          <a:bodyPr lIns="90000" rIns="90000" tIns="45000" bIns="45000">
+          <a:bodyPr lIns="90000" tIns="45000" rIns="90000" bIns="45000">
             <a:noAutofit/>
           </a:bodyPr>
           <a:p>
-            <a:pPr algn="ctr">
-              <a:lnSpc>
-                <a:spcPct val="100000"/>
-              </a:lnSpc>
-            </a:pPr>
             <a:r>
-              <a:rPr b="0" lang="en-US" sz="1600" spc="-86" strike="noStrike">
-                <a:latin typeface="Optima LT DemiBold"/>
+              <a:rPr lang="en-US" sz="2000" b="1" strike="noStrike" spc="-86">
+                <a:latin typeface="Optima LT Medium" panose="020B0400000000000000"/>
               </a:rPr>
-              <a:t>A generic autoencoder</a:t>
+              <a:t>1.</a:t>
             </a:r>
-            <a:endParaRPr b="0" lang="en-US" sz="1600" spc="-86" strike="noStrike">
-              <a:latin typeface="Optima LT DemiBold"/>
+            <a:r>
+              <a:rPr lang="en-US" sz="2000" b="0" strike="noStrike" spc="-86">
+                <a:latin typeface="Optima LT Medium" panose="020B0400000000000000"/>
+              </a:rPr>
+              <a:t> Divide load data of each resident                          by days:  </a:t>
+            </a:r>
+            <a:endParaRPr lang="en-US" sz="2000" b="0" strike="noStrike" spc="-86">
+              <a:latin typeface="Optima LT Medium" panose="020B0400000000000000"/>
+            </a:endParaRPr>
+          </a:p>
+          <a:p>
+            <a:r>
+              <a:rPr lang="en-US" sz="2000" b="0" strike="noStrike" spc="-86">
+                <a:latin typeface="Optima LT Medium" panose="020B0400000000000000"/>
+              </a:rPr>
+              <a:t>    (days containing missing data are discarded)</a:t>
+            </a:r>
+            <a:endParaRPr lang="en-US" sz="2000" b="0" strike="noStrike" spc="-86">
+              <a:latin typeface="Optima LT Medium" panose="020B0400000000000000"/>
+            </a:endParaRPr>
+          </a:p>
+          <a:p>
+            <a:endParaRPr lang="en-US" sz="2000" b="0" strike="noStrike" spc="-86">
+              <a:latin typeface="Optima LT Medium" panose="020B0400000000000000"/>
+            </a:endParaRPr>
+          </a:p>
+          <a:p>
+            <a:endParaRPr lang="en-US" sz="2000" b="1" strike="noStrike" spc="-86">
+              <a:latin typeface="Optima LT Medium" panose="020B0400000000000000"/>
+            </a:endParaRPr>
+          </a:p>
+          <a:p>
+            <a:r>
+              <a:rPr lang="en-US" sz="2000" b="1" strike="noStrike" spc="-86">
+                <a:latin typeface="Optima LT Medium" panose="020B0400000000000000"/>
+              </a:rPr>
+              <a:t>2.</a:t>
+            </a:r>
+            <a:r>
+              <a:rPr lang="en-US" sz="2000" b="0" strike="noStrike" spc="-86">
+                <a:latin typeface="Optima LT Medium" panose="020B0400000000000000"/>
+              </a:rPr>
+              <a:t> Compute average daily profile in $D$ days:</a:t>
+            </a:r>
+            <a:endParaRPr lang="en-US" sz="2000" b="0" strike="noStrike" spc="-86">
+              <a:latin typeface="Optima LT Medium" panose="020B0400000000000000"/>
+            </a:endParaRPr>
+          </a:p>
+          <a:p>
+            <a:endParaRPr lang="en-US" sz="2000" b="0" strike="noStrike" spc="-86">
+              <a:latin typeface="Optima LT Medium" panose="020B0400000000000000"/>
+            </a:endParaRPr>
+          </a:p>
+          <a:p>
+            <a:endParaRPr lang="en-US" sz="2000" b="0" strike="noStrike" spc="-86">
+              <a:latin typeface="Optima LT Medium" panose="020B0400000000000000"/>
+            </a:endParaRPr>
+          </a:p>
+          <a:p>
+            <a:endParaRPr lang="en-US" sz="2000" b="1" strike="noStrike" spc="-86">
+              <a:latin typeface="Optima LT Medium" panose="020B0400000000000000"/>
+            </a:endParaRPr>
+          </a:p>
+          <a:p>
+            <a:r>
+              <a:rPr lang="en-US" sz="2000" b="1" strike="noStrike" spc="-86">
+                <a:latin typeface="Optima LT Medium" panose="020B0400000000000000"/>
+              </a:rPr>
+              <a:t>3.</a:t>
+            </a:r>
+            <a:r>
+              <a:rPr lang="en-US" sz="2000" b="0" strike="noStrike" spc="-86">
+                <a:latin typeface="Optima LT Medium" panose="020B0400000000000000"/>
+              </a:rPr>
+              <a:t> We are interested in the </a:t>
+            </a:r>
+            <a:r>
+              <a:rPr lang="en-US" sz="2000" b="0" i="1" strike="noStrike" spc="-86">
+                <a:latin typeface="Optima LT Medium" panose="020B0400000000000000"/>
+              </a:rPr>
+              <a:t>relative distribution</a:t>
+            </a:r>
+            <a:r>
+              <a:rPr lang="en-US" sz="2000" b="0" strike="noStrike" spc="-86">
+                <a:latin typeface="Optima LT Medium" panose="020B0400000000000000"/>
+              </a:rPr>
+              <a:t> of electrical load across a day. Therefore $L_i$ is further normalized to lie within $[0, 1]$.</a:t>
+            </a:r>
+            <a:endParaRPr lang="en-US" sz="2000" b="0" strike="noStrike" spc="-86">
+              <a:latin typeface="Optima LT Medium" panose="020B0400000000000000"/>
+            </a:endParaRPr>
+          </a:p>
+          <a:p>
+            <a:endParaRPr lang="en-US" sz="2000" b="0" strike="noStrike" spc="-86">
+              <a:latin typeface="Optima LT Medium" panose="020B0400000000000000"/>
+            </a:endParaRPr>
+          </a:p>
+          <a:p>
+            <a:r>
+              <a:rPr lang="en-US" sz="2000" b="0" strike="noStrike" spc="-86">
+                <a:latin typeface="Optima LT Medium" panose="020B0400000000000000"/>
+              </a:rPr>
+              <a:t>TODO: Put some profiles here</a:t>
+            </a:r>
+            <a:endParaRPr lang="en-US" sz="2000" b="0" strike="noStrike" spc="-86">
+              <a:latin typeface="Optima LT Medium" panose="020B0400000000000000"/>
             </a:endParaRPr>
           </a:p>
         </p:txBody>
       </p:sp>
       <p:pic>
         <p:nvPicPr>
-          <p:cNvPr id="54" name="" descr=""/>
-          <p:cNvPicPr/>
+          <p:cNvPr id="3" name="图片 2" descr="equation (4)"/>
+          <p:cNvPicPr>
+            <a:picLocks noChangeAspect="1"/>
+          </p:cNvPicPr>
           <p:nvPr/>
         </p:nvPicPr>
         <p:blipFill>
-          <a:blip r:embed="rId2"/>
-          <a:stretch/>
+          <a:blip r:embed="rId1">
+            <a:extLst>
+              <a:ext uri="{96DAC541-7B7A-43D3-8B79-37D633B846F1}">
+                <asvg:svgBlip xmlns:asvg="http://schemas.microsoft.com/office/drawing/2016/SVG/main" r:embed="rId2"/>
+              </a:ext>
+            </a:extLst>
+          </a:blip>
+          <a:stretch>
+            <a:fillRect/>
+          </a:stretch>
         </p:blipFill>
         <p:spPr>
           <a:xfrm>
-            <a:off x="6977160" y="2148120"/>
-            <a:ext cx="1891440" cy="389520"/>
-          </a:xfrm>
-          <a:prstGeom prst="rect">
-            <a:avLst/>
-          </a:prstGeom>
-          <a:ln w="0">
-            <a:noFill/>
-          </a:ln>
+            <a:off x="4569460" y="1097915"/>
+            <a:ext cx="1217295" cy="201295"/>
+          </a:xfrm>
+          <a:prstGeom prst="rect">
+            <a:avLst/>
+          </a:prstGeom>
         </p:spPr>
       </p:pic>
-      <p:sp>
-        <p:nvSpPr>
-          <p:cNvPr id="55" name="TextShape 8"/>
-          <p:cNvSpPr txBox="1"/>
-          <p:nvPr/>
-        </p:nvSpPr>
-        <p:spPr>
-          <a:xfrm>
-            <a:off x="7652880" y="2728800"/>
-            <a:ext cx="1755720" cy="541440"/>
-          </a:xfrm>
-          <a:prstGeom prst="rect">
-            <a:avLst/>
-          </a:prstGeom>
-          <a:noFill/>
-          <a:ln w="0">
-            <a:noFill/>
-          </a:ln>
-        </p:spPr>
-        <p:txBody>
-          <a:bodyPr lIns="90000" rIns="90000" tIns="45000" bIns="45000">
-            <a:noAutofit/>
-          </a:bodyPr>
-          <a:p>
-            <a:pPr>
-              <a:lnSpc>
-                <a:spcPct val="100000"/>
-              </a:lnSpc>
-            </a:pPr>
-            <a:r>
-              <a:rPr b="0" lang="en-US" sz="1500" spc="-86" strike="noStrike">
-                <a:latin typeface="Optima LT Medium"/>
-              </a:rPr>
-              <a:t>low dimensional </a:t>
-            </a:r>
-            <a:r>
-              <a:rPr b="0" i="1" lang="en-US" sz="1500" spc="-86" strike="noStrike">
-                <a:latin typeface="Optima LT Medium"/>
-              </a:rPr>
-              <a:t>latent</a:t>
-            </a:r>
-            <a:r>
-              <a:rPr b="0" lang="en-US" sz="1500" spc="-86" strike="noStrike">
-                <a:latin typeface="Optima LT Medium"/>
-              </a:rPr>
-              <a:t> variable.</a:t>
-            </a:r>
-            <a:endParaRPr b="0" lang="en-US" sz="1500" spc="-86" strike="noStrike">
-              <a:latin typeface="Optima LT Medium"/>
-            </a:endParaRPr>
-          </a:p>
-        </p:txBody>
-      </p:sp>
       <p:pic>
         <p:nvPicPr>
-          <p:cNvPr id="56" name="" descr=""/>
-          <p:cNvPicPr/>
+          <p:cNvPr id="4" name="图片 3" descr="pinR"/>
+          <p:cNvPicPr>
+            <a:picLocks noChangeAspect="1"/>
+          </p:cNvPicPr>
           <p:nvPr/>
         </p:nvPicPr>
         <p:blipFill>
-          <a:blip r:embed="rId3"/>
-          <a:stretch/>
+          <a:blip r:embed="rId3">
+            <a:extLst>
+              <a:ext uri="{96DAC541-7B7A-43D3-8B79-37D633B846F1}">
+                <asvg:svgBlip xmlns:asvg="http://schemas.microsoft.com/office/drawing/2016/SVG/main" r:embed="rId4"/>
+              </a:ext>
+            </a:extLst>
+          </a:blip>
+          <a:stretch>
+            <a:fillRect/>
+          </a:stretch>
         </p:blipFill>
         <p:spPr>
           <a:xfrm>
-            <a:off x="7002000" y="2744640"/>
-            <a:ext cx="687240" cy="205560"/>
-          </a:xfrm>
-          <a:prstGeom prst="rect">
-            <a:avLst/>
-          </a:prstGeom>
-          <a:ln w="0">
-            <a:noFill/>
-          </a:ln>
+            <a:off x="3961765" y="1771650"/>
+            <a:ext cx="1028700" cy="295275"/>
+          </a:xfrm>
+          <a:prstGeom prst="rect">
+            <a:avLst/>
+          </a:prstGeom>
+        </p:spPr>
+      </p:pic>
+      <p:pic>
+        <p:nvPicPr>
+          <p:cNvPr id="7" name="图片 6" descr="avg"/>
+          <p:cNvPicPr>
+            <a:picLocks noChangeAspect="1"/>
+          </p:cNvPicPr>
+          <p:nvPr/>
+        </p:nvPicPr>
+        <p:blipFill>
+          <a:blip r:embed="rId5">
+            <a:extLst>
+              <a:ext uri="{96DAC541-7B7A-43D3-8B79-37D633B846F1}">
+                <asvg:svgBlip xmlns:asvg="http://schemas.microsoft.com/office/drawing/2016/SVG/main" r:embed="rId6"/>
+              </a:ext>
+            </a:extLst>
+          </a:blip>
+          <a:stretch>
+            <a:fillRect/>
+          </a:stretch>
+        </p:blipFill>
+        <p:spPr>
+          <a:xfrm>
+            <a:off x="3718560" y="2709545"/>
+            <a:ext cx="1514475" cy="571500"/>
+          </a:xfrm>
+          <a:prstGeom prst="rect">
+            <a:avLst/>
+          </a:prstGeom>
         </p:spPr>
       </p:pic>
     </p:spTree>
   </p:cSld>
-  <mc:AlternateContent>
-    <mc:Choice Requires="p14">
+  <p:clrMapOvr>
+    <a:masterClrMapping/>
+  </p:clrMapOvr>
+  <mc:AlternateContent xmlns:mc="http://schemas.openxmlformats.org/markup-compatibility/2006">
+    <mc:Choice xmlns:p14="http://schemas.microsoft.com/office/powerpoint/2010/main" Requires="p14">
       <p:transition spd="slow" p14:dur="2000"/>
     </mc:Choice>
     <mc:Fallback>
@@ -2144,8 +3903,8 @@
 </p:sld>
 </file>
 
-<file path=ppt/slides/slide3.xml><?xml version="1.0" encoding="utf-8"?>
-<p:sld xmlns:a="http://schemas.openxmlformats.org/drawingml/2006/main" xmlns:p="http://schemas.openxmlformats.org/presentationml/2006/main" xmlns:r="http://schemas.openxmlformats.org/officeDocument/2006/relationships" xmlns:p14="http://schemas.microsoft.com/office/powerpoint/2010/main" xmlns:p15="http://schemas.microsoft.com/office/powerpoint/2012/main" xmlns:mc="http://schemas.openxmlformats.org/markup-compatibility/2006">
+<file path=ppt/slides/slide12.xml><?xml version="1.0" encoding="utf-8"?>
+<p:sld xmlns:a="http://schemas.openxmlformats.org/drawingml/2006/main" xmlns:r="http://schemas.openxmlformats.org/officeDocument/2006/relationships" xmlns:p="http://schemas.openxmlformats.org/presentationml/2006/main">
   <p:cSld>
     <p:spTree>
       <p:nvGrpSpPr>
@@ -2163,43 +3922,13 @@
       </p:grpSpPr>
       <p:sp>
         <p:nvSpPr>
-          <p:cNvPr id="57" name="CustomShape 1"/>
+          <p:cNvPr id="74" name="CustomShape 1"/>
           <p:cNvSpPr/>
           <p:nvPr/>
         </p:nvSpPr>
         <p:spPr>
           <a:xfrm>
-            <a:off x="4921200" y="2815200"/>
-            <a:ext cx="457200" cy="457200"/>
-          </a:xfrm>
-          <a:prstGeom prst="rect">
-            <a:avLst/>
-          </a:prstGeom>
-          <a:solidFill>
-            <a:srgbClr val="ff6d6d"/>
-          </a:solidFill>
-          <a:ln w="0">
-            <a:solidFill>
-              <a:srgbClr val="ff6d6d"/>
-            </a:solidFill>
-          </a:ln>
-        </p:spPr>
-        <p:style>
-          <a:lnRef idx="0"/>
-          <a:fillRef idx="0"/>
-          <a:effectRef idx="0"/>
-          <a:fontRef idx="minor"/>
-        </p:style>
-      </p:sp>
-      <p:sp>
-        <p:nvSpPr>
-          <p:cNvPr id="58" name="CustomShape 2"/>
-          <p:cNvSpPr/>
-          <p:nvPr/>
-        </p:nvSpPr>
-        <p:spPr>
-          <a:xfrm>
-            <a:off x="72720" y="328680"/>
+            <a:off x="504000" y="63360"/>
             <a:ext cx="9071280" cy="1271520"/>
           </a:xfrm>
           <a:prstGeom prst="rect">
@@ -2211,22 +3940,28 @@
           </a:ln>
         </p:spPr>
         <p:style>
-          <a:lnRef idx="0"/>
-          <a:fillRef idx="0"/>
-          <a:effectRef idx="0"/>
+          <a:lnRef idx="0">
+            <a:srgbClr val="FFFFFF"/>
+          </a:lnRef>
+          <a:fillRef idx="0">
+            <a:srgbClr val="FFFFFF"/>
+          </a:fillRef>
+          <a:effectRef idx="0">
+            <a:srgbClr val="FFFFFF"/>
+          </a:effectRef>
           <a:fontRef idx="minor"/>
         </p:style>
       </p:sp>
       <p:sp>
         <p:nvSpPr>
-          <p:cNvPr id="59" name="CustomShape 3"/>
-          <p:cNvSpPr/>
-          <p:nvPr/>
-        </p:nvSpPr>
-        <p:spPr>
-          <a:xfrm>
-            <a:off x="1371600" y="1284120"/>
-            <a:ext cx="9071280" cy="3287880"/>
+          <p:cNvPr id="76" name="TextShape 3"/>
+          <p:cNvSpPr txBox="1"/>
+          <p:nvPr/>
+        </p:nvSpPr>
+        <p:spPr>
+          <a:xfrm>
+            <a:off x="685800" y="300600"/>
+            <a:ext cx="6858000" cy="457200"/>
           </a:xfrm>
           <a:prstGeom prst="rect">
             <a:avLst/>
@@ -2236,34 +3971,8 @@
             <a:noFill/>
           </a:ln>
         </p:spPr>
-        <p:style>
-          <a:lnRef idx="0"/>
-          <a:fillRef idx="0"/>
-          <a:effectRef idx="0"/>
-          <a:fontRef idx="minor"/>
-        </p:style>
-      </p:sp>
-      <p:sp>
-        <p:nvSpPr>
-          <p:cNvPr id="60" name="TextShape 4"/>
-          <p:cNvSpPr txBox="1"/>
-          <p:nvPr/>
-        </p:nvSpPr>
-        <p:spPr>
-          <a:xfrm>
-            <a:off x="685800" y="300600"/>
-            <a:ext cx="6858000" cy="457200"/>
-          </a:xfrm>
-          <a:prstGeom prst="rect">
-            <a:avLst/>
-          </a:prstGeom>
-          <a:noFill/>
-          <a:ln w="0">
-            <a:noFill/>
-          </a:ln>
-        </p:spPr>
-        <p:txBody>
-          <a:bodyPr lIns="90000" rIns="90000" tIns="45000" bIns="45000">
+        <p:txBody>
+          <a:bodyPr lIns="90000" tIns="45000" rIns="90000" bIns="45000">
             <a:noAutofit/>
           </a:bodyPr>
           <a:p>
@@ -2273,293 +3982,239 @@
               </a:lnSpc>
             </a:pPr>
             <a:r>
-              <a:rPr b="0" lang="en-US" sz="2400" spc="-1" strike="noStrike">
-                <a:latin typeface="Optima LT DemiBold"/>
+              <a:rPr lang="en-US" sz="2400" spc="-1">
+                <a:latin typeface="Optima LT DemiBold" panose="020B0400000000000000"/>
+                <a:sym typeface="+mn-ea"/>
               </a:rPr>
-              <a:t>PCA is a linear</a:t>
+              <a:t>Problem Formulation (Cont'd)</a:t>
             </a:r>
+            <a:endParaRPr lang="en-US" sz="2400" b="0" strike="noStrike" spc="-1">
+              <a:latin typeface="Optima LT DemiBold" panose="020B0400000000000000"/>
+            </a:endParaRPr>
+          </a:p>
+        </p:txBody>
+      </p:sp>
+      <p:sp>
+        <p:nvSpPr>
+          <p:cNvPr id="5" name="文本框 4"/>
+          <p:cNvSpPr txBox="1"/>
+          <p:nvPr/>
+        </p:nvSpPr>
+        <p:spPr>
+          <a:xfrm>
+            <a:off x="685800" y="1364615"/>
+            <a:ext cx="2540000" cy="368300"/>
+          </a:xfrm>
+          <a:prstGeom prst="rect">
+            <a:avLst/>
+          </a:prstGeom>
+          <a:noFill/>
+        </p:spPr>
+        <p:txBody>
+          <a:bodyPr wrap="square" rtlCol="0" anchor="t">
+            <a:spAutoFit/>
+          </a:bodyPr>
+          <a:p>
             <a:r>
-              <a:rPr b="0" lang="en-US" sz="2400" spc="-1" strike="noStrike">
-                <a:latin typeface="Optima LT DemiBold"/>
+              <a:rPr lang="en-US" i="1" spc="-86">
+                <a:latin typeface="Optima LT Medium" panose="020B0400000000000000"/>
+                <a:sym typeface="+mn-ea"/>
               </a:rPr>
-              <a:t> autoencoder</a:t>
+              <a:t>Naive K-means</a:t>
             </a:r>
-            <a:endParaRPr b="0" lang="en-US" sz="2400" spc="-1" strike="noStrike">
-              <a:latin typeface="Optima LT DemiBold"/>
-            </a:endParaRPr>
+            <a:endParaRPr lang="zh-CN" altLang="en-US"/>
           </a:p>
         </p:txBody>
       </p:sp>
       <p:pic>
         <p:nvPicPr>
-          <p:cNvPr id="61" name="" descr=""/>
-          <p:cNvPicPr/>
+          <p:cNvPr id="7" name="图片 6" descr="groupmean"/>
+          <p:cNvPicPr>
+            <a:picLocks noChangeAspect="1"/>
+          </p:cNvPicPr>
           <p:nvPr/>
         </p:nvPicPr>
         <p:blipFill>
           <a:blip r:embed="rId1">
-            <a:alphaModFix amt="75000"/>
+            <a:extLst>
+              <a:ext uri="{96DAC541-7B7A-43D3-8B79-37D633B846F1}">
+                <asvg:svgBlip xmlns:asvg="http://schemas.microsoft.com/office/drawing/2016/SVG/main" r:embed="rId2"/>
+              </a:ext>
+            </a:extLst>
           </a:blip>
-          <a:stretch/>
+          <a:stretch>
+            <a:fillRect/>
+          </a:stretch>
         </p:blipFill>
         <p:spPr>
           <a:xfrm>
-            <a:off x="2250000" y="2882520"/>
-            <a:ext cx="423360" cy="317880"/>
-          </a:xfrm>
-          <a:prstGeom prst="rect">
-            <a:avLst/>
-          </a:prstGeom>
-          <a:ln w="0">
-            <a:solidFill>
-              <a:srgbClr val="3465a4"/>
-            </a:solidFill>
-          </a:ln>
-        </p:spPr>
-      </p:pic>
-      <p:sp>
-        <p:nvSpPr>
-          <p:cNvPr id="62" name="Line 5"/>
-          <p:cNvSpPr/>
-          <p:nvPr/>
-        </p:nvSpPr>
-        <p:spPr>
-          <a:xfrm>
-            <a:off x="2791800" y="3043800"/>
-            <a:ext cx="2057400" cy="0"/>
-          </a:xfrm>
-          <a:prstGeom prst="line">
-            <a:avLst/>
-          </a:prstGeom>
-          <a:ln w="0">
-            <a:solidFill>
-              <a:srgbClr val="999999"/>
-            </a:solidFill>
-            <a:tailEnd len="med" type="triangle" w="med"/>
-          </a:ln>
-        </p:spPr>
-        <p:style>
-          <a:lnRef idx="0"/>
-          <a:fillRef idx="0"/>
-          <a:effectRef idx="0"/>
-          <a:fontRef idx="minor"/>
-        </p:style>
-      </p:sp>
-      <p:pic>
-        <p:nvPicPr>
-          <p:cNvPr id="63" name="" descr=""/>
-          <p:cNvPicPr/>
-          <p:nvPr/>
-        </p:nvPicPr>
-        <p:blipFill>
-          <a:blip r:embed="rId2"/>
-          <a:stretch/>
-        </p:blipFill>
-        <p:spPr>
-          <a:xfrm>
-            <a:off x="5029200" y="2935080"/>
-            <a:ext cx="265320" cy="230040"/>
-          </a:xfrm>
-          <a:prstGeom prst="rect">
-            <a:avLst/>
-          </a:prstGeom>
-          <a:ln w="0">
-            <a:noFill/>
-          </a:ln>
+            <a:off x="807085" y="2671445"/>
+            <a:ext cx="1447800" cy="581025"/>
+          </a:xfrm>
+          <a:prstGeom prst="rect">
+            <a:avLst/>
+          </a:prstGeom>
         </p:spPr>
       </p:pic>
       <p:pic>
         <p:nvPicPr>
-          <p:cNvPr id="64" name="" descr=""/>
-          <p:cNvPicPr/>
+          <p:cNvPr id="9" name="图片 8" descr="obj"/>
+          <p:cNvPicPr>
+            <a:picLocks noChangeAspect="1"/>
+          </p:cNvPicPr>
           <p:nvPr/>
         </p:nvPicPr>
         <p:blipFill>
-          <a:blip r:embed="rId3"/>
-          <a:stretch/>
+          <a:blip r:embed="rId3">
+            <a:extLst>
+              <a:ext uri="{96DAC541-7B7A-43D3-8B79-37D633B846F1}">
+                <asvg:svgBlip xmlns:asvg="http://schemas.microsoft.com/office/drawing/2016/SVG/main" r:embed="rId4"/>
+              </a:ext>
+            </a:extLst>
+          </a:blip>
+          <a:stretch>
+            <a:fillRect/>
+          </a:stretch>
         </p:blipFill>
         <p:spPr>
           <a:xfrm>
-            <a:off x="7537320" y="2632320"/>
-            <a:ext cx="603360" cy="567000"/>
-          </a:xfrm>
-          <a:prstGeom prst="rect">
-            <a:avLst/>
-          </a:prstGeom>
-          <a:ln w="0">
-            <a:noFill/>
-          </a:ln>
-        </p:spPr>
-      </p:pic>
-      <p:sp>
-        <p:nvSpPr>
-          <p:cNvPr id="65" name="Line 6"/>
-          <p:cNvSpPr/>
-          <p:nvPr/>
-        </p:nvSpPr>
-        <p:spPr>
-          <a:xfrm>
-            <a:off x="5414400" y="3043800"/>
-            <a:ext cx="2057400" cy="0"/>
-          </a:xfrm>
-          <a:prstGeom prst="line">
-            <a:avLst/>
-          </a:prstGeom>
-          <a:ln w="0">
-            <a:solidFill>
-              <a:srgbClr val="999999"/>
-            </a:solidFill>
-            <a:tailEnd len="med" type="triangle" w="med"/>
-          </a:ln>
-        </p:spPr>
-        <p:style>
-          <a:lnRef idx="0"/>
-          <a:fillRef idx="0"/>
-          <a:effectRef idx="0"/>
-          <a:fontRef idx="minor"/>
-        </p:style>
-      </p:sp>
-      <p:pic>
-        <p:nvPicPr>
-          <p:cNvPr id="66" name="" descr=""/>
-          <p:cNvPicPr/>
-          <p:nvPr/>
-        </p:nvPicPr>
-        <p:blipFill>
-          <a:blip r:embed="rId4">
-            <a:alphaModFix amt="41000"/>
-          </a:blip>
-          <a:stretch/>
-        </p:blipFill>
-        <p:spPr>
-          <a:xfrm>
-            <a:off x="5562720" y="2057400"/>
-            <a:ext cx="1716480" cy="639000"/>
-          </a:xfrm>
-          <a:prstGeom prst="rect">
-            <a:avLst/>
-          </a:prstGeom>
-          <a:ln w="0">
-            <a:noFill/>
-          </a:ln>
+            <a:off x="749300" y="2004695"/>
+            <a:ext cx="2476500" cy="666750"/>
+          </a:xfrm>
+          <a:prstGeom prst="rect">
+            <a:avLst/>
+          </a:prstGeom>
         </p:spPr>
       </p:pic>
       <p:pic>
         <p:nvPicPr>
-          <p:cNvPr id="67" name="" descr=""/>
-          <p:cNvPicPr/>
+          <p:cNvPr id="12" name="图片 11" descr="nb"/>
+          <p:cNvPicPr>
+            <a:picLocks noChangeAspect="1"/>
+          </p:cNvPicPr>
           <p:nvPr/>
         </p:nvPicPr>
         <p:blipFill>
           <a:blip r:embed="rId5">
-            <a:alphaModFix amt="75000"/>
+            <a:extLst>
+              <a:ext uri="{96DAC541-7B7A-43D3-8B79-37D633B846F1}">
+                <asvg:svgBlip xmlns:asvg="http://schemas.microsoft.com/office/drawing/2016/SVG/main" r:embed="rId6"/>
+              </a:ext>
+            </a:extLst>
           </a:blip>
-          <a:stretch/>
+          <a:stretch>
+            <a:fillRect/>
+          </a:stretch>
         </p:blipFill>
         <p:spPr>
           <a:xfrm>
-            <a:off x="3200400" y="1828800"/>
-            <a:ext cx="1194840" cy="921240"/>
-          </a:xfrm>
-          <a:prstGeom prst="rect">
-            <a:avLst/>
-          </a:prstGeom>
-          <a:ln w="0">
-            <a:noFill/>
-          </a:ln>
+            <a:off x="4612005" y="2004695"/>
+            <a:ext cx="2390775" cy="666750"/>
+          </a:xfrm>
+          <a:prstGeom prst="rect">
+            <a:avLst/>
+          </a:prstGeom>
         </p:spPr>
       </p:pic>
       <p:pic>
         <p:nvPicPr>
-          <p:cNvPr id="68" name="" descr=""/>
-          <p:cNvPicPr/>
+          <p:cNvPr id="13" name="图片 12" descr="nbmean"/>
+          <p:cNvPicPr>
+            <a:picLocks noChangeAspect="1"/>
+          </p:cNvPicPr>
           <p:nvPr/>
         </p:nvPicPr>
         <p:blipFill>
-          <a:blip r:embed="rId6"/>
-          <a:stretch/>
+          <a:blip r:embed="rId7">
+            <a:extLst>
+              <a:ext uri="{96DAC541-7B7A-43D3-8B79-37D633B846F1}">
+                <asvg:svgBlip xmlns:asvg="http://schemas.microsoft.com/office/drawing/2016/SVG/main" r:embed="rId8"/>
+              </a:ext>
+            </a:extLst>
+          </a:blip>
+          <a:stretch>
+            <a:fillRect/>
+          </a:stretch>
         </p:blipFill>
         <p:spPr>
           <a:xfrm>
-            <a:off x="2276640" y="3657600"/>
-            <a:ext cx="1380960" cy="138960"/>
-          </a:xfrm>
-          <a:prstGeom prst="rect">
-            <a:avLst/>
-          </a:prstGeom>
-          <a:ln w="0">
-            <a:noFill/>
-          </a:ln>
+            <a:off x="4661535" y="3152140"/>
+            <a:ext cx="1247775" cy="581025"/>
+          </a:xfrm>
+          <a:prstGeom prst="rect">
+            <a:avLst/>
+          </a:prstGeom>
         </p:spPr>
       </p:pic>
-      <p:sp>
-        <p:nvSpPr>
-          <p:cNvPr id="69" name="TextShape 7"/>
-          <p:cNvSpPr txBox="1"/>
-          <p:nvPr/>
-        </p:nvSpPr>
-        <p:spPr>
-          <a:xfrm>
-            <a:off x="3622680" y="3549600"/>
-            <a:ext cx="2562120" cy="336600"/>
-          </a:xfrm>
-          <a:prstGeom prst="rect">
-            <a:avLst/>
-          </a:prstGeom>
-          <a:noFill/>
-          <a:ln w="0">
-            <a:noFill/>
-          </a:ln>
-        </p:spPr>
-        <p:txBody>
-          <a:bodyPr lIns="90000" rIns="90000" tIns="45000" bIns="45000">
-            <a:noAutofit/>
-          </a:bodyPr>
-          <a:p>
-            <a:pPr>
-              <a:lnSpc>
-                <a:spcPct val="100000"/>
-              </a:lnSpc>
-            </a:pPr>
-            <a:r>
-              <a:rPr b="0" lang="en-US" sz="1400" spc="-86" strike="noStrike">
-                <a:latin typeface="Optima LT Medium"/>
-              </a:rPr>
-              <a:t>first      principal components</a:t>
-            </a:r>
-            <a:endParaRPr b="0" lang="en-US" sz="1400" spc="-86" strike="noStrike">
-              <a:latin typeface="Optima LT Medium"/>
-            </a:endParaRPr>
-          </a:p>
-        </p:txBody>
-      </p:sp>
       <p:pic>
         <p:nvPicPr>
-          <p:cNvPr id="70" name="" descr=""/>
-          <p:cNvPicPr/>
+          <p:cNvPr id="14" name="图片 13" descr="encode"/>
+          <p:cNvPicPr>
+            <a:picLocks noChangeAspect="1"/>
+          </p:cNvPicPr>
           <p:nvPr/>
         </p:nvPicPr>
         <p:blipFill>
-          <a:blip r:embed="rId7"/>
-          <a:stretch/>
+          <a:blip r:embed="rId9">
+            <a:extLst>
+              <a:ext uri="{96DAC541-7B7A-43D3-8B79-37D633B846F1}">
+                <asvg:svgBlip xmlns:asvg="http://schemas.microsoft.com/office/drawing/2016/SVG/main" r:embed="rId10"/>
+              </a:ext>
+            </a:extLst>
+          </a:blip>
+          <a:stretch>
+            <a:fillRect/>
+          </a:stretch>
         </p:blipFill>
         <p:spPr>
           <a:xfrm>
-            <a:off x="4024080" y="3620880"/>
-            <a:ext cx="109800" cy="137160"/>
-          </a:xfrm>
-          <a:prstGeom prst="rect">
-            <a:avLst/>
-          </a:prstGeom>
-          <a:ln w="0">
-            <a:noFill/>
-          </a:ln>
+            <a:off x="4661535" y="2806700"/>
+            <a:ext cx="1019175" cy="209550"/>
+          </a:xfrm>
+          <a:prstGeom prst="rect">
+            <a:avLst/>
+          </a:prstGeom>
         </p:spPr>
       </p:pic>
+      <p:sp>
+        <p:nvSpPr>
+          <p:cNvPr id="15" name="文本框 14"/>
+          <p:cNvSpPr txBox="1"/>
+          <p:nvPr/>
+        </p:nvSpPr>
+        <p:spPr>
+          <a:xfrm>
+            <a:off x="4612005" y="1364615"/>
+            <a:ext cx="2540000" cy="368300"/>
+          </a:xfrm>
+          <a:prstGeom prst="rect">
+            <a:avLst/>
+          </a:prstGeom>
+          <a:noFill/>
+        </p:spPr>
+        <p:txBody>
+          <a:bodyPr wrap="square" rtlCol="0" anchor="t">
+            <a:spAutoFit/>
+          </a:bodyPr>
+          <a:p>
+            <a:r>
+              <a:rPr lang="en-US" i="1" spc="-86">
+                <a:latin typeface="Optima LT Medium" panose="020B0400000000000000"/>
+                <a:sym typeface="+mn-ea"/>
+              </a:rPr>
+              <a:t>*Latent-space K-means</a:t>
+            </a:r>
+            <a:endParaRPr lang="zh-CN" altLang="en-US"/>
+          </a:p>
+        </p:txBody>
+      </p:sp>
     </p:spTree>
   </p:cSld>
-  <mc:AlternateContent>
-    <mc:Choice Requires="p14">
+  <p:clrMapOvr>
+    <a:masterClrMapping/>
+  </p:clrMapOvr>
+  <mc:AlternateContent xmlns:mc="http://schemas.openxmlformats.org/markup-compatibility/2006">
+    <mc:Choice xmlns:p14="http://schemas.microsoft.com/office/powerpoint/2010/main" Requires="p14">
       <p:transition spd="slow" p14:dur="2000"/>
     </mc:Choice>
     <mc:Fallback>
@@ -2569,8 +4224,8 @@
 </p:sld>
 </file>
 
-<file path=ppt/slides/slide4.xml><?xml version="1.0" encoding="utf-8"?>
-<p:sld xmlns:a="http://schemas.openxmlformats.org/drawingml/2006/main" xmlns:p="http://schemas.openxmlformats.org/presentationml/2006/main" xmlns:r="http://schemas.openxmlformats.org/officeDocument/2006/relationships" xmlns:p14="http://schemas.microsoft.com/office/powerpoint/2010/main" xmlns:p15="http://schemas.microsoft.com/office/powerpoint/2012/main" xmlns:mc="http://schemas.openxmlformats.org/markup-compatibility/2006">
+<file path=ppt/slides/slide2.xml><?xml version="1.0" encoding="utf-8"?>
+<p:sld xmlns:a="http://schemas.openxmlformats.org/drawingml/2006/main" xmlns:r="http://schemas.openxmlformats.org/officeDocument/2006/relationships" xmlns:p="http://schemas.openxmlformats.org/presentationml/2006/main">
   <p:cSld>
     <p:spTree>
       <p:nvGrpSpPr>
@@ -2588,14 +4243,14 @@
       </p:grpSpPr>
       <p:sp>
         <p:nvSpPr>
-          <p:cNvPr id="71" name="CustomShape 1"/>
-          <p:cNvSpPr/>
-          <p:nvPr/>
-        </p:nvSpPr>
-        <p:spPr>
-          <a:xfrm>
-            <a:off x="504000" y="63360"/>
-            <a:ext cx="9071280" cy="1271520"/>
+          <p:cNvPr id="76" name="TextShape 3"/>
+          <p:cNvSpPr txBox="1"/>
+          <p:nvPr/>
+        </p:nvSpPr>
+        <p:spPr>
+          <a:xfrm>
+            <a:off x="685800" y="300600"/>
+            <a:ext cx="6858000" cy="457200"/>
           </a:xfrm>
           <a:prstGeom prst="rect">
             <a:avLst/>
@@ -2605,23 +4260,39 @@
             <a:noFill/>
           </a:ln>
         </p:spPr>
-        <p:style>
-          <a:lnRef idx="0"/>
-          <a:fillRef idx="0"/>
-          <a:effectRef idx="0"/>
-          <a:fontRef idx="minor"/>
-        </p:style>
-      </p:sp>
-      <p:sp>
-        <p:nvSpPr>
-          <p:cNvPr id="72" name="CustomShape 2"/>
-          <p:cNvSpPr/>
-          <p:nvPr/>
-        </p:nvSpPr>
-        <p:spPr>
-          <a:xfrm>
-            <a:off x="1371600" y="1284120"/>
-            <a:ext cx="9071280" cy="3287880"/>
+        <p:txBody>
+          <a:bodyPr lIns="90000" tIns="45000" rIns="90000" bIns="45000">
+            <a:noAutofit/>
+          </a:bodyPr>
+          <a:p>
+            <a:pPr>
+              <a:lnSpc>
+                <a:spcPct val="100000"/>
+              </a:lnSpc>
+            </a:pPr>
+            <a:r>
+              <a:rPr lang="en-US" sz="2400" spc="-1">
+                <a:latin typeface="Optima LT DemiBold" panose="020B0400000000000000"/>
+                <a:sym typeface="+mn-ea"/>
+              </a:rPr>
+              <a:t>Problem formulation</a:t>
+            </a:r>
+            <a:endParaRPr lang="en-US" sz="2400" b="0" strike="noStrike" spc="-1">
+              <a:latin typeface="Optima LT DemiBold" panose="020B0400000000000000"/>
+            </a:endParaRPr>
+          </a:p>
+        </p:txBody>
+      </p:sp>
+      <p:sp>
+        <p:nvSpPr>
+          <p:cNvPr id="77" name="TextShape 4"/>
+          <p:cNvSpPr txBox="1"/>
+          <p:nvPr/>
+        </p:nvSpPr>
+        <p:spPr>
+          <a:xfrm>
+            <a:off x="685800" y="1163955"/>
+            <a:ext cx="7033260" cy="991235"/>
           </a:xfrm>
           <a:prstGeom prst="rect">
             <a:avLst/>
@@ -2631,59 +4302,122 @@
             <a:noFill/>
           </a:ln>
         </p:spPr>
-        <p:style>
-          <a:lnRef idx="0"/>
-          <a:fillRef idx="0"/>
-          <a:effectRef idx="0"/>
-          <a:fontRef idx="minor"/>
-        </p:style>
-      </p:sp>
-      <p:sp>
-        <p:nvSpPr>
-          <p:cNvPr id="73" name="TextShape 3"/>
-          <p:cNvSpPr txBox="1"/>
-          <p:nvPr/>
-        </p:nvSpPr>
-        <p:spPr>
-          <a:xfrm>
-            <a:off x="2286000" y="2286000"/>
-            <a:ext cx="5486400" cy="991080"/>
-          </a:xfrm>
-          <a:prstGeom prst="rect">
-            <a:avLst/>
-          </a:prstGeom>
-          <a:noFill/>
-          <a:ln w="0">
-            <a:noFill/>
-          </a:ln>
-        </p:spPr>
-        <p:txBody>
-          <a:bodyPr lIns="90000" rIns="90000" tIns="45000" bIns="45000">
+        <p:txBody>
+          <a:bodyPr lIns="90000" tIns="45000" rIns="90000" bIns="45000">
             <a:noAutofit/>
           </a:bodyPr>
           <a:p>
             <a:r>
-              <a:rPr b="0" lang="en-US" sz="2000" spc="-86" strike="noStrike">
-                <a:latin typeface="Optima LT Medium"/>
+              <a:rPr lang="en-US" sz="2000" b="1" strike="noStrike" spc="-86">
+                <a:latin typeface="Optima LT Medium" panose="020B0400000000000000"/>
               </a:rPr>
-              <a:t>Can we train an autoencoder on a set of electrical load data to cluster similar load </a:t>
+              <a:t>Given</a:t>
             </a:r>
             <a:r>
-              <a:rPr b="0" lang="en-US" sz="2000" spc="-86" strike="noStrike">
-                <a:latin typeface="Optima LT Medium"/>
+              <a:rPr lang="en-US" sz="2000" b="0" strike="noStrike" spc="-86">
+                <a:latin typeface="Optima LT Medium" panose="020B0400000000000000"/>
               </a:rPr>
-              <a:t>patterns extracted?</a:t>
+              <a:t>: A</a:t>
             </a:r>
-            <a:endParaRPr b="0" lang="en-US" sz="2000" spc="-86" strike="noStrike">
-              <a:latin typeface="Optima LT Medium"/>
-            </a:endParaRPr>
+            <a:r>
+              <a:rPr lang="en-US" sz="2000" spc="-86">
+                <a:latin typeface="Optima LT Medium" panose="020B0400000000000000"/>
+                <a:sym typeface="+mn-ea"/>
+              </a:rPr>
+              <a:t>verage </a:t>
+            </a:r>
+            <a:r>
+              <a:rPr lang="en-US" sz="2000" b="0" strike="noStrike" spc="-86">
+                <a:latin typeface="Optima LT Medium" panose="020B0400000000000000"/>
+              </a:rPr>
+              <a:t>daily load profiles               of $N=460$ residents, all normalized to [0, 1].</a:t>
+            </a:r>
+            <a:endParaRPr lang="en-US" sz="2000" b="0" strike="noStrike" spc="-86">
+              <a:latin typeface="Optima LT Medium" panose="020B0400000000000000"/>
+            </a:endParaRPr>
+          </a:p>
+          <a:p>
+            <a:endParaRPr lang="en-US" sz="2000" b="0" strike="noStrike" spc="-86">
+              <a:latin typeface="Optima LT Medium" panose="020B0400000000000000"/>
+            </a:endParaRPr>
+          </a:p>
+          <a:p>
+            <a:endParaRPr lang="en-US" sz="2000" b="0" i="1" strike="noStrike" spc="-86">
+              <a:latin typeface="Optima LT Medium" panose="020B0400000000000000"/>
+              <a:sym typeface="+mn-ea"/>
+            </a:endParaRPr>
+          </a:p>
+        </p:txBody>
+      </p:sp>
+      <p:pic>
+        <p:nvPicPr>
+          <p:cNvPr id="11" name="图片 10" descr="pi"/>
+          <p:cNvPicPr>
+            <a:picLocks noChangeAspect="1"/>
+          </p:cNvPicPr>
+          <p:nvPr/>
+        </p:nvPicPr>
+        <p:blipFill>
+          <a:blip r:embed="rId1">
+            <a:extLst>
+              <a:ext uri="{96DAC541-7B7A-43D3-8B79-37D633B846F1}">
+                <asvg:svgBlip xmlns:asvg="http://schemas.microsoft.com/office/drawing/2016/SVG/main" r:embed="rId2"/>
+              </a:ext>
+            </a:extLst>
+          </a:blip>
+          <a:stretch>
+            <a:fillRect/>
+          </a:stretch>
+        </p:blipFill>
+        <p:spPr>
+          <a:xfrm>
+            <a:off x="4349750" y="1223010"/>
+            <a:ext cx="676275" cy="257175"/>
+          </a:xfrm>
+          <a:prstGeom prst="rect">
+            <a:avLst/>
+          </a:prstGeom>
+        </p:spPr>
+      </p:pic>
+      <p:sp>
+        <p:nvSpPr>
+          <p:cNvPr id="2" name="文本框 1"/>
+          <p:cNvSpPr txBox="1"/>
+          <p:nvPr/>
+        </p:nvSpPr>
+        <p:spPr>
+          <a:xfrm>
+            <a:off x="3434080" y="2922905"/>
+            <a:ext cx="3063875" cy="368300"/>
+          </a:xfrm>
+          <a:prstGeom prst="rect">
+            <a:avLst/>
+          </a:prstGeom>
+          <a:noFill/>
+        </p:spPr>
+        <p:txBody>
+          <a:bodyPr wrap="none" rtlCol="0" anchor="t">
+            <a:spAutoFit/>
+          </a:bodyPr>
+          <a:p>
+            <a:r>
+              <a:rPr lang="en-US" spc="-86">
+                <a:latin typeface="Optima LT Medium" panose="020B0400000000000000"/>
+                <a:sym typeface="+mn-ea"/>
+              </a:rPr>
+              <a:t>TODO: Put some profiles here</a:t>
+            </a:r>
+            <a:endParaRPr lang="zh-CN" altLang="en-US"/>
           </a:p>
         </p:txBody>
       </p:sp>
     </p:spTree>
   </p:cSld>
-  <mc:AlternateContent>
-    <mc:Choice Requires="p14">
+  <p:clrMapOvr>
+    <a:masterClrMapping/>
+  </p:clrMapOvr>
+  <mc:AlternateContent xmlns:mc="http://schemas.openxmlformats.org/markup-compatibility/2006">
+    <mc:Choice xmlns:p14="http://schemas.microsoft.com/office/powerpoint/2010/main" Requires="p14">
       <p:transition spd="slow" p14:dur="2000"/>
     </mc:Choice>
     <mc:Fallback>
@@ -2693,8 +4427,8 @@
 </p:sld>
 </file>
 
-<file path=ppt/slides/slide5.xml><?xml version="1.0" encoding="utf-8"?>
-<p:sld xmlns:a="http://schemas.openxmlformats.org/drawingml/2006/main" xmlns:p="http://schemas.openxmlformats.org/presentationml/2006/main" xmlns:r="http://schemas.openxmlformats.org/officeDocument/2006/relationships" xmlns:p14="http://schemas.microsoft.com/office/powerpoint/2010/main" xmlns:p15="http://schemas.microsoft.com/office/powerpoint/2012/main" xmlns:mc="http://schemas.openxmlformats.org/markup-compatibility/2006">
+<file path=ppt/slides/slide3.xml><?xml version="1.0" encoding="utf-8"?>
+<p:sld xmlns:a="http://schemas.openxmlformats.org/drawingml/2006/main" xmlns:r="http://schemas.openxmlformats.org/officeDocument/2006/relationships" xmlns:p="http://schemas.openxmlformats.org/presentationml/2006/main">
   <p:cSld>
     <p:spTree>
       <p:nvGrpSpPr>
@@ -2712,14 +4446,14 @@
       </p:grpSpPr>
       <p:sp>
         <p:nvSpPr>
-          <p:cNvPr id="74" name="CustomShape 1"/>
-          <p:cNvSpPr/>
-          <p:nvPr/>
-        </p:nvSpPr>
-        <p:spPr>
-          <a:xfrm>
-            <a:off x="504000" y="63360"/>
-            <a:ext cx="9071280" cy="1271520"/>
+          <p:cNvPr id="76" name="TextShape 3"/>
+          <p:cNvSpPr txBox="1"/>
+          <p:nvPr/>
+        </p:nvSpPr>
+        <p:spPr>
+          <a:xfrm>
+            <a:off x="685800" y="300600"/>
+            <a:ext cx="6858000" cy="457200"/>
           </a:xfrm>
           <a:prstGeom prst="rect">
             <a:avLst/>
@@ -2729,60 +4463,8 @@
             <a:noFill/>
           </a:ln>
         </p:spPr>
-        <p:style>
-          <a:lnRef idx="0"/>
-          <a:fillRef idx="0"/>
-          <a:effectRef idx="0"/>
-          <a:fontRef idx="minor"/>
-        </p:style>
-      </p:sp>
-      <p:sp>
-        <p:nvSpPr>
-          <p:cNvPr id="75" name="CustomShape 2"/>
-          <p:cNvSpPr/>
-          <p:nvPr/>
-        </p:nvSpPr>
-        <p:spPr>
-          <a:xfrm>
-            <a:off x="1371600" y="1284120"/>
-            <a:ext cx="9071280" cy="3287880"/>
-          </a:xfrm>
-          <a:prstGeom prst="rect">
-            <a:avLst/>
-          </a:prstGeom>
-          <a:noFill/>
-          <a:ln w="0">
-            <a:noFill/>
-          </a:ln>
-        </p:spPr>
-        <p:style>
-          <a:lnRef idx="0"/>
-          <a:fillRef idx="0"/>
-          <a:effectRef idx="0"/>
-          <a:fontRef idx="minor"/>
-        </p:style>
-      </p:sp>
-      <p:sp>
-        <p:nvSpPr>
-          <p:cNvPr id="76" name="TextShape 3"/>
-          <p:cNvSpPr txBox="1"/>
-          <p:nvPr/>
-        </p:nvSpPr>
-        <p:spPr>
-          <a:xfrm>
-            <a:off x="685800" y="300600"/>
-            <a:ext cx="6858000" cy="457200"/>
-          </a:xfrm>
-          <a:prstGeom prst="rect">
-            <a:avLst/>
-          </a:prstGeom>
-          <a:noFill/>
-          <a:ln w="0">
-            <a:noFill/>
-          </a:ln>
-        </p:spPr>
-        <p:txBody>
-          <a:bodyPr lIns="90000" rIns="90000" tIns="45000" bIns="45000">
+        <p:txBody>
+          <a:bodyPr lIns="90000" tIns="45000" rIns="90000" bIns="45000">
             <a:noAutofit/>
           </a:bodyPr>
           <a:p>
@@ -2792,13 +4474,14 @@
               </a:lnSpc>
             </a:pPr>
             <a:r>
-              <a:rPr b="0" lang="en-US" sz="2400" spc="-1" strike="noStrike">
-                <a:latin typeface="Optima LT DemiBold"/>
+              <a:rPr lang="en-US" sz="2400" spc="-1">
+                <a:latin typeface="Optima LT DemiBold" panose="020B0400000000000000"/>
+                <a:sym typeface="+mn-ea"/>
               </a:rPr>
-              <a:t>Problem Formulation</a:t>
+              <a:t>Problem formulation</a:t>
             </a:r>
-            <a:endParaRPr b="0" lang="en-US" sz="2400" spc="-1" strike="noStrike">
-              <a:latin typeface="Optima LT DemiBold"/>
+            <a:endParaRPr lang="en-US" sz="2400" b="0" strike="noStrike" spc="-1">
+              <a:latin typeface="Optima LT DemiBold" panose="020B0400000000000000"/>
             </a:endParaRPr>
           </a:p>
         </p:txBody>
@@ -2811,8 +4494,8 @@
         </p:nvSpPr>
         <p:spPr>
           <a:xfrm>
-            <a:off x="2286000" y="2286000"/>
-            <a:ext cx="5486400" cy="991080"/>
+            <a:off x="685800" y="1163955"/>
+            <a:ext cx="7033260" cy="991235"/>
           </a:xfrm>
           <a:prstGeom prst="rect">
             <a:avLst/>
@@ -2823,26 +4506,2263 @@
           </a:ln>
         </p:spPr>
         <p:txBody>
-          <a:bodyPr lIns="90000" rIns="90000" tIns="45000" bIns="45000">
+          <a:bodyPr lIns="90000" tIns="45000" rIns="90000" bIns="45000">
             <a:noAutofit/>
           </a:bodyPr>
           <a:p>
             <a:r>
-              <a:rPr b="0" lang="en-US" sz="2000" spc="-86" strike="noStrike">
-                <a:latin typeface="Optima LT Medium"/>
+              <a:rPr lang="en-US" sz="2000" b="1" strike="noStrike" spc="-86">
+                <a:latin typeface="Optima LT Medium" panose="020B0400000000000000"/>
               </a:rPr>
-              <a:t>Can we train an autoencoder on a set of electrical load data to cluster similar load patterns?</a:t>
+              <a:t>Given</a:t>
             </a:r>
-            <a:endParaRPr b="0" lang="en-US" sz="2000" spc="-86" strike="noStrike">
-              <a:latin typeface="Optima LT Medium"/>
+            <a:r>
+              <a:rPr lang="en-US" sz="2000" b="0" strike="noStrike" spc="-86">
+                <a:latin typeface="Optima LT Medium" panose="020B0400000000000000"/>
+              </a:rPr>
+              <a:t>: A</a:t>
+            </a:r>
+            <a:r>
+              <a:rPr lang="en-US" sz="2000" spc="-86">
+                <a:latin typeface="Optima LT Medium" panose="020B0400000000000000"/>
+                <a:sym typeface="+mn-ea"/>
+              </a:rPr>
+              <a:t>verage </a:t>
+            </a:r>
+            <a:r>
+              <a:rPr lang="en-US" sz="2000" b="0" strike="noStrike" spc="-86">
+                <a:latin typeface="Optima LT Medium" panose="020B0400000000000000"/>
+              </a:rPr>
+              <a:t>daily load profiles               of $N=460$ residents, all normalized to [0, 1].</a:t>
+            </a:r>
+            <a:endParaRPr lang="en-US" sz="2000" b="0" strike="noStrike" spc="-86">
+              <a:latin typeface="Optima LT Medium" panose="020B0400000000000000"/>
+            </a:endParaRPr>
+          </a:p>
+          <a:p>
+            <a:endParaRPr lang="en-US" sz="2000" b="0" strike="noStrike" spc="-86">
+              <a:latin typeface="Optima LT Medium" panose="020B0400000000000000"/>
+            </a:endParaRPr>
+          </a:p>
+          <a:p>
+            <a:r>
+              <a:rPr lang="en-US" sz="2000" b="1" spc="-86">
+                <a:latin typeface="Optima LT Medium" panose="020B0400000000000000"/>
+                <a:sym typeface="+mn-ea"/>
+              </a:rPr>
+              <a:t>Goal</a:t>
+            </a:r>
+            <a:r>
+              <a:rPr lang="en-US" sz="2000" spc="-86">
+                <a:latin typeface="Optima LT Medium" panose="020B0400000000000000"/>
+                <a:sym typeface="+mn-ea"/>
+              </a:rPr>
+              <a:t>: Find a k-partition               of </a:t>
+            </a:r>
+            <a:r>
+              <a:rPr lang="en-US" sz="2000" spc="-86">
+                <a:latin typeface="Optima LT Medium" panose="020B0400000000000000" charset="0"/>
+                <a:cs typeface="Optima LT Medium" panose="020B0400000000000000" charset="0"/>
+                <a:sym typeface="+mn-ea"/>
+              </a:rPr>
+              <a:t>the </a:t>
+            </a:r>
+            <a:r>
+              <a:rPr lang="en-US" sz="2000" spc="-86">
+                <a:latin typeface="Optima LT Medium" panose="020B0400000000000000"/>
+                <a:sym typeface="+mn-ea"/>
+              </a:rPr>
+              <a:t>profiles such that </a:t>
+            </a:r>
+            <a:r>
+              <a:rPr lang="en-US" sz="2000" i="1" spc="-86">
+                <a:latin typeface="Optima LT Medium" panose="020B0400000000000000"/>
+                <a:sym typeface="+mn-ea"/>
+              </a:rPr>
+              <a:t>similar </a:t>
+            </a:r>
+            <a:r>
+              <a:rPr lang="en-US" sz="2000" spc="-86">
+                <a:latin typeface="Optima LT Medium" panose="020B0400000000000000"/>
+                <a:sym typeface="+mn-ea"/>
+              </a:rPr>
+              <a:t>profiles are clustered into the same set.</a:t>
+            </a:r>
+            <a:endParaRPr lang="en-US" sz="2000" b="0" strike="noStrike" spc="-86">
+              <a:latin typeface="Optima LT Medium" panose="020B0400000000000000"/>
+            </a:endParaRPr>
+          </a:p>
+          <a:p>
+            <a:endParaRPr lang="en-US" sz="2000" i="1" spc="-86">
+              <a:latin typeface="Optima LT Medium" panose="020B0400000000000000"/>
+              <a:sym typeface="+mn-ea"/>
+            </a:endParaRPr>
+          </a:p>
+          <a:p>
+            <a:r>
+              <a:rPr lang="en-US" sz="2000" i="1" spc="-86">
+                <a:latin typeface="Optima LT Medium" panose="020B0400000000000000"/>
+                <a:sym typeface="+mn-ea"/>
+              </a:rPr>
+              <a:t>How to measure similarity?</a:t>
+            </a:r>
+            <a:endParaRPr lang="en-US" sz="2000" i="1" spc="-86">
+              <a:latin typeface="Optima LT Medium" panose="020B0400000000000000"/>
+              <a:sym typeface="+mn-ea"/>
+            </a:endParaRPr>
+          </a:p>
+          <a:p>
+            <a:endParaRPr lang="en-US" sz="2000" b="0" i="1" strike="noStrike" spc="-86">
+              <a:latin typeface="Optima LT Medium" panose="020B0400000000000000"/>
+              <a:sym typeface="+mn-ea"/>
+            </a:endParaRPr>
+          </a:p>
+        </p:txBody>
+      </p:sp>
+      <p:pic>
+        <p:nvPicPr>
+          <p:cNvPr id="7" name="图片 6" descr="groupmean"/>
+          <p:cNvPicPr>
+            <a:picLocks noChangeAspect="1"/>
+          </p:cNvPicPr>
+          <p:nvPr/>
+        </p:nvPicPr>
+        <p:blipFill>
+          <a:blip r:embed="rId1">
+            <a:extLst>
+              <a:ext uri="{96DAC541-7B7A-43D3-8B79-37D633B846F1}">
+                <asvg:svgBlip xmlns:asvg="http://schemas.microsoft.com/office/drawing/2016/SVG/main" r:embed="rId2"/>
+              </a:ext>
+            </a:extLst>
+          </a:blip>
+          <a:stretch>
+            <a:fillRect/>
+          </a:stretch>
+        </p:blipFill>
+        <p:spPr>
+          <a:xfrm>
+            <a:off x="3764280" y="4128135"/>
+            <a:ext cx="1447800" cy="581025"/>
+          </a:xfrm>
+          <a:prstGeom prst="rect">
+            <a:avLst/>
+          </a:prstGeom>
+        </p:spPr>
+      </p:pic>
+      <p:pic>
+        <p:nvPicPr>
+          <p:cNvPr id="9" name="图片 8" descr="obj"/>
+          <p:cNvPicPr>
+            <a:picLocks noChangeAspect="1"/>
+          </p:cNvPicPr>
+          <p:nvPr/>
+        </p:nvPicPr>
+        <p:blipFill>
+          <a:blip r:embed="rId3">
+            <a:extLst>
+              <a:ext uri="{96DAC541-7B7A-43D3-8B79-37D633B846F1}">
+                <asvg:svgBlip xmlns:asvg="http://schemas.microsoft.com/office/drawing/2016/SVG/main" r:embed="rId4"/>
+              </a:ext>
+            </a:extLst>
+          </a:blip>
+          <a:stretch>
+            <a:fillRect/>
+          </a:stretch>
+        </p:blipFill>
+        <p:spPr>
+          <a:xfrm>
+            <a:off x="3706495" y="3461385"/>
+            <a:ext cx="2476500" cy="666750"/>
+          </a:xfrm>
+          <a:prstGeom prst="rect">
+            <a:avLst/>
+          </a:prstGeom>
+        </p:spPr>
+      </p:pic>
+      <p:pic>
+        <p:nvPicPr>
+          <p:cNvPr id="6" name="图片 5" descr="S_i"/>
+          <p:cNvPicPr>
+            <a:picLocks noChangeAspect="1"/>
+          </p:cNvPicPr>
+          <p:nvPr/>
+        </p:nvPicPr>
+        <p:blipFill>
+          <a:blip r:embed="rId5">
+            <a:extLst>
+              <a:ext uri="{96DAC541-7B7A-43D3-8B79-37D633B846F1}">
+                <asvg:svgBlip xmlns:asvg="http://schemas.microsoft.com/office/drawing/2016/SVG/main" r:embed="rId6"/>
+              </a:ext>
+            </a:extLst>
+          </a:blip>
+          <a:stretch>
+            <a:fillRect/>
+          </a:stretch>
+        </p:blipFill>
+        <p:spPr>
+          <a:xfrm>
+            <a:off x="3241040" y="2132330"/>
+            <a:ext cx="676275" cy="257175"/>
+          </a:xfrm>
+          <a:prstGeom prst="rect">
+            <a:avLst/>
+          </a:prstGeom>
+        </p:spPr>
+      </p:pic>
+      <p:pic>
+        <p:nvPicPr>
+          <p:cNvPr id="11" name="图片 10" descr="pi"/>
+          <p:cNvPicPr>
+            <a:picLocks noChangeAspect="1"/>
+          </p:cNvPicPr>
+          <p:nvPr/>
+        </p:nvPicPr>
+        <p:blipFill>
+          <a:blip r:embed="rId7">
+            <a:extLst>
+              <a:ext uri="{96DAC541-7B7A-43D3-8B79-37D633B846F1}">
+                <asvg:svgBlip xmlns:asvg="http://schemas.microsoft.com/office/drawing/2016/SVG/main" r:embed="rId8"/>
+              </a:ext>
+            </a:extLst>
+          </a:blip>
+          <a:stretch>
+            <a:fillRect/>
+          </a:stretch>
+        </p:blipFill>
+        <p:spPr>
+          <a:xfrm>
+            <a:off x="4349750" y="1223010"/>
+            <a:ext cx="676275" cy="257175"/>
+          </a:xfrm>
+          <a:prstGeom prst="rect">
+            <a:avLst/>
+          </a:prstGeom>
+        </p:spPr>
+      </p:pic>
+      <p:sp>
+        <p:nvSpPr>
+          <p:cNvPr id="12" name="文本框 11"/>
+          <p:cNvSpPr txBox="1"/>
+          <p:nvPr/>
+        </p:nvSpPr>
+        <p:spPr>
+          <a:xfrm>
+            <a:off x="6714490" y="3963670"/>
+            <a:ext cx="2293620" cy="398780"/>
+          </a:xfrm>
+          <a:prstGeom prst="rect">
+            <a:avLst/>
+          </a:prstGeom>
+          <a:noFill/>
+        </p:spPr>
+        <p:txBody>
+          <a:bodyPr wrap="none" rtlCol="0">
+            <a:spAutoFit/>
+          </a:bodyPr>
+          <a:p>
+            <a:pPr algn="l">
+              <a:buClrTx/>
+              <a:buSzTx/>
+              <a:buFontTx/>
+            </a:pPr>
+            <a:r>
+              <a:rPr lang="en-US" sz="2000" b="1" spc="-86">
+                <a:solidFill>
+                  <a:srgbClr val="FF0000"/>
+                </a:solidFill>
+                <a:latin typeface="Optima LT Medium" panose="020B0400000000000000"/>
+              </a:rPr>
+              <a:t>K-means algorithm?</a:t>
+            </a:r>
+            <a:endParaRPr lang="en-US" sz="2000" b="1" spc="-86">
+              <a:solidFill>
+                <a:srgbClr val="FF0000"/>
+              </a:solidFill>
+              <a:latin typeface="Optima LT Medium" panose="020B0400000000000000"/>
             </a:endParaRPr>
           </a:p>
         </p:txBody>
       </p:sp>
     </p:spTree>
   </p:cSld>
-  <mc:AlternateContent>
-    <mc:Choice Requires="p14">
+  <p:clrMapOvr>
+    <a:masterClrMapping/>
+  </p:clrMapOvr>
+  <mc:AlternateContent xmlns:mc="http://schemas.openxmlformats.org/markup-compatibility/2006">
+    <mc:Choice xmlns:p14="http://schemas.microsoft.com/office/powerpoint/2010/main" Requires="p14">
+      <p:transition spd="slow" p14:dur="2000"/>
+    </mc:Choice>
+    <mc:Fallback>
+      <p:transition spd="slow"/>
+    </mc:Fallback>
+  </mc:AlternateContent>
+</p:sld>
+</file>
+
+<file path=ppt/slides/slide4.xml><?xml version="1.0" encoding="utf-8"?>
+<p:sld xmlns:a="http://schemas.openxmlformats.org/drawingml/2006/main" xmlns:r="http://schemas.openxmlformats.org/officeDocument/2006/relationships" xmlns:p="http://schemas.openxmlformats.org/presentationml/2006/main">
+  <p:cSld>
+    <p:spTree>
+      <p:nvGrpSpPr>
+        <p:cNvPr id="1" name=""/>
+        <p:cNvGrpSpPr/>
+        <p:nvPr/>
+      </p:nvGrpSpPr>
+      <p:grpSpPr>
+        <a:xfrm>
+          <a:off x="0" y="0"/>
+          <a:ext cx="0" cy="0"/>
+          <a:chOff x="0" y="0"/>
+          <a:chExt cx="0" cy="0"/>
+        </a:xfrm>
+      </p:grpSpPr>
+      <p:sp>
+        <p:nvSpPr>
+          <p:cNvPr id="74" name="CustomShape 1"/>
+          <p:cNvSpPr/>
+          <p:nvPr/>
+        </p:nvSpPr>
+        <p:spPr>
+          <a:xfrm>
+            <a:off x="504000" y="63360"/>
+            <a:ext cx="9071280" cy="1271520"/>
+          </a:xfrm>
+          <a:prstGeom prst="rect">
+            <a:avLst/>
+          </a:prstGeom>
+          <a:noFill/>
+          <a:ln w="0">
+            <a:noFill/>
+          </a:ln>
+        </p:spPr>
+        <p:style>
+          <a:lnRef idx="0">
+            <a:srgbClr val="FFFFFF"/>
+          </a:lnRef>
+          <a:fillRef idx="0">
+            <a:srgbClr val="FFFFFF"/>
+          </a:fillRef>
+          <a:effectRef idx="0">
+            <a:srgbClr val="FFFFFF"/>
+          </a:effectRef>
+          <a:fontRef idx="minor"/>
+        </p:style>
+      </p:sp>
+      <p:sp>
+        <p:nvSpPr>
+          <p:cNvPr id="75" name="CustomShape 2"/>
+          <p:cNvSpPr/>
+          <p:nvPr/>
+        </p:nvSpPr>
+        <p:spPr>
+          <a:xfrm>
+            <a:off x="1371600" y="1284120"/>
+            <a:ext cx="9071280" cy="3287880"/>
+          </a:xfrm>
+          <a:prstGeom prst="rect">
+            <a:avLst/>
+          </a:prstGeom>
+          <a:noFill/>
+          <a:ln w="0">
+            <a:noFill/>
+          </a:ln>
+        </p:spPr>
+        <p:style>
+          <a:lnRef idx="0">
+            <a:srgbClr val="FFFFFF"/>
+          </a:lnRef>
+          <a:fillRef idx="0">
+            <a:srgbClr val="FFFFFF"/>
+          </a:fillRef>
+          <a:effectRef idx="0">
+            <a:srgbClr val="FFFFFF"/>
+          </a:effectRef>
+          <a:fontRef idx="minor"/>
+        </p:style>
+      </p:sp>
+      <p:sp>
+        <p:nvSpPr>
+          <p:cNvPr id="76" name="TextShape 3"/>
+          <p:cNvSpPr txBox="1"/>
+          <p:nvPr/>
+        </p:nvSpPr>
+        <p:spPr>
+          <a:xfrm>
+            <a:off x="685800" y="300600"/>
+            <a:ext cx="6858000" cy="457200"/>
+          </a:xfrm>
+          <a:prstGeom prst="rect">
+            <a:avLst/>
+          </a:prstGeom>
+          <a:noFill/>
+          <a:ln w="0">
+            <a:noFill/>
+          </a:ln>
+        </p:spPr>
+        <p:txBody>
+          <a:bodyPr lIns="90000" tIns="45000" rIns="90000" bIns="45000">
+            <a:noAutofit/>
+          </a:bodyPr>
+          <a:p>
+            <a:pPr>
+              <a:lnSpc>
+                <a:spcPct val="100000"/>
+              </a:lnSpc>
+            </a:pPr>
+            <a:r>
+              <a:rPr lang="en-US" sz="2400" b="0" strike="noStrike" spc="-1">
+                <a:latin typeface="Optima LT DemiBold" panose="020B0400000000000000"/>
+              </a:rPr>
+              <a:t>Curse of dimensionality</a:t>
+            </a:r>
+            <a:endParaRPr lang="en-US" sz="2400" b="0" strike="noStrike" spc="-1">
+              <a:latin typeface="Optima LT DemiBold" panose="020B0400000000000000"/>
+            </a:endParaRPr>
+          </a:p>
+        </p:txBody>
+      </p:sp>
+      <p:pic>
+        <p:nvPicPr>
+          <p:cNvPr id="2" name="图片 1" descr="dim"/>
+          <p:cNvPicPr>
+            <a:picLocks noChangeAspect="1"/>
+          </p:cNvPicPr>
+          <p:nvPr/>
+        </p:nvPicPr>
+        <p:blipFill>
+          <a:blip r:embed="rId1">
+            <a:extLst>
+              <a:ext uri="{96DAC541-7B7A-43D3-8B79-37D633B846F1}">
+                <asvg:svgBlip xmlns:asvg="http://schemas.microsoft.com/office/drawing/2016/SVG/main" r:embed="rId2"/>
+              </a:ext>
+            </a:extLst>
+          </a:blip>
+          <a:stretch>
+            <a:fillRect/>
+          </a:stretch>
+        </p:blipFill>
+        <p:spPr>
+          <a:xfrm>
+            <a:off x="3225165" y="1663700"/>
+            <a:ext cx="3629025" cy="523875"/>
+          </a:xfrm>
+          <a:prstGeom prst="rect">
+            <a:avLst/>
+          </a:prstGeom>
+        </p:spPr>
+      </p:pic>
+    </p:spTree>
+  </p:cSld>
+  <p:clrMapOvr>
+    <a:masterClrMapping/>
+  </p:clrMapOvr>
+  <mc:AlternateContent xmlns:mc="http://schemas.openxmlformats.org/markup-compatibility/2006">
+    <mc:Choice xmlns:p14="http://schemas.microsoft.com/office/powerpoint/2010/main" Requires="p14">
+      <p:transition spd="slow" p14:dur="2000"/>
+    </mc:Choice>
+    <mc:Fallback>
+      <p:transition spd="slow"/>
+    </mc:Fallback>
+  </mc:AlternateContent>
+</p:sld>
+</file>
+
+<file path=ppt/slides/slide5.xml><?xml version="1.0" encoding="utf-8"?>
+<p:sld xmlns:a="http://schemas.openxmlformats.org/drawingml/2006/main" xmlns:r="http://schemas.openxmlformats.org/officeDocument/2006/relationships" xmlns:p="http://schemas.openxmlformats.org/presentationml/2006/main">
+  <p:cSld>
+    <p:spTree>
+      <p:nvGrpSpPr>
+        <p:cNvPr id="1" name=""/>
+        <p:cNvGrpSpPr/>
+        <p:nvPr/>
+      </p:nvGrpSpPr>
+      <p:grpSpPr>
+        <a:xfrm>
+          <a:off x="0" y="0"/>
+          <a:ext cx="0" cy="0"/>
+          <a:chOff x="0" y="0"/>
+          <a:chExt cx="0" cy="0"/>
+        </a:xfrm>
+      </p:grpSpPr>
+      <p:sp>
+        <p:nvSpPr>
+          <p:cNvPr id="74" name="CustomShape 1"/>
+          <p:cNvSpPr/>
+          <p:nvPr/>
+        </p:nvSpPr>
+        <p:spPr>
+          <a:xfrm>
+            <a:off x="504000" y="63360"/>
+            <a:ext cx="9071280" cy="1271520"/>
+          </a:xfrm>
+          <a:prstGeom prst="rect">
+            <a:avLst/>
+          </a:prstGeom>
+          <a:noFill/>
+          <a:ln w="0">
+            <a:noFill/>
+          </a:ln>
+        </p:spPr>
+        <p:style>
+          <a:lnRef idx="0">
+            <a:srgbClr val="FFFFFF"/>
+          </a:lnRef>
+          <a:fillRef idx="0">
+            <a:srgbClr val="FFFFFF"/>
+          </a:fillRef>
+          <a:effectRef idx="0">
+            <a:srgbClr val="FFFFFF"/>
+          </a:effectRef>
+          <a:fontRef idx="minor"/>
+        </p:style>
+      </p:sp>
+      <p:sp>
+        <p:nvSpPr>
+          <p:cNvPr id="75" name="CustomShape 2"/>
+          <p:cNvSpPr/>
+          <p:nvPr/>
+        </p:nvSpPr>
+        <p:spPr>
+          <a:xfrm>
+            <a:off x="1371600" y="1284120"/>
+            <a:ext cx="9071280" cy="3287880"/>
+          </a:xfrm>
+          <a:prstGeom prst="rect">
+            <a:avLst/>
+          </a:prstGeom>
+          <a:noFill/>
+          <a:ln w="0">
+            <a:noFill/>
+          </a:ln>
+        </p:spPr>
+        <p:style>
+          <a:lnRef idx="0">
+            <a:srgbClr val="FFFFFF"/>
+          </a:lnRef>
+          <a:fillRef idx="0">
+            <a:srgbClr val="FFFFFF"/>
+          </a:fillRef>
+          <a:effectRef idx="0">
+            <a:srgbClr val="FFFFFF"/>
+          </a:effectRef>
+          <a:fontRef idx="minor"/>
+        </p:style>
+      </p:sp>
+      <p:sp>
+        <p:nvSpPr>
+          <p:cNvPr id="76" name="TextShape 3"/>
+          <p:cNvSpPr txBox="1"/>
+          <p:nvPr/>
+        </p:nvSpPr>
+        <p:spPr>
+          <a:xfrm>
+            <a:off x="685800" y="300600"/>
+            <a:ext cx="6858000" cy="457200"/>
+          </a:xfrm>
+          <a:prstGeom prst="rect">
+            <a:avLst/>
+          </a:prstGeom>
+          <a:noFill/>
+          <a:ln w="0">
+            <a:noFill/>
+          </a:ln>
+        </p:spPr>
+        <p:txBody>
+          <a:bodyPr lIns="90000" tIns="45000" rIns="90000" bIns="45000">
+            <a:noAutofit/>
+          </a:bodyPr>
+          <a:p>
+            <a:pPr>
+              <a:lnSpc>
+                <a:spcPct val="100000"/>
+              </a:lnSpc>
+            </a:pPr>
+            <a:r>
+              <a:rPr lang="en-US" sz="2400" b="0" strike="noStrike" spc="-1">
+                <a:latin typeface="Optima LT DemiBold" panose="020B0400000000000000"/>
+              </a:rPr>
+              <a:t>Data Preprocessing</a:t>
+            </a:r>
+            <a:endParaRPr lang="en-US" sz="2400" b="0" strike="noStrike" spc="-1">
+              <a:latin typeface="Optima LT DemiBold" panose="020B0400000000000000"/>
+            </a:endParaRPr>
+          </a:p>
+        </p:txBody>
+      </p:sp>
+      <p:sp>
+        <p:nvSpPr>
+          <p:cNvPr id="77" name="TextShape 4"/>
+          <p:cNvSpPr txBox="1"/>
+          <p:nvPr/>
+        </p:nvSpPr>
+        <p:spPr>
+          <a:xfrm>
+            <a:off x="678180" y="978535"/>
+            <a:ext cx="7245985" cy="991235"/>
+          </a:xfrm>
+          <a:prstGeom prst="rect">
+            <a:avLst/>
+          </a:prstGeom>
+          <a:noFill/>
+          <a:ln w="0">
+            <a:noFill/>
+          </a:ln>
+        </p:spPr>
+        <p:txBody>
+          <a:bodyPr lIns="90000" tIns="45000" rIns="90000" bIns="45000">
+            <a:noAutofit/>
+          </a:bodyPr>
+          <a:p>
+            <a:r>
+              <a:rPr lang="en-US" sz="2000" b="1" strike="noStrike" spc="-86">
+                <a:latin typeface="Optima LT Medium" panose="020B0400000000000000"/>
+              </a:rPr>
+              <a:t>1.</a:t>
+            </a:r>
+            <a:r>
+              <a:rPr lang="en-US" sz="2000" b="0" strike="noStrike" spc="-86">
+                <a:latin typeface="Optima LT Medium" panose="020B0400000000000000"/>
+              </a:rPr>
+              <a:t> Divide load data of each resident                          by days:  </a:t>
+            </a:r>
+            <a:endParaRPr lang="en-US" sz="2000" b="0" strike="noStrike" spc="-86">
+              <a:latin typeface="Optima LT Medium" panose="020B0400000000000000"/>
+            </a:endParaRPr>
+          </a:p>
+          <a:p>
+            <a:r>
+              <a:rPr lang="en-US" sz="2000" b="0" strike="noStrike" spc="-86">
+                <a:latin typeface="Optima LT Medium" panose="020B0400000000000000"/>
+              </a:rPr>
+              <a:t>    (days containing missing data are discarded)</a:t>
+            </a:r>
+            <a:endParaRPr lang="en-US" sz="2000" b="0" strike="noStrike" spc="-86">
+              <a:latin typeface="Optima LT Medium" panose="020B0400000000000000"/>
+            </a:endParaRPr>
+          </a:p>
+          <a:p>
+            <a:endParaRPr lang="en-US" sz="2000" b="0" strike="noStrike" spc="-86">
+              <a:latin typeface="Optima LT Medium" panose="020B0400000000000000"/>
+            </a:endParaRPr>
+          </a:p>
+          <a:p>
+            <a:endParaRPr lang="en-US" sz="2000" b="1" strike="noStrike" spc="-86">
+              <a:latin typeface="Optima LT Medium" panose="020B0400000000000000"/>
+            </a:endParaRPr>
+          </a:p>
+          <a:p>
+            <a:r>
+              <a:rPr lang="en-US" sz="2000" b="1" strike="noStrike" spc="-86">
+                <a:latin typeface="Optima LT Medium" panose="020B0400000000000000"/>
+              </a:rPr>
+              <a:t>2.</a:t>
+            </a:r>
+            <a:r>
+              <a:rPr lang="en-US" sz="2000" b="0" strike="noStrike" spc="-86">
+                <a:latin typeface="Optima LT Medium" panose="020B0400000000000000"/>
+              </a:rPr>
+              <a:t> Compute average daily profile in $D$ days:</a:t>
+            </a:r>
+            <a:endParaRPr lang="en-US" sz="2000" b="0" strike="noStrike" spc="-86">
+              <a:latin typeface="Optima LT Medium" panose="020B0400000000000000"/>
+            </a:endParaRPr>
+          </a:p>
+          <a:p>
+            <a:endParaRPr lang="en-US" sz="2000" b="0" strike="noStrike" spc="-86">
+              <a:latin typeface="Optima LT Medium" panose="020B0400000000000000"/>
+            </a:endParaRPr>
+          </a:p>
+          <a:p>
+            <a:endParaRPr lang="en-US" sz="2000" b="0" strike="noStrike" spc="-86">
+              <a:latin typeface="Optima LT Medium" panose="020B0400000000000000"/>
+            </a:endParaRPr>
+          </a:p>
+          <a:p>
+            <a:endParaRPr lang="en-US" sz="2000" b="1" strike="noStrike" spc="-86">
+              <a:latin typeface="Optima LT Medium" panose="020B0400000000000000"/>
+            </a:endParaRPr>
+          </a:p>
+          <a:p>
+            <a:r>
+              <a:rPr lang="en-US" sz="2000" b="1" strike="noStrike" spc="-86">
+                <a:latin typeface="Optima LT Medium" panose="020B0400000000000000"/>
+              </a:rPr>
+              <a:t>3.</a:t>
+            </a:r>
+            <a:r>
+              <a:rPr lang="en-US" sz="2000" b="0" strike="noStrike" spc="-86">
+                <a:latin typeface="Optima LT Medium" panose="020B0400000000000000"/>
+              </a:rPr>
+              <a:t> We are interested in the </a:t>
+            </a:r>
+            <a:r>
+              <a:rPr lang="en-US" sz="2000" b="0" i="1" strike="noStrike" spc="-86">
+                <a:latin typeface="Optima LT Medium" panose="020B0400000000000000"/>
+              </a:rPr>
+              <a:t>relative distribution</a:t>
+            </a:r>
+            <a:r>
+              <a:rPr lang="en-US" sz="2000" b="0" strike="noStrike" spc="-86">
+                <a:latin typeface="Optima LT Medium" panose="020B0400000000000000"/>
+              </a:rPr>
+              <a:t> of electrical load across a day. Therefore $L_i$ is further normalized to lie within $[0, 1]$.</a:t>
+            </a:r>
+            <a:endParaRPr lang="en-US" sz="2000" b="0" strike="noStrike" spc="-86">
+              <a:latin typeface="Optima LT Medium" panose="020B0400000000000000"/>
+            </a:endParaRPr>
+          </a:p>
+          <a:p>
+            <a:endParaRPr lang="en-US" sz="2000" b="0" strike="noStrike" spc="-86">
+              <a:latin typeface="Optima LT Medium" panose="020B0400000000000000"/>
+            </a:endParaRPr>
+          </a:p>
+          <a:p>
+            <a:r>
+              <a:rPr lang="en-US" sz="2000" b="0" strike="noStrike" spc="-86">
+                <a:latin typeface="Optima LT Medium" panose="020B0400000000000000"/>
+              </a:rPr>
+              <a:t>TODO: Put some profiles here</a:t>
+            </a:r>
+            <a:endParaRPr lang="en-US" sz="2000" b="0" strike="noStrike" spc="-86">
+              <a:latin typeface="Optima LT Medium" panose="020B0400000000000000"/>
+            </a:endParaRPr>
+          </a:p>
+        </p:txBody>
+      </p:sp>
+      <p:pic>
+        <p:nvPicPr>
+          <p:cNvPr id="3" name="图片 2" descr="equation (4)"/>
+          <p:cNvPicPr>
+            <a:picLocks noChangeAspect="1"/>
+          </p:cNvPicPr>
+          <p:nvPr/>
+        </p:nvPicPr>
+        <p:blipFill>
+          <a:blip r:embed="rId1">
+            <a:extLst>
+              <a:ext uri="{96DAC541-7B7A-43D3-8B79-37D633B846F1}">
+                <asvg:svgBlip xmlns:asvg="http://schemas.microsoft.com/office/drawing/2016/SVG/main" r:embed="rId2"/>
+              </a:ext>
+            </a:extLst>
+          </a:blip>
+          <a:stretch>
+            <a:fillRect/>
+          </a:stretch>
+        </p:blipFill>
+        <p:spPr>
+          <a:xfrm>
+            <a:off x="4569460" y="1097915"/>
+            <a:ext cx="1217295" cy="201295"/>
+          </a:xfrm>
+          <a:prstGeom prst="rect">
+            <a:avLst/>
+          </a:prstGeom>
+        </p:spPr>
+      </p:pic>
+      <p:pic>
+        <p:nvPicPr>
+          <p:cNvPr id="4" name="图片 3" descr="pinR"/>
+          <p:cNvPicPr>
+            <a:picLocks noChangeAspect="1"/>
+          </p:cNvPicPr>
+          <p:nvPr/>
+        </p:nvPicPr>
+        <p:blipFill>
+          <a:blip r:embed="rId3">
+            <a:extLst>
+              <a:ext uri="{96DAC541-7B7A-43D3-8B79-37D633B846F1}">
+                <asvg:svgBlip xmlns:asvg="http://schemas.microsoft.com/office/drawing/2016/SVG/main" r:embed="rId4"/>
+              </a:ext>
+            </a:extLst>
+          </a:blip>
+          <a:stretch>
+            <a:fillRect/>
+          </a:stretch>
+        </p:blipFill>
+        <p:spPr>
+          <a:xfrm>
+            <a:off x="3961765" y="1771650"/>
+            <a:ext cx="1028700" cy="295275"/>
+          </a:xfrm>
+          <a:prstGeom prst="rect">
+            <a:avLst/>
+          </a:prstGeom>
+        </p:spPr>
+      </p:pic>
+      <p:pic>
+        <p:nvPicPr>
+          <p:cNvPr id="7" name="图片 6" descr="avg"/>
+          <p:cNvPicPr>
+            <a:picLocks noChangeAspect="1"/>
+          </p:cNvPicPr>
+          <p:nvPr/>
+        </p:nvPicPr>
+        <p:blipFill>
+          <a:blip r:embed="rId5">
+            <a:extLst>
+              <a:ext uri="{96DAC541-7B7A-43D3-8B79-37D633B846F1}">
+                <asvg:svgBlip xmlns:asvg="http://schemas.microsoft.com/office/drawing/2016/SVG/main" r:embed="rId6"/>
+              </a:ext>
+            </a:extLst>
+          </a:blip>
+          <a:stretch>
+            <a:fillRect/>
+          </a:stretch>
+        </p:blipFill>
+        <p:spPr>
+          <a:xfrm>
+            <a:off x="3718560" y="2709545"/>
+            <a:ext cx="1514475" cy="571500"/>
+          </a:xfrm>
+          <a:prstGeom prst="rect">
+            <a:avLst/>
+          </a:prstGeom>
+        </p:spPr>
+      </p:pic>
+    </p:spTree>
+  </p:cSld>
+  <p:clrMapOvr>
+    <a:masterClrMapping/>
+  </p:clrMapOvr>
+  <mc:AlternateContent xmlns:mc="http://schemas.openxmlformats.org/markup-compatibility/2006">
+    <mc:Choice xmlns:p14="http://schemas.microsoft.com/office/powerpoint/2010/main" Requires="p14">
+      <p:transition spd="slow" p14:dur="2000"/>
+    </mc:Choice>
+    <mc:Fallback>
+      <p:transition spd="slow"/>
+    </mc:Fallback>
+  </mc:AlternateContent>
+</p:sld>
+</file>
+
+<file path=ppt/slides/slide6.xml><?xml version="1.0" encoding="utf-8"?>
+<p:sld xmlns:a="http://schemas.openxmlformats.org/drawingml/2006/main" xmlns:r="http://schemas.openxmlformats.org/officeDocument/2006/relationships" xmlns:p="http://schemas.openxmlformats.org/presentationml/2006/main">
+  <p:cSld>
+    <p:spTree>
+      <p:nvGrpSpPr>
+        <p:cNvPr id="1" name=""/>
+        <p:cNvGrpSpPr/>
+        <p:nvPr/>
+      </p:nvGrpSpPr>
+      <p:grpSpPr>
+        <a:xfrm>
+          <a:off x="0" y="0"/>
+          <a:ext cx="0" cy="0"/>
+          <a:chOff x="0" y="0"/>
+          <a:chExt cx="0" cy="0"/>
+        </a:xfrm>
+      </p:grpSpPr>
+      <p:sp>
+        <p:nvSpPr>
+          <p:cNvPr id="46" name="CustomShape 1"/>
+          <p:cNvSpPr/>
+          <p:nvPr/>
+        </p:nvSpPr>
+        <p:spPr>
+          <a:xfrm>
+            <a:off x="504000" y="63360"/>
+            <a:ext cx="9071280" cy="1271520"/>
+          </a:xfrm>
+          <a:prstGeom prst="rect">
+            <a:avLst/>
+          </a:prstGeom>
+          <a:noFill/>
+          <a:ln w="0">
+            <a:noFill/>
+          </a:ln>
+        </p:spPr>
+        <p:style>
+          <a:lnRef idx="0">
+            <a:srgbClr val="FFFFFF"/>
+          </a:lnRef>
+          <a:fillRef idx="0">
+            <a:srgbClr val="FFFFFF"/>
+          </a:fillRef>
+          <a:effectRef idx="0">
+            <a:srgbClr val="FFFFFF"/>
+          </a:effectRef>
+          <a:fontRef idx="minor"/>
+        </p:style>
+      </p:sp>
+      <p:sp>
+        <p:nvSpPr>
+          <p:cNvPr id="47" name="CustomShape 2"/>
+          <p:cNvSpPr/>
+          <p:nvPr/>
+        </p:nvSpPr>
+        <p:spPr>
+          <a:xfrm>
+            <a:off x="1371600" y="1284120"/>
+            <a:ext cx="9071280" cy="3287880"/>
+          </a:xfrm>
+          <a:prstGeom prst="rect">
+            <a:avLst/>
+          </a:prstGeom>
+          <a:noFill/>
+          <a:ln w="0">
+            <a:noFill/>
+          </a:ln>
+        </p:spPr>
+        <p:style>
+          <a:lnRef idx="0">
+            <a:srgbClr val="FFFFFF"/>
+          </a:lnRef>
+          <a:fillRef idx="0">
+            <a:srgbClr val="FFFFFF"/>
+          </a:fillRef>
+          <a:effectRef idx="0">
+            <a:srgbClr val="FFFFFF"/>
+          </a:effectRef>
+          <a:fontRef idx="minor"/>
+        </p:style>
+      </p:sp>
+      <p:sp>
+        <p:nvSpPr>
+          <p:cNvPr id="48" name="TextShape 3"/>
+          <p:cNvSpPr txBox="1"/>
+          <p:nvPr/>
+        </p:nvSpPr>
+        <p:spPr>
+          <a:xfrm>
+            <a:off x="685800" y="300600"/>
+            <a:ext cx="6858000" cy="457200"/>
+          </a:xfrm>
+          <a:prstGeom prst="rect">
+            <a:avLst/>
+          </a:prstGeom>
+          <a:noFill/>
+          <a:ln w="0">
+            <a:noFill/>
+          </a:ln>
+        </p:spPr>
+        <p:txBody>
+          <a:bodyPr lIns="90000" tIns="45000" rIns="90000" bIns="45000">
+            <a:noAutofit/>
+          </a:bodyPr>
+          <a:p>
+            <a:pPr>
+              <a:lnSpc>
+                <a:spcPct val="100000"/>
+              </a:lnSpc>
+            </a:pPr>
+            <a:r>
+              <a:rPr lang="en-US" sz="2400" b="0" strike="noStrike" spc="-1">
+                <a:latin typeface="Optima LT DemiBold" panose="020B0400000000000000"/>
+              </a:rPr>
+              <a:t>Background &amp; Motivation</a:t>
+            </a:r>
+            <a:endParaRPr lang="en-US" sz="2400" b="0" strike="noStrike" spc="-1">
+              <a:latin typeface="Optima LT DemiBold" panose="020B0400000000000000"/>
+            </a:endParaRPr>
+          </a:p>
+        </p:txBody>
+      </p:sp>
+      <p:pic>
+        <p:nvPicPr>
+          <p:cNvPr id="49" name="图片 48"/>
+          <p:cNvPicPr/>
+          <p:nvPr/>
+        </p:nvPicPr>
+        <p:blipFill>
+          <a:blip r:embed="rId1"/>
+          <a:stretch>
+            <a:fillRect/>
+          </a:stretch>
+        </p:blipFill>
+        <p:spPr>
+          <a:xfrm>
+            <a:off x="48600" y="1143000"/>
+            <a:ext cx="6629400" cy="3059640"/>
+          </a:xfrm>
+          <a:prstGeom prst="rect">
+            <a:avLst/>
+          </a:prstGeom>
+          <a:ln w="0">
+            <a:noFill/>
+          </a:ln>
+        </p:spPr>
+      </p:pic>
+      <p:sp>
+        <p:nvSpPr>
+          <p:cNvPr id="50" name="CustomShape 4"/>
+          <p:cNvSpPr/>
+          <p:nvPr/>
+        </p:nvSpPr>
+        <p:spPr>
+          <a:xfrm>
+            <a:off x="2360520" y="3121560"/>
+            <a:ext cx="2151720" cy="775800"/>
+          </a:xfrm>
+          <a:prstGeom prst="rect">
+            <a:avLst/>
+          </a:prstGeom>
+          <a:solidFill>
+            <a:srgbClr val="FFFFFF"/>
+          </a:solidFill>
+          <a:ln w="0">
+            <a:solidFill>
+              <a:srgbClr val="FFFFFF"/>
+            </a:solidFill>
+          </a:ln>
+        </p:spPr>
+        <p:style>
+          <a:lnRef idx="0">
+            <a:srgbClr val="FFFFFF"/>
+          </a:lnRef>
+          <a:fillRef idx="0">
+            <a:srgbClr val="FFFFFF"/>
+          </a:fillRef>
+          <a:effectRef idx="0">
+            <a:srgbClr val="FFFFFF"/>
+          </a:effectRef>
+          <a:fontRef idx="minor"/>
+        </p:style>
+      </p:sp>
+      <p:sp>
+        <p:nvSpPr>
+          <p:cNvPr id="51" name="CustomShape 5"/>
+          <p:cNvSpPr/>
+          <p:nvPr/>
+        </p:nvSpPr>
+        <p:spPr>
+          <a:xfrm>
+            <a:off x="2782080" y="2915640"/>
+            <a:ext cx="781200" cy="578160"/>
+          </a:xfrm>
+          <a:prstGeom prst="rect">
+            <a:avLst/>
+          </a:prstGeom>
+          <a:solidFill>
+            <a:srgbClr val="FFFFFF"/>
+          </a:solidFill>
+          <a:ln w="0">
+            <a:solidFill>
+              <a:srgbClr val="FFFFFF"/>
+            </a:solidFill>
+          </a:ln>
+        </p:spPr>
+        <p:style>
+          <a:lnRef idx="0">
+            <a:srgbClr val="FFFFFF"/>
+          </a:lnRef>
+          <a:fillRef idx="0">
+            <a:srgbClr val="FFFFFF"/>
+          </a:fillRef>
+          <a:effectRef idx="0">
+            <a:srgbClr val="FFFFFF"/>
+          </a:effectRef>
+          <a:fontRef idx="minor"/>
+        </p:style>
+      </p:sp>
+      <p:sp>
+        <p:nvSpPr>
+          <p:cNvPr id="52" name="CustomShape 6"/>
+          <p:cNvSpPr/>
+          <p:nvPr/>
+        </p:nvSpPr>
+        <p:spPr>
+          <a:xfrm>
+            <a:off x="1208880" y="1143000"/>
+            <a:ext cx="4048560" cy="569880"/>
+          </a:xfrm>
+          <a:prstGeom prst="rect">
+            <a:avLst/>
+          </a:prstGeom>
+          <a:solidFill>
+            <a:srgbClr val="FFFFFF"/>
+          </a:solidFill>
+          <a:ln w="0">
+            <a:solidFill>
+              <a:srgbClr val="FFFFFF"/>
+            </a:solidFill>
+          </a:ln>
+        </p:spPr>
+        <p:style>
+          <a:lnRef idx="0">
+            <a:srgbClr val="FFFFFF"/>
+          </a:lnRef>
+          <a:fillRef idx="0">
+            <a:srgbClr val="FFFFFF"/>
+          </a:fillRef>
+          <a:effectRef idx="0">
+            <a:srgbClr val="FFFFFF"/>
+          </a:effectRef>
+          <a:fontRef idx="minor"/>
+        </p:style>
+      </p:sp>
+      <p:sp>
+        <p:nvSpPr>
+          <p:cNvPr id="53" name="TextShape 7"/>
+          <p:cNvSpPr txBox="1"/>
+          <p:nvPr/>
+        </p:nvSpPr>
+        <p:spPr>
+          <a:xfrm>
+            <a:off x="170640" y="4369680"/>
+            <a:ext cx="6448680" cy="430920"/>
+          </a:xfrm>
+          <a:prstGeom prst="rect">
+            <a:avLst/>
+          </a:prstGeom>
+          <a:noFill/>
+          <a:ln w="0">
+            <a:noFill/>
+          </a:ln>
+        </p:spPr>
+        <p:txBody>
+          <a:bodyPr lIns="90000" tIns="45000" rIns="90000" bIns="45000">
+            <a:noAutofit/>
+          </a:bodyPr>
+          <a:p>
+            <a:pPr algn="ctr">
+              <a:lnSpc>
+                <a:spcPct val="100000"/>
+              </a:lnSpc>
+            </a:pPr>
+            <a:r>
+              <a:rPr lang="en-US" sz="1600" b="0" strike="noStrike" spc="-86">
+                <a:latin typeface="Optima LT DemiBold" panose="020B0400000000000000"/>
+              </a:rPr>
+              <a:t>A generic autoencoder</a:t>
+            </a:r>
+            <a:endParaRPr lang="en-US" sz="1600" b="0" strike="noStrike" spc="-86">
+              <a:latin typeface="Optima LT DemiBold" panose="020B0400000000000000"/>
+            </a:endParaRPr>
+          </a:p>
+        </p:txBody>
+      </p:sp>
+      <p:pic>
+        <p:nvPicPr>
+          <p:cNvPr id="54" name="图片 53"/>
+          <p:cNvPicPr/>
+          <p:nvPr/>
+        </p:nvPicPr>
+        <p:blipFill>
+          <a:blip r:embed="rId2"/>
+          <a:stretch>
+            <a:fillRect/>
+          </a:stretch>
+        </p:blipFill>
+        <p:spPr>
+          <a:xfrm>
+            <a:off x="6977160" y="2148120"/>
+            <a:ext cx="1891440" cy="389520"/>
+          </a:xfrm>
+          <a:prstGeom prst="rect">
+            <a:avLst/>
+          </a:prstGeom>
+          <a:ln w="0">
+            <a:noFill/>
+          </a:ln>
+        </p:spPr>
+      </p:pic>
+      <p:sp>
+        <p:nvSpPr>
+          <p:cNvPr id="55" name="TextShape 8"/>
+          <p:cNvSpPr txBox="1"/>
+          <p:nvPr/>
+        </p:nvSpPr>
+        <p:spPr>
+          <a:xfrm>
+            <a:off x="7652880" y="2728800"/>
+            <a:ext cx="1755720" cy="541440"/>
+          </a:xfrm>
+          <a:prstGeom prst="rect">
+            <a:avLst/>
+          </a:prstGeom>
+          <a:noFill/>
+          <a:ln w="0">
+            <a:noFill/>
+          </a:ln>
+        </p:spPr>
+        <p:txBody>
+          <a:bodyPr lIns="90000" tIns="45000" rIns="90000" bIns="45000">
+            <a:noAutofit/>
+          </a:bodyPr>
+          <a:p>
+            <a:pPr>
+              <a:lnSpc>
+                <a:spcPct val="100000"/>
+              </a:lnSpc>
+            </a:pPr>
+            <a:r>
+              <a:rPr lang="en-US" sz="1500" b="0" strike="noStrike" spc="-86">
+                <a:latin typeface="Optima LT Medium" panose="020B0400000000000000"/>
+              </a:rPr>
+              <a:t>low dimensional </a:t>
+            </a:r>
+            <a:r>
+              <a:rPr lang="en-US" sz="1500" b="0" i="1" strike="noStrike" spc="-86">
+                <a:latin typeface="Optima LT Medium" panose="020B0400000000000000"/>
+              </a:rPr>
+              <a:t>latent</a:t>
+            </a:r>
+            <a:r>
+              <a:rPr lang="en-US" sz="1500" b="0" strike="noStrike" spc="-86">
+                <a:latin typeface="Optima LT Medium" panose="020B0400000000000000"/>
+              </a:rPr>
+              <a:t> variable.</a:t>
+            </a:r>
+            <a:endParaRPr lang="en-US" sz="1500" b="0" strike="noStrike" spc="-86">
+              <a:latin typeface="Optima LT Medium" panose="020B0400000000000000"/>
+            </a:endParaRPr>
+          </a:p>
+        </p:txBody>
+      </p:sp>
+      <p:pic>
+        <p:nvPicPr>
+          <p:cNvPr id="56" name="图片 55"/>
+          <p:cNvPicPr/>
+          <p:nvPr/>
+        </p:nvPicPr>
+        <p:blipFill>
+          <a:blip r:embed="rId3"/>
+          <a:stretch>
+            <a:fillRect/>
+          </a:stretch>
+        </p:blipFill>
+        <p:spPr>
+          <a:xfrm>
+            <a:off x="7002000" y="2744640"/>
+            <a:ext cx="687240" cy="205560"/>
+          </a:xfrm>
+          <a:prstGeom prst="rect">
+            <a:avLst/>
+          </a:prstGeom>
+          <a:ln w="0">
+            <a:noFill/>
+          </a:ln>
+        </p:spPr>
+      </p:pic>
+    </p:spTree>
+  </p:cSld>
+  <p:clrMapOvr>
+    <a:masterClrMapping/>
+  </p:clrMapOvr>
+  <mc:AlternateContent xmlns:mc="http://schemas.openxmlformats.org/markup-compatibility/2006">
+    <mc:Choice xmlns:p14="http://schemas.microsoft.com/office/powerpoint/2010/main" Requires="p14">
+      <p:transition spd="slow" p14:dur="2000"/>
+    </mc:Choice>
+    <mc:Fallback>
+      <p:transition spd="slow"/>
+    </mc:Fallback>
+  </mc:AlternateContent>
+</p:sld>
+</file>
+
+<file path=ppt/slides/slide7.xml><?xml version="1.0" encoding="utf-8"?>
+<p:sld xmlns:a="http://schemas.openxmlformats.org/drawingml/2006/main" xmlns:r="http://schemas.openxmlformats.org/officeDocument/2006/relationships" xmlns:p="http://schemas.openxmlformats.org/presentationml/2006/main">
+  <p:cSld>
+    <p:spTree>
+      <p:nvGrpSpPr>
+        <p:cNvPr id="1" name=""/>
+        <p:cNvGrpSpPr/>
+        <p:nvPr/>
+      </p:nvGrpSpPr>
+      <p:grpSpPr>
+        <a:xfrm>
+          <a:off x="0" y="0"/>
+          <a:ext cx="0" cy="0"/>
+          <a:chOff x="0" y="0"/>
+          <a:chExt cx="0" cy="0"/>
+        </a:xfrm>
+      </p:grpSpPr>
+      <p:sp>
+        <p:nvSpPr>
+          <p:cNvPr id="46" name="CustomShape 1"/>
+          <p:cNvSpPr/>
+          <p:nvPr/>
+        </p:nvSpPr>
+        <p:spPr>
+          <a:xfrm>
+            <a:off x="504000" y="63360"/>
+            <a:ext cx="9071280" cy="1271520"/>
+          </a:xfrm>
+          <a:prstGeom prst="rect">
+            <a:avLst/>
+          </a:prstGeom>
+          <a:noFill/>
+          <a:ln w="0">
+            <a:noFill/>
+          </a:ln>
+        </p:spPr>
+        <p:style>
+          <a:lnRef idx="0">
+            <a:srgbClr val="FFFFFF"/>
+          </a:lnRef>
+          <a:fillRef idx="0">
+            <a:srgbClr val="FFFFFF"/>
+          </a:fillRef>
+          <a:effectRef idx="0">
+            <a:srgbClr val="FFFFFF"/>
+          </a:effectRef>
+          <a:fontRef idx="minor"/>
+        </p:style>
+      </p:sp>
+      <p:sp>
+        <p:nvSpPr>
+          <p:cNvPr id="47" name="CustomShape 2"/>
+          <p:cNvSpPr/>
+          <p:nvPr/>
+        </p:nvSpPr>
+        <p:spPr>
+          <a:xfrm>
+            <a:off x="1371600" y="1284120"/>
+            <a:ext cx="9071280" cy="3287880"/>
+          </a:xfrm>
+          <a:prstGeom prst="rect">
+            <a:avLst/>
+          </a:prstGeom>
+          <a:noFill/>
+          <a:ln w="0">
+            <a:noFill/>
+          </a:ln>
+        </p:spPr>
+        <p:style>
+          <a:lnRef idx="0">
+            <a:srgbClr val="FFFFFF"/>
+          </a:lnRef>
+          <a:fillRef idx="0">
+            <a:srgbClr val="FFFFFF"/>
+          </a:fillRef>
+          <a:effectRef idx="0">
+            <a:srgbClr val="FFFFFF"/>
+          </a:effectRef>
+          <a:fontRef idx="minor"/>
+        </p:style>
+      </p:sp>
+      <p:sp>
+        <p:nvSpPr>
+          <p:cNvPr id="48" name="TextShape 3"/>
+          <p:cNvSpPr txBox="1"/>
+          <p:nvPr/>
+        </p:nvSpPr>
+        <p:spPr>
+          <a:xfrm>
+            <a:off x="685800" y="300600"/>
+            <a:ext cx="6858000" cy="457200"/>
+          </a:xfrm>
+          <a:prstGeom prst="rect">
+            <a:avLst/>
+          </a:prstGeom>
+          <a:noFill/>
+          <a:ln w="0">
+            <a:noFill/>
+          </a:ln>
+        </p:spPr>
+        <p:txBody>
+          <a:bodyPr lIns="90000" tIns="45000" rIns="90000" bIns="45000">
+            <a:noAutofit/>
+          </a:bodyPr>
+          <a:p>
+            <a:pPr>
+              <a:lnSpc>
+                <a:spcPct val="100000"/>
+              </a:lnSpc>
+            </a:pPr>
+            <a:r>
+              <a:rPr lang="en-US" sz="2400" b="0" strike="noStrike" spc="-1">
+                <a:latin typeface="Optima LT DemiBold" panose="020B0400000000000000"/>
+              </a:rPr>
+              <a:t>Background &amp; Motivation</a:t>
+            </a:r>
+            <a:endParaRPr lang="en-US" sz="2400" b="0" strike="noStrike" spc="-1">
+              <a:latin typeface="Optima LT DemiBold" panose="020B0400000000000000"/>
+            </a:endParaRPr>
+          </a:p>
+        </p:txBody>
+      </p:sp>
+      <p:pic>
+        <p:nvPicPr>
+          <p:cNvPr id="49" name="图片 48"/>
+          <p:cNvPicPr/>
+          <p:nvPr/>
+        </p:nvPicPr>
+        <p:blipFill>
+          <a:blip r:embed="rId1"/>
+          <a:stretch>
+            <a:fillRect/>
+          </a:stretch>
+        </p:blipFill>
+        <p:spPr>
+          <a:xfrm>
+            <a:off x="48600" y="1143000"/>
+            <a:ext cx="6629400" cy="3059640"/>
+          </a:xfrm>
+          <a:prstGeom prst="rect">
+            <a:avLst/>
+          </a:prstGeom>
+          <a:ln w="0">
+            <a:noFill/>
+          </a:ln>
+        </p:spPr>
+      </p:pic>
+      <p:sp>
+        <p:nvSpPr>
+          <p:cNvPr id="50" name="CustomShape 4"/>
+          <p:cNvSpPr/>
+          <p:nvPr/>
+        </p:nvSpPr>
+        <p:spPr>
+          <a:xfrm>
+            <a:off x="2360520" y="3121560"/>
+            <a:ext cx="2151720" cy="775800"/>
+          </a:xfrm>
+          <a:prstGeom prst="rect">
+            <a:avLst/>
+          </a:prstGeom>
+          <a:solidFill>
+            <a:srgbClr val="FFFFFF"/>
+          </a:solidFill>
+          <a:ln w="0">
+            <a:solidFill>
+              <a:srgbClr val="FFFFFF"/>
+            </a:solidFill>
+          </a:ln>
+        </p:spPr>
+        <p:style>
+          <a:lnRef idx="0">
+            <a:srgbClr val="FFFFFF"/>
+          </a:lnRef>
+          <a:fillRef idx="0">
+            <a:srgbClr val="FFFFFF"/>
+          </a:fillRef>
+          <a:effectRef idx="0">
+            <a:srgbClr val="FFFFFF"/>
+          </a:effectRef>
+          <a:fontRef idx="minor"/>
+        </p:style>
+      </p:sp>
+      <p:sp>
+        <p:nvSpPr>
+          <p:cNvPr id="51" name="CustomShape 5"/>
+          <p:cNvSpPr/>
+          <p:nvPr/>
+        </p:nvSpPr>
+        <p:spPr>
+          <a:xfrm>
+            <a:off x="2782080" y="2915640"/>
+            <a:ext cx="781200" cy="578160"/>
+          </a:xfrm>
+          <a:prstGeom prst="rect">
+            <a:avLst/>
+          </a:prstGeom>
+          <a:solidFill>
+            <a:srgbClr val="FFFFFF"/>
+          </a:solidFill>
+          <a:ln w="0">
+            <a:solidFill>
+              <a:srgbClr val="FFFFFF"/>
+            </a:solidFill>
+          </a:ln>
+        </p:spPr>
+        <p:style>
+          <a:lnRef idx="0">
+            <a:srgbClr val="FFFFFF"/>
+          </a:lnRef>
+          <a:fillRef idx="0">
+            <a:srgbClr val="FFFFFF"/>
+          </a:fillRef>
+          <a:effectRef idx="0">
+            <a:srgbClr val="FFFFFF"/>
+          </a:effectRef>
+          <a:fontRef idx="minor"/>
+        </p:style>
+      </p:sp>
+      <p:sp>
+        <p:nvSpPr>
+          <p:cNvPr id="52" name="CustomShape 6"/>
+          <p:cNvSpPr/>
+          <p:nvPr/>
+        </p:nvSpPr>
+        <p:spPr>
+          <a:xfrm>
+            <a:off x="1208880" y="1143000"/>
+            <a:ext cx="4048560" cy="569880"/>
+          </a:xfrm>
+          <a:prstGeom prst="rect">
+            <a:avLst/>
+          </a:prstGeom>
+          <a:solidFill>
+            <a:srgbClr val="FFFFFF"/>
+          </a:solidFill>
+          <a:ln w="0">
+            <a:solidFill>
+              <a:srgbClr val="FFFFFF"/>
+            </a:solidFill>
+          </a:ln>
+        </p:spPr>
+        <p:style>
+          <a:lnRef idx="0">
+            <a:srgbClr val="FFFFFF"/>
+          </a:lnRef>
+          <a:fillRef idx="0">
+            <a:srgbClr val="FFFFFF"/>
+          </a:fillRef>
+          <a:effectRef idx="0">
+            <a:srgbClr val="FFFFFF"/>
+          </a:effectRef>
+          <a:fontRef idx="minor"/>
+        </p:style>
+      </p:sp>
+      <p:sp>
+        <p:nvSpPr>
+          <p:cNvPr id="53" name="TextShape 7"/>
+          <p:cNvSpPr txBox="1"/>
+          <p:nvPr/>
+        </p:nvSpPr>
+        <p:spPr>
+          <a:xfrm>
+            <a:off x="170640" y="4369680"/>
+            <a:ext cx="6448680" cy="430920"/>
+          </a:xfrm>
+          <a:prstGeom prst="rect">
+            <a:avLst/>
+          </a:prstGeom>
+          <a:noFill/>
+          <a:ln w="0">
+            <a:noFill/>
+          </a:ln>
+        </p:spPr>
+        <p:txBody>
+          <a:bodyPr lIns="90000" tIns="45000" rIns="90000" bIns="45000">
+            <a:noAutofit/>
+          </a:bodyPr>
+          <a:p>
+            <a:pPr algn="ctr">
+              <a:lnSpc>
+                <a:spcPct val="100000"/>
+              </a:lnSpc>
+            </a:pPr>
+            <a:r>
+              <a:rPr lang="en-US" sz="1600" b="0" strike="noStrike" spc="-86">
+                <a:latin typeface="Optima LT DemiBold" panose="020B0400000000000000"/>
+              </a:rPr>
+              <a:t>A generic autoencoder</a:t>
+            </a:r>
+            <a:endParaRPr lang="en-US" sz="1600" b="0" strike="noStrike" spc="-86">
+              <a:latin typeface="Optima LT DemiBold" panose="020B0400000000000000"/>
+            </a:endParaRPr>
+          </a:p>
+        </p:txBody>
+      </p:sp>
+      <p:pic>
+        <p:nvPicPr>
+          <p:cNvPr id="54" name="图片 53"/>
+          <p:cNvPicPr/>
+          <p:nvPr/>
+        </p:nvPicPr>
+        <p:blipFill>
+          <a:blip r:embed="rId2"/>
+          <a:stretch>
+            <a:fillRect/>
+          </a:stretch>
+        </p:blipFill>
+        <p:spPr>
+          <a:xfrm>
+            <a:off x="6977160" y="2148120"/>
+            <a:ext cx="1891440" cy="389520"/>
+          </a:xfrm>
+          <a:prstGeom prst="rect">
+            <a:avLst/>
+          </a:prstGeom>
+          <a:ln w="0">
+            <a:noFill/>
+          </a:ln>
+        </p:spPr>
+      </p:pic>
+      <p:sp>
+        <p:nvSpPr>
+          <p:cNvPr id="55" name="TextShape 8"/>
+          <p:cNvSpPr txBox="1"/>
+          <p:nvPr/>
+        </p:nvSpPr>
+        <p:spPr>
+          <a:xfrm>
+            <a:off x="7652880" y="2728800"/>
+            <a:ext cx="1755720" cy="541440"/>
+          </a:xfrm>
+          <a:prstGeom prst="rect">
+            <a:avLst/>
+          </a:prstGeom>
+          <a:noFill/>
+          <a:ln w="0">
+            <a:noFill/>
+          </a:ln>
+        </p:spPr>
+        <p:txBody>
+          <a:bodyPr lIns="90000" tIns="45000" rIns="90000" bIns="45000">
+            <a:noAutofit/>
+          </a:bodyPr>
+          <a:p>
+            <a:pPr>
+              <a:lnSpc>
+                <a:spcPct val="100000"/>
+              </a:lnSpc>
+            </a:pPr>
+            <a:r>
+              <a:rPr lang="en-US" sz="1500" b="0" strike="noStrike" spc="-86">
+                <a:latin typeface="Optima LT Medium" panose="020B0400000000000000"/>
+              </a:rPr>
+              <a:t>low dimensional </a:t>
+            </a:r>
+            <a:r>
+              <a:rPr lang="en-US" sz="1500" b="0" i="1" strike="noStrike" spc="-86">
+                <a:latin typeface="Optima LT Medium" panose="020B0400000000000000"/>
+              </a:rPr>
+              <a:t>latent</a:t>
+            </a:r>
+            <a:r>
+              <a:rPr lang="en-US" sz="1500" b="0" strike="noStrike" spc="-86">
+                <a:latin typeface="Optima LT Medium" panose="020B0400000000000000"/>
+              </a:rPr>
+              <a:t> variable.</a:t>
+            </a:r>
+            <a:endParaRPr lang="en-US" sz="1500" b="0" strike="noStrike" spc="-86">
+              <a:latin typeface="Optima LT Medium" panose="020B0400000000000000"/>
+            </a:endParaRPr>
+          </a:p>
+        </p:txBody>
+      </p:sp>
+      <p:pic>
+        <p:nvPicPr>
+          <p:cNvPr id="56" name="图片 55"/>
+          <p:cNvPicPr/>
+          <p:nvPr/>
+        </p:nvPicPr>
+        <p:blipFill>
+          <a:blip r:embed="rId3"/>
+          <a:stretch>
+            <a:fillRect/>
+          </a:stretch>
+        </p:blipFill>
+        <p:spPr>
+          <a:xfrm>
+            <a:off x="7002000" y="2744640"/>
+            <a:ext cx="687240" cy="205560"/>
+          </a:xfrm>
+          <a:prstGeom prst="rect">
+            <a:avLst/>
+          </a:prstGeom>
+          <a:ln w="0">
+            <a:noFill/>
+          </a:ln>
+        </p:spPr>
+      </p:pic>
+    </p:spTree>
+  </p:cSld>
+  <p:clrMapOvr>
+    <a:masterClrMapping/>
+  </p:clrMapOvr>
+  <mc:AlternateContent xmlns:mc="http://schemas.openxmlformats.org/markup-compatibility/2006">
+    <mc:Choice xmlns:p14="http://schemas.microsoft.com/office/powerpoint/2010/main" Requires="p14">
+      <p:transition spd="slow" p14:dur="2000"/>
+    </mc:Choice>
+    <mc:Fallback>
+      <p:transition spd="slow"/>
+    </mc:Fallback>
+  </mc:AlternateContent>
+</p:sld>
+</file>
+
+<file path=ppt/slides/slide8.xml><?xml version="1.0" encoding="utf-8"?>
+<p:sld xmlns:a="http://schemas.openxmlformats.org/drawingml/2006/main" xmlns:r="http://schemas.openxmlformats.org/officeDocument/2006/relationships" xmlns:p="http://schemas.openxmlformats.org/presentationml/2006/main">
+  <p:cSld>
+    <p:spTree>
+      <p:nvGrpSpPr>
+        <p:cNvPr id="1" name=""/>
+        <p:cNvGrpSpPr/>
+        <p:nvPr/>
+      </p:nvGrpSpPr>
+      <p:grpSpPr>
+        <a:xfrm>
+          <a:off x="0" y="0"/>
+          <a:ext cx="0" cy="0"/>
+          <a:chOff x="0" y="0"/>
+          <a:chExt cx="0" cy="0"/>
+        </a:xfrm>
+      </p:grpSpPr>
+      <p:sp>
+        <p:nvSpPr>
+          <p:cNvPr id="57" name="CustomShape 1"/>
+          <p:cNvSpPr/>
+          <p:nvPr/>
+        </p:nvSpPr>
+        <p:spPr>
+          <a:xfrm>
+            <a:off x="4921200" y="2815200"/>
+            <a:ext cx="457200" cy="457200"/>
+          </a:xfrm>
+          <a:prstGeom prst="rect">
+            <a:avLst/>
+          </a:prstGeom>
+          <a:noFill/>
+          <a:ln w="0">
+            <a:noFill/>
+          </a:ln>
+          <a:extLst>
+            <a:ext uri="{909E8E84-426E-40DD-AFC4-6F175D3DCCD1}">
+              <a14:hiddenFill xmlns:a14="http://schemas.microsoft.com/office/drawing/2010/main">
+                <a:solidFill>
+                  <a:srgbClr val="FF6D6D"/>
+                </a:solidFill>
+              </a14:hiddenFill>
+            </a:ext>
+          </a:extLst>
+        </p:spPr>
+        <p:style>
+          <a:lnRef idx="0">
+            <a:srgbClr val="FFFFFF"/>
+          </a:lnRef>
+          <a:fillRef idx="0">
+            <a:srgbClr val="FFFFFF"/>
+          </a:fillRef>
+          <a:effectRef idx="0">
+            <a:srgbClr val="FFFFFF"/>
+          </a:effectRef>
+          <a:fontRef idx="minor"/>
+        </p:style>
+      </p:sp>
+      <p:sp>
+        <p:nvSpPr>
+          <p:cNvPr id="58" name="CustomShape 2"/>
+          <p:cNvSpPr/>
+          <p:nvPr/>
+        </p:nvSpPr>
+        <p:spPr>
+          <a:xfrm>
+            <a:off x="72720" y="328680"/>
+            <a:ext cx="9071280" cy="1271520"/>
+          </a:xfrm>
+          <a:prstGeom prst="rect">
+            <a:avLst/>
+          </a:prstGeom>
+          <a:noFill/>
+          <a:ln w="0">
+            <a:noFill/>
+          </a:ln>
+        </p:spPr>
+        <p:style>
+          <a:lnRef idx="0">
+            <a:srgbClr val="FFFFFF"/>
+          </a:lnRef>
+          <a:fillRef idx="0">
+            <a:srgbClr val="FFFFFF"/>
+          </a:fillRef>
+          <a:effectRef idx="0">
+            <a:srgbClr val="FFFFFF"/>
+          </a:effectRef>
+          <a:fontRef idx="minor"/>
+        </p:style>
+      </p:sp>
+      <p:sp>
+        <p:nvSpPr>
+          <p:cNvPr id="59" name="CustomShape 3"/>
+          <p:cNvSpPr/>
+          <p:nvPr/>
+        </p:nvSpPr>
+        <p:spPr>
+          <a:xfrm>
+            <a:off x="1371600" y="1284120"/>
+            <a:ext cx="9071280" cy="3287880"/>
+          </a:xfrm>
+          <a:prstGeom prst="rect">
+            <a:avLst/>
+          </a:prstGeom>
+          <a:noFill/>
+          <a:ln w="0">
+            <a:noFill/>
+          </a:ln>
+        </p:spPr>
+        <p:style>
+          <a:lnRef idx="0">
+            <a:srgbClr val="FFFFFF"/>
+          </a:lnRef>
+          <a:fillRef idx="0">
+            <a:srgbClr val="FFFFFF"/>
+          </a:fillRef>
+          <a:effectRef idx="0">
+            <a:srgbClr val="FFFFFF"/>
+          </a:effectRef>
+          <a:fontRef idx="minor"/>
+        </p:style>
+      </p:sp>
+      <p:sp>
+        <p:nvSpPr>
+          <p:cNvPr id="60" name="TextShape 4"/>
+          <p:cNvSpPr txBox="1"/>
+          <p:nvPr/>
+        </p:nvSpPr>
+        <p:spPr>
+          <a:xfrm>
+            <a:off x="685800" y="300600"/>
+            <a:ext cx="6858000" cy="457200"/>
+          </a:xfrm>
+          <a:prstGeom prst="rect">
+            <a:avLst/>
+          </a:prstGeom>
+          <a:noFill/>
+          <a:ln w="0">
+            <a:noFill/>
+          </a:ln>
+        </p:spPr>
+        <p:txBody>
+          <a:bodyPr lIns="90000" tIns="45000" rIns="90000" bIns="45000">
+            <a:noAutofit/>
+          </a:bodyPr>
+          <a:p>
+            <a:pPr>
+              <a:lnSpc>
+                <a:spcPct val="100000"/>
+              </a:lnSpc>
+            </a:pPr>
+            <a:r>
+              <a:rPr lang="en-US" sz="2400" b="0" strike="noStrike" spc="-1">
+                <a:latin typeface="Optima LT DemiBold" panose="020B0400000000000000"/>
+              </a:rPr>
+              <a:t>PCA is a linear autoencoder</a:t>
+            </a:r>
+            <a:endParaRPr lang="en-US" sz="2400" b="0" strike="noStrike" spc="-1">
+              <a:latin typeface="Optima LT DemiBold" panose="020B0400000000000000"/>
+            </a:endParaRPr>
+          </a:p>
+        </p:txBody>
+      </p:sp>
+      <p:pic>
+        <p:nvPicPr>
+          <p:cNvPr id="61" name="图片 60"/>
+          <p:cNvPicPr/>
+          <p:nvPr/>
+        </p:nvPicPr>
+        <p:blipFill>
+          <a:blip r:embed="rId1">
+            <a:alphaModFix amt="75000"/>
+          </a:blip>
+          <a:stretch>
+            <a:fillRect/>
+          </a:stretch>
+        </p:blipFill>
+        <p:spPr>
+          <a:xfrm>
+            <a:off x="2250000" y="2882520"/>
+            <a:ext cx="423360" cy="317880"/>
+          </a:xfrm>
+          <a:prstGeom prst="rect">
+            <a:avLst/>
+          </a:prstGeom>
+          <a:ln w="0">
+            <a:noFill/>
+          </a:ln>
+        </p:spPr>
+      </p:pic>
+      <p:sp>
+        <p:nvSpPr>
+          <p:cNvPr id="62" name="Line 5"/>
+          <p:cNvSpPr/>
+          <p:nvPr/>
+        </p:nvSpPr>
+        <p:spPr>
+          <a:xfrm>
+            <a:off x="2791800" y="3043800"/>
+            <a:ext cx="2057400" cy="0"/>
+          </a:xfrm>
+          <a:prstGeom prst="line">
+            <a:avLst/>
+          </a:prstGeom>
+          <a:ln w="0">
+            <a:solidFill>
+              <a:srgbClr val="999999"/>
+            </a:solidFill>
+            <a:tailEnd type="triangle" w="med" len="med"/>
+          </a:ln>
+        </p:spPr>
+        <p:style>
+          <a:lnRef idx="0">
+            <a:srgbClr val="FFFFFF"/>
+          </a:lnRef>
+          <a:fillRef idx="0">
+            <a:srgbClr val="FFFFFF"/>
+          </a:fillRef>
+          <a:effectRef idx="0">
+            <a:srgbClr val="FFFFFF"/>
+          </a:effectRef>
+          <a:fontRef idx="minor"/>
+        </p:style>
+      </p:sp>
+      <p:pic>
+        <p:nvPicPr>
+          <p:cNvPr id="63" name="图片 62"/>
+          <p:cNvPicPr/>
+          <p:nvPr/>
+        </p:nvPicPr>
+        <p:blipFill>
+          <a:blip r:embed="rId2"/>
+          <a:stretch>
+            <a:fillRect/>
+          </a:stretch>
+        </p:blipFill>
+        <p:spPr>
+          <a:xfrm>
+            <a:off x="5029200" y="2935080"/>
+            <a:ext cx="265320" cy="230040"/>
+          </a:xfrm>
+          <a:prstGeom prst="rect">
+            <a:avLst/>
+          </a:prstGeom>
+          <a:ln w="0">
+            <a:noFill/>
+          </a:ln>
+        </p:spPr>
+      </p:pic>
+      <p:pic>
+        <p:nvPicPr>
+          <p:cNvPr id="64" name="图片 63"/>
+          <p:cNvPicPr/>
+          <p:nvPr/>
+        </p:nvPicPr>
+        <p:blipFill>
+          <a:blip r:embed="rId3"/>
+          <a:stretch>
+            <a:fillRect/>
+          </a:stretch>
+        </p:blipFill>
+        <p:spPr>
+          <a:xfrm>
+            <a:off x="7537320" y="2632320"/>
+            <a:ext cx="603360" cy="567000"/>
+          </a:xfrm>
+          <a:prstGeom prst="rect">
+            <a:avLst/>
+          </a:prstGeom>
+          <a:ln w="0">
+            <a:noFill/>
+          </a:ln>
+        </p:spPr>
+      </p:pic>
+      <p:sp>
+        <p:nvSpPr>
+          <p:cNvPr id="65" name="Line 6"/>
+          <p:cNvSpPr/>
+          <p:nvPr/>
+        </p:nvSpPr>
+        <p:spPr>
+          <a:xfrm>
+            <a:off x="5414400" y="3043800"/>
+            <a:ext cx="2057400" cy="0"/>
+          </a:xfrm>
+          <a:prstGeom prst="line">
+            <a:avLst/>
+          </a:prstGeom>
+          <a:ln w="0">
+            <a:solidFill>
+              <a:srgbClr val="999999"/>
+            </a:solidFill>
+            <a:tailEnd type="triangle" w="med" len="med"/>
+          </a:ln>
+        </p:spPr>
+        <p:style>
+          <a:lnRef idx="0">
+            <a:srgbClr val="FFFFFF"/>
+          </a:lnRef>
+          <a:fillRef idx="0">
+            <a:srgbClr val="FFFFFF"/>
+          </a:fillRef>
+          <a:effectRef idx="0">
+            <a:srgbClr val="FFFFFF"/>
+          </a:effectRef>
+          <a:fontRef idx="minor"/>
+        </p:style>
+      </p:sp>
+      <p:pic>
+        <p:nvPicPr>
+          <p:cNvPr id="66" name="图片 65"/>
+          <p:cNvPicPr/>
+          <p:nvPr/>
+        </p:nvPicPr>
+        <p:blipFill>
+          <a:blip r:embed="rId4">
+            <a:alphaModFix amt="41000"/>
+          </a:blip>
+          <a:stretch>
+            <a:fillRect/>
+          </a:stretch>
+        </p:blipFill>
+        <p:spPr>
+          <a:xfrm>
+            <a:off x="5562720" y="2057400"/>
+            <a:ext cx="1716480" cy="639000"/>
+          </a:xfrm>
+          <a:prstGeom prst="rect">
+            <a:avLst/>
+          </a:prstGeom>
+          <a:ln w="0">
+            <a:noFill/>
+          </a:ln>
+        </p:spPr>
+      </p:pic>
+      <p:pic>
+        <p:nvPicPr>
+          <p:cNvPr id="67" name="图片 66"/>
+          <p:cNvPicPr/>
+          <p:nvPr/>
+        </p:nvPicPr>
+        <p:blipFill>
+          <a:blip r:embed="rId5">
+            <a:alphaModFix amt="75000"/>
+          </a:blip>
+          <a:stretch>
+            <a:fillRect/>
+          </a:stretch>
+        </p:blipFill>
+        <p:spPr>
+          <a:xfrm>
+            <a:off x="3200400" y="1828800"/>
+            <a:ext cx="1194840" cy="921240"/>
+          </a:xfrm>
+          <a:prstGeom prst="rect">
+            <a:avLst/>
+          </a:prstGeom>
+          <a:ln w="0">
+            <a:noFill/>
+          </a:ln>
+        </p:spPr>
+      </p:pic>
+      <p:pic>
+        <p:nvPicPr>
+          <p:cNvPr id="68" name="图片 67"/>
+          <p:cNvPicPr/>
+          <p:nvPr/>
+        </p:nvPicPr>
+        <p:blipFill>
+          <a:blip r:embed="rId6"/>
+          <a:stretch>
+            <a:fillRect/>
+          </a:stretch>
+        </p:blipFill>
+        <p:spPr>
+          <a:xfrm>
+            <a:off x="2276640" y="3657600"/>
+            <a:ext cx="1380960" cy="138960"/>
+          </a:xfrm>
+          <a:prstGeom prst="rect">
+            <a:avLst/>
+          </a:prstGeom>
+          <a:ln w="0">
+            <a:noFill/>
+          </a:ln>
+        </p:spPr>
+      </p:pic>
+      <p:sp>
+        <p:nvSpPr>
+          <p:cNvPr id="69" name="TextShape 7"/>
+          <p:cNvSpPr txBox="1"/>
+          <p:nvPr/>
+        </p:nvSpPr>
+        <p:spPr>
+          <a:xfrm>
+            <a:off x="3622680" y="3549600"/>
+            <a:ext cx="2562120" cy="336600"/>
+          </a:xfrm>
+          <a:prstGeom prst="rect">
+            <a:avLst/>
+          </a:prstGeom>
+          <a:noFill/>
+          <a:ln w="0">
+            <a:noFill/>
+          </a:ln>
+        </p:spPr>
+        <p:txBody>
+          <a:bodyPr lIns="90000" tIns="45000" rIns="90000" bIns="45000">
+            <a:noAutofit/>
+          </a:bodyPr>
+          <a:p>
+            <a:pPr>
+              <a:lnSpc>
+                <a:spcPct val="100000"/>
+              </a:lnSpc>
+            </a:pPr>
+            <a:r>
+              <a:rPr lang="en-US" sz="1400" b="0" strike="noStrike" spc="-86">
+                <a:latin typeface="Optima LT Medium" panose="020B0400000000000000"/>
+              </a:rPr>
+              <a:t>first      principal components</a:t>
+            </a:r>
+            <a:endParaRPr lang="en-US" sz="1400" b="0" strike="noStrike" spc="-86">
+              <a:latin typeface="Optima LT Medium" panose="020B0400000000000000"/>
+            </a:endParaRPr>
+          </a:p>
+        </p:txBody>
+      </p:sp>
+      <p:pic>
+        <p:nvPicPr>
+          <p:cNvPr id="70" name="图片 69"/>
+          <p:cNvPicPr/>
+          <p:nvPr/>
+        </p:nvPicPr>
+        <p:blipFill>
+          <a:blip r:embed="rId7"/>
+          <a:stretch>
+            <a:fillRect/>
+          </a:stretch>
+        </p:blipFill>
+        <p:spPr>
+          <a:xfrm>
+            <a:off x="4024080" y="3620880"/>
+            <a:ext cx="109800" cy="137160"/>
+          </a:xfrm>
+          <a:prstGeom prst="rect">
+            <a:avLst/>
+          </a:prstGeom>
+          <a:ln w="0">
+            <a:noFill/>
+          </a:ln>
+        </p:spPr>
+      </p:pic>
+    </p:spTree>
+  </p:cSld>
+  <p:clrMapOvr>
+    <a:masterClrMapping/>
+  </p:clrMapOvr>
+  <mc:AlternateContent xmlns:mc="http://schemas.openxmlformats.org/markup-compatibility/2006">
+    <mc:Choice xmlns:p14="http://schemas.microsoft.com/office/powerpoint/2010/main" Requires="p14">
+      <p:transition spd="slow" p14:dur="2000"/>
+    </mc:Choice>
+    <mc:Fallback>
+      <p:transition spd="slow"/>
+    </mc:Fallback>
+  </mc:AlternateContent>
+</p:sld>
+</file>
+
+<file path=ppt/slides/slide9.xml><?xml version="1.0" encoding="utf-8"?>
+<p:sld xmlns:a="http://schemas.openxmlformats.org/drawingml/2006/main" xmlns:r="http://schemas.openxmlformats.org/officeDocument/2006/relationships" xmlns:p="http://schemas.openxmlformats.org/presentationml/2006/main">
+  <p:cSld>
+    <p:spTree>
+      <p:nvGrpSpPr>
+        <p:cNvPr id="1" name=""/>
+        <p:cNvGrpSpPr/>
+        <p:nvPr/>
+      </p:nvGrpSpPr>
+      <p:grpSpPr>
+        <a:xfrm>
+          <a:off x="0" y="0"/>
+          <a:ext cx="0" cy="0"/>
+          <a:chOff x="0" y="0"/>
+          <a:chExt cx="0" cy="0"/>
+        </a:xfrm>
+      </p:grpSpPr>
+      <p:sp>
+        <p:nvSpPr>
+          <p:cNvPr id="58" name="CustomShape 2"/>
+          <p:cNvSpPr/>
+          <p:nvPr/>
+        </p:nvSpPr>
+        <p:spPr>
+          <a:xfrm>
+            <a:off x="72720" y="328680"/>
+            <a:ext cx="9071280" cy="1271520"/>
+          </a:xfrm>
+          <a:prstGeom prst="rect">
+            <a:avLst/>
+          </a:prstGeom>
+          <a:noFill/>
+          <a:ln w="0">
+            <a:noFill/>
+          </a:ln>
+        </p:spPr>
+        <p:style>
+          <a:lnRef idx="0">
+            <a:srgbClr val="FFFFFF"/>
+          </a:lnRef>
+          <a:fillRef idx="0">
+            <a:srgbClr val="FFFFFF"/>
+          </a:fillRef>
+          <a:effectRef idx="0">
+            <a:srgbClr val="FFFFFF"/>
+          </a:effectRef>
+          <a:fontRef idx="minor"/>
+        </p:style>
+      </p:sp>
+      <p:sp>
+        <p:nvSpPr>
+          <p:cNvPr id="59" name="CustomShape 3"/>
+          <p:cNvSpPr/>
+          <p:nvPr/>
+        </p:nvSpPr>
+        <p:spPr>
+          <a:xfrm>
+            <a:off x="1371600" y="1284120"/>
+            <a:ext cx="9071280" cy="3287880"/>
+          </a:xfrm>
+          <a:prstGeom prst="rect">
+            <a:avLst/>
+          </a:prstGeom>
+          <a:noFill/>
+          <a:ln w="0">
+            <a:noFill/>
+          </a:ln>
+        </p:spPr>
+        <p:style>
+          <a:lnRef idx="0">
+            <a:srgbClr val="FFFFFF"/>
+          </a:lnRef>
+          <a:fillRef idx="0">
+            <a:srgbClr val="FFFFFF"/>
+          </a:fillRef>
+          <a:effectRef idx="0">
+            <a:srgbClr val="FFFFFF"/>
+          </a:effectRef>
+          <a:fontRef idx="minor"/>
+        </p:style>
+      </p:sp>
+      <p:sp>
+        <p:nvSpPr>
+          <p:cNvPr id="60" name="TextShape 4"/>
+          <p:cNvSpPr txBox="1"/>
+          <p:nvPr/>
+        </p:nvSpPr>
+        <p:spPr>
+          <a:xfrm>
+            <a:off x="685800" y="300600"/>
+            <a:ext cx="6858000" cy="457200"/>
+          </a:xfrm>
+          <a:prstGeom prst="rect">
+            <a:avLst/>
+          </a:prstGeom>
+          <a:noFill/>
+          <a:ln w="0">
+            <a:noFill/>
+          </a:ln>
+        </p:spPr>
+        <p:txBody>
+          <a:bodyPr lIns="90000" tIns="45000" rIns="90000" bIns="45000">
+            <a:noAutofit/>
+          </a:bodyPr>
+          <a:p>
+            <a:pPr>
+              <a:lnSpc>
+                <a:spcPct val="100000"/>
+              </a:lnSpc>
+            </a:pPr>
+            <a:r>
+              <a:rPr lang="en-US" sz="2400" b="0" strike="noStrike" spc="-1">
+                <a:latin typeface="Optima LT DemiBold" panose="020B0400000000000000"/>
+              </a:rPr>
+              <a:t>TODO: Application of AE in image classification</a:t>
+            </a:r>
+            <a:endParaRPr lang="en-US" sz="2400" b="0" strike="noStrike" spc="-1">
+              <a:latin typeface="Optima LT DemiBold" panose="020B0400000000000000"/>
+            </a:endParaRPr>
+          </a:p>
+        </p:txBody>
+      </p:sp>
+    </p:spTree>
+  </p:cSld>
+  <p:clrMapOvr>
+    <a:masterClrMapping/>
+  </p:clrMapOvr>
+  <mc:AlternateContent xmlns:mc="http://schemas.openxmlformats.org/markup-compatibility/2006">
+    <mc:Choice xmlns:p14="http://schemas.microsoft.com/office/powerpoint/2010/main" Requires="p14">
       <p:transition spd="slow" p14:dur="2000"/>
     </mc:Choice>
     <mc:Fallback>
@@ -2863,31 +6783,31 @@
         <a:sysClr val="window" lastClr="FFFFFF"/>
       </a:lt1>
       <a:dk2>
-        <a:srgbClr val="1f497d"/>
+        <a:srgbClr val="1F497D"/>
       </a:dk2>
       <a:lt2>
-        <a:srgbClr val="eeece1"/>
+        <a:srgbClr val="EEECE1"/>
       </a:lt2>
       <a:accent1>
-        <a:srgbClr val="4f81bd"/>
+        <a:srgbClr val="4F81BD"/>
       </a:accent1>
       <a:accent2>
-        <a:srgbClr val="c0504d"/>
+        <a:srgbClr val="C0504D"/>
       </a:accent2>
       <a:accent3>
-        <a:srgbClr val="9bbb59"/>
+        <a:srgbClr val="9BBB59"/>
       </a:accent3>
       <a:accent4>
-        <a:srgbClr val="8064a2"/>
+        <a:srgbClr val="8064A2"/>
       </a:accent4>
       <a:accent5>
-        <a:srgbClr val="4bacc6"/>
+        <a:srgbClr val="4BACC6"/>
       </a:accent5>
       <a:accent6>
-        <a:srgbClr val="f79646"/>
+        <a:srgbClr val="F79646"/>
       </a:accent6>
       <a:hlink>
-        <a:srgbClr val="0000ff"/>
+        <a:srgbClr val="0000FF"/>
       </a:hlink>
       <a:folHlink>
         <a:srgbClr val="800080"/>
@@ -3075,5 +6995,241 @@
       </a:bgFillStyleLst>
     </a:fmtScheme>
   </a:themeElements>
+  <a:extLst>
+    <a:ext uri="{05A4C25C-085E-4340-85A3-A5531E510DB2}">
+      <thm15:themeFamily xmlns:thm15="http://schemas.microsoft.com/office/thememl/2012/main" name="Office Theme" id="{62F939B6-93AF-4DB8-9C6B-D6C7DFDC589F}" vid="{4A3C46E8-61CC-4603-A589-7422A47A8E4A}"/>
+    </a:ext>
+  </a:extLst>
+</a:theme>
+</file>
+
+<file path=ppt/theme/theme2.xml><?xml version="1.0" encoding="utf-8"?>
+<a:theme xmlns:a="http://schemas.openxmlformats.org/drawingml/2006/main" name="1_Office Theme">
+  <a:themeElements>
+    <a:clrScheme name="Office">
+      <a:dk1>
+        <a:sysClr val="windowText" lastClr="000000"/>
+      </a:dk1>
+      <a:lt1>
+        <a:sysClr val="window" lastClr="FFFFFF"/>
+      </a:lt1>
+      <a:dk2>
+        <a:srgbClr val="1F497D"/>
+      </a:dk2>
+      <a:lt2>
+        <a:srgbClr val="EEECE1"/>
+      </a:lt2>
+      <a:accent1>
+        <a:srgbClr val="4F81BD"/>
+      </a:accent1>
+      <a:accent2>
+        <a:srgbClr val="C0504D"/>
+      </a:accent2>
+      <a:accent3>
+        <a:srgbClr val="9BBB59"/>
+      </a:accent3>
+      <a:accent4>
+        <a:srgbClr val="8064A2"/>
+      </a:accent4>
+      <a:accent5>
+        <a:srgbClr val="4BACC6"/>
+      </a:accent5>
+      <a:accent6>
+        <a:srgbClr val="F79646"/>
+      </a:accent6>
+      <a:hlink>
+        <a:srgbClr val="0000FF"/>
+      </a:hlink>
+      <a:folHlink>
+        <a:srgbClr val="800080"/>
+      </a:folHlink>
+    </a:clrScheme>
+    <a:fontScheme name="Office">
+      <a:majorFont>
+        <a:latin typeface="Arial"/>
+        <a:ea typeface="DejaVu Sans"/>
+        <a:cs typeface="DejaVu Sans"/>
+      </a:majorFont>
+      <a:minorFont>
+        <a:latin typeface="Arial"/>
+        <a:ea typeface="DejaVu Sans"/>
+        <a:cs typeface="DejaVu Sans"/>
+      </a:minorFont>
+    </a:fontScheme>
+    <a:fmtScheme name="Office">
+      <a:fillStyleLst>
+        <a:solidFill>
+          <a:schemeClr val="phClr"/>
+        </a:solidFill>
+        <a:gradFill rotWithShape="1">
+          <a:gsLst>
+            <a:gs pos="0">
+              <a:schemeClr val="phClr">
+                <a:tint val="50000"/>
+                <a:satMod val="300000"/>
+              </a:schemeClr>
+            </a:gs>
+            <a:gs pos="35000">
+              <a:schemeClr val="phClr">
+                <a:tint val="37000"/>
+                <a:satMod val="300000"/>
+              </a:schemeClr>
+            </a:gs>
+            <a:gs pos="100000">
+              <a:schemeClr val="phClr">
+                <a:tint val="15000"/>
+                <a:satMod val="350000"/>
+              </a:schemeClr>
+            </a:gs>
+          </a:gsLst>
+          <a:lin ang="16200000" scaled="1"/>
+        </a:gradFill>
+        <a:gradFill rotWithShape="1">
+          <a:gsLst>
+            <a:gs pos="0">
+              <a:schemeClr val="phClr">
+                <a:shade val="51000"/>
+                <a:satMod val="130000"/>
+              </a:schemeClr>
+            </a:gs>
+            <a:gs pos="80000">
+              <a:schemeClr val="phClr">
+                <a:shade val="93000"/>
+                <a:satMod val="130000"/>
+              </a:schemeClr>
+            </a:gs>
+            <a:gs pos="100000">
+              <a:schemeClr val="phClr">
+                <a:shade val="94000"/>
+                <a:satMod val="135000"/>
+              </a:schemeClr>
+            </a:gs>
+          </a:gsLst>
+          <a:lin ang="16200000" scaled="0"/>
+        </a:gradFill>
+      </a:fillStyleLst>
+      <a:lnStyleLst>
+        <a:ln w="9525" cap="flat" cmpd="sng" algn="ctr">
+          <a:solidFill>
+            <a:schemeClr val="phClr">
+              <a:shade val="95000"/>
+              <a:satMod val="105000"/>
+            </a:schemeClr>
+          </a:solidFill>
+          <a:prstDash val="solid"/>
+          <a:miter/>
+        </a:ln>
+        <a:ln w="25400" cap="flat" cmpd="sng" algn="ctr">
+          <a:solidFill>
+            <a:schemeClr val="phClr"/>
+          </a:solidFill>
+          <a:prstDash val="solid"/>
+          <a:miter/>
+        </a:ln>
+        <a:ln w="38100" cap="flat" cmpd="sng" algn="ctr">
+          <a:solidFill>
+            <a:schemeClr val="phClr"/>
+          </a:solidFill>
+          <a:prstDash val="solid"/>
+          <a:miter/>
+        </a:ln>
+      </a:lnStyleLst>
+      <a:effectStyleLst>
+        <a:effectStyle>
+          <a:effectLst>
+            <a:outerShdw blurRad="40000" dist="20000" dir="5400000" rotWithShape="0">
+              <a:srgbClr val="000000">
+                <a:alpha val="38000"/>
+              </a:srgbClr>
+            </a:outerShdw>
+          </a:effectLst>
+        </a:effectStyle>
+        <a:effectStyle>
+          <a:effectLst>
+            <a:outerShdw blurRad="40000" dist="23000" dir="5400000" rotWithShape="0">
+              <a:srgbClr val="000000">
+                <a:alpha val="35000"/>
+              </a:srgbClr>
+            </a:outerShdw>
+          </a:effectLst>
+        </a:effectStyle>
+        <a:effectStyle>
+          <a:effectLst>
+            <a:outerShdw blurRad="40000" dist="23000" dir="5400000" rotWithShape="0">
+              <a:srgbClr val="000000">
+                <a:alpha val="35000"/>
+              </a:srgbClr>
+            </a:outerShdw>
+          </a:effectLst>
+          <a:scene3d>
+            <a:camera prst="orthographicFront">
+              <a:rot lat="0" lon="0" rev="0"/>
+            </a:camera>
+            <a:lightRig rig="threePt" dir="t">
+              <a:rot lat="0" lon="0" rev="1200000"/>
+            </a:lightRig>
+          </a:scene3d>
+          <a:sp3d>
+            <a:bevelT w="63500" h="25400"/>
+          </a:sp3d>
+        </a:effectStyle>
+      </a:effectStyleLst>
+      <a:bgFillStyleLst>
+        <a:solidFill>
+          <a:schemeClr val="phClr"/>
+        </a:solidFill>
+        <a:gradFill rotWithShape="1">
+          <a:gsLst>
+            <a:gs pos="0">
+              <a:schemeClr val="phClr">
+                <a:tint val="40000"/>
+                <a:satMod val="350000"/>
+              </a:schemeClr>
+            </a:gs>
+            <a:gs pos="40000">
+              <a:schemeClr val="phClr">
+                <a:tint val="45000"/>
+                <a:shade val="99000"/>
+                <a:satMod val="350000"/>
+              </a:schemeClr>
+            </a:gs>
+            <a:gs pos="100000">
+              <a:schemeClr val="phClr">
+                <a:shade val="20000"/>
+                <a:satMod val="255000"/>
+              </a:schemeClr>
+            </a:gs>
+          </a:gsLst>
+          <a:path path="circle">
+            <a:fillToRect l="50000" t="-80000" r="50000" b="180000"/>
+          </a:path>
+        </a:gradFill>
+        <a:gradFill rotWithShape="1">
+          <a:gsLst>
+            <a:gs pos="0">
+              <a:schemeClr val="phClr">
+                <a:tint val="80000"/>
+                <a:satMod val="300000"/>
+              </a:schemeClr>
+            </a:gs>
+            <a:gs pos="100000">
+              <a:schemeClr val="phClr">
+                <a:shade val="30000"/>
+                <a:satMod val="200000"/>
+              </a:schemeClr>
+            </a:gs>
+          </a:gsLst>
+          <a:path path="circle">
+            <a:fillToRect l="50000" t="50000" r="50000" b="50000"/>
+          </a:path>
+        </a:gradFill>
+      </a:bgFillStyleLst>
+    </a:fmtScheme>
+  </a:themeElements>
+  <a:extLst>
+    <a:ext uri="{05A4C25C-085E-4340-85A3-A5531E510DB2}">
+      <thm15:themeFamily xmlns:thm15="http://schemas.microsoft.com/office/thememl/2012/main" name="Office Theme" id="{62F939B6-93AF-4DB8-9C6B-D6C7DFDC589F}" vid="{4A3C46E8-61CC-4603-A589-7422A47A8E4A}"/>
+    </a:ext>
+  </a:extLst>
 </a:theme>
 </file>